--- a/DATN.pptx
+++ b/DATN.pptx
@@ -10,27 +10,26 @@
     <p:sldId id="262" r:id="rId4"/>
     <p:sldId id="280" r:id="rId5"/>
     <p:sldId id="259" r:id="rId6"/>
-    <p:sldId id="265" r:id="rId7"/>
-    <p:sldId id="266" r:id="rId8"/>
-    <p:sldId id="267" r:id="rId9"/>
-    <p:sldId id="268" r:id="rId10"/>
-    <p:sldId id="269" r:id="rId11"/>
-    <p:sldId id="270" r:id="rId12"/>
-    <p:sldId id="275" r:id="rId13"/>
-    <p:sldId id="276" r:id="rId14"/>
-    <p:sldId id="277" r:id="rId15"/>
-    <p:sldId id="272" r:id="rId16"/>
-    <p:sldId id="278" r:id="rId17"/>
-    <p:sldId id="279" r:id="rId18"/>
-    <p:sldId id="261" r:id="rId19"/>
-    <p:sldId id="281" r:id="rId20"/>
-    <p:sldId id="283" r:id="rId21"/>
-    <p:sldId id="260" r:id="rId22"/>
-    <p:sldId id="284" r:id="rId23"/>
-    <p:sldId id="285" r:id="rId24"/>
-    <p:sldId id="287" r:id="rId25"/>
-    <p:sldId id="286" r:id="rId26"/>
-    <p:sldId id="257" r:id="rId27"/>
+    <p:sldId id="266" r:id="rId7"/>
+    <p:sldId id="267" r:id="rId8"/>
+    <p:sldId id="268" r:id="rId9"/>
+    <p:sldId id="269" r:id="rId10"/>
+    <p:sldId id="270" r:id="rId11"/>
+    <p:sldId id="275" r:id="rId12"/>
+    <p:sldId id="276" r:id="rId13"/>
+    <p:sldId id="277" r:id="rId14"/>
+    <p:sldId id="272" r:id="rId15"/>
+    <p:sldId id="278" r:id="rId16"/>
+    <p:sldId id="279" r:id="rId17"/>
+    <p:sldId id="261" r:id="rId18"/>
+    <p:sldId id="281" r:id="rId19"/>
+    <p:sldId id="283" r:id="rId20"/>
+    <p:sldId id="260" r:id="rId21"/>
+    <p:sldId id="284" r:id="rId22"/>
+    <p:sldId id="285" r:id="rId23"/>
+    <p:sldId id="287" r:id="rId24"/>
+    <p:sldId id="286" r:id="rId25"/>
+    <p:sldId id="257" r:id="rId26"/>
   </p:sldIdLst>
   <p:sldSz cx="12192000" cy="6858000"/>
   <p:notesSz cx="6858000" cy="9144000"/>
@@ -284,7 +283,7 @@
           <a:p>
             <a:fld id="{14E9384F-17C1-4C33-A7A2-A37C2466E12D}" type="datetimeFigureOut">
               <a:rPr lang="en-US" smtClean="0"/>
-              <a:t>05/05/2019</a:t>
+              <a:t>5/8/2019</a:t>
             </a:fld>
             <a:endParaRPr lang="en-US"/>
           </a:p>
@@ -482,7 +481,7 @@
           <a:p>
             <a:fld id="{14E9384F-17C1-4C33-A7A2-A37C2466E12D}" type="datetimeFigureOut">
               <a:rPr lang="en-US" smtClean="0"/>
-              <a:t>05/05/2019</a:t>
+              <a:t>5/8/2019</a:t>
             </a:fld>
             <a:endParaRPr lang="en-US"/>
           </a:p>
@@ -690,7 +689,7 @@
           <a:p>
             <a:fld id="{14E9384F-17C1-4C33-A7A2-A37C2466E12D}" type="datetimeFigureOut">
               <a:rPr lang="en-US" smtClean="0"/>
-              <a:t>05/05/2019</a:t>
+              <a:t>5/8/2019</a:t>
             </a:fld>
             <a:endParaRPr lang="en-US"/>
           </a:p>
@@ -888,7 +887,7 @@
           <a:p>
             <a:fld id="{14E9384F-17C1-4C33-A7A2-A37C2466E12D}" type="datetimeFigureOut">
               <a:rPr lang="en-US" smtClean="0"/>
-              <a:t>05/05/2019</a:t>
+              <a:t>5/8/2019</a:t>
             </a:fld>
             <a:endParaRPr lang="en-US"/>
           </a:p>
@@ -1163,7 +1162,7 @@
           <a:p>
             <a:fld id="{14E9384F-17C1-4C33-A7A2-A37C2466E12D}" type="datetimeFigureOut">
               <a:rPr lang="en-US" smtClean="0"/>
-              <a:t>05/05/2019</a:t>
+              <a:t>5/8/2019</a:t>
             </a:fld>
             <a:endParaRPr lang="en-US"/>
           </a:p>
@@ -1428,7 +1427,7 @@
           <a:p>
             <a:fld id="{14E9384F-17C1-4C33-A7A2-A37C2466E12D}" type="datetimeFigureOut">
               <a:rPr lang="en-US" smtClean="0"/>
-              <a:t>05/05/2019</a:t>
+              <a:t>5/8/2019</a:t>
             </a:fld>
             <a:endParaRPr lang="en-US"/>
           </a:p>
@@ -1840,7 +1839,7 @@
           <a:p>
             <a:fld id="{14E9384F-17C1-4C33-A7A2-A37C2466E12D}" type="datetimeFigureOut">
               <a:rPr lang="en-US" smtClean="0"/>
-              <a:t>05/05/2019</a:t>
+              <a:t>5/8/2019</a:t>
             </a:fld>
             <a:endParaRPr lang="en-US"/>
           </a:p>
@@ -1981,7 +1980,7 @@
           <a:p>
             <a:fld id="{14E9384F-17C1-4C33-A7A2-A37C2466E12D}" type="datetimeFigureOut">
               <a:rPr lang="en-US" smtClean="0"/>
-              <a:t>05/05/2019</a:t>
+              <a:t>5/8/2019</a:t>
             </a:fld>
             <a:endParaRPr lang="en-US"/>
           </a:p>
@@ -2094,7 +2093,7 @@
           <a:p>
             <a:fld id="{14E9384F-17C1-4C33-A7A2-A37C2466E12D}" type="datetimeFigureOut">
               <a:rPr lang="en-US" smtClean="0"/>
-              <a:t>05/05/2019</a:t>
+              <a:t>5/8/2019</a:t>
             </a:fld>
             <a:endParaRPr lang="en-US"/>
           </a:p>
@@ -2405,7 +2404,7 @@
           <a:p>
             <a:fld id="{14E9384F-17C1-4C33-A7A2-A37C2466E12D}" type="datetimeFigureOut">
               <a:rPr lang="en-US" smtClean="0"/>
-              <a:t>05/05/2019</a:t>
+              <a:t>5/8/2019</a:t>
             </a:fld>
             <a:endParaRPr lang="en-US"/>
           </a:p>
@@ -2693,7 +2692,7 @@
           <a:p>
             <a:fld id="{14E9384F-17C1-4C33-A7A2-A37C2466E12D}" type="datetimeFigureOut">
               <a:rPr lang="en-US" smtClean="0"/>
-              <a:t>05/05/2019</a:t>
+              <a:t>5/8/2019</a:t>
             </a:fld>
             <a:endParaRPr lang="en-US"/>
           </a:p>
@@ -2934,7 +2933,7 @@
           <a:p>
             <a:fld id="{14E9384F-17C1-4C33-A7A2-A37C2466E12D}" type="datetimeFigureOut">
               <a:rPr lang="en-US" smtClean="0"/>
-              <a:t>05/05/2019</a:t>
+              <a:t>5/8/2019</a:t>
             </a:fld>
             <a:endParaRPr lang="en-US"/>
           </a:p>
@@ -4538,684 +4537,6 @@
         <p:spPr>
           <a:xfrm>
             <a:off x="1088058" y="1614328"/>
-            <a:ext cx="5591038" cy="4508176"/>
-          </a:xfrm>
-        </p:spPr>
-        <p:txBody>
-          <a:bodyPr>
-            <a:normAutofit/>
-          </a:bodyPr>
-          <a:lstStyle/>
-          <a:p>
-            <a:pPr algn="l"/>
-            <a:r>
-              <a:rPr lang="en-US" sz="3200" b="1">
-                <a:solidFill>
-                  <a:schemeClr val="accent1"/>
-                </a:solidFill>
-                <a:latin typeface="Times New Roman" panose="02020603050405020304" pitchFamily="18" charset="0"/>
-                <a:cs typeface="Times New Roman" panose="02020603050405020304" pitchFamily="18" charset="0"/>
-              </a:rPr>
-              <a:t>2.2 Hệ thống gợi ý</a:t>
-            </a:r>
-          </a:p>
-          <a:p>
-            <a:pPr algn="l">
-              <a:lnSpc>
-                <a:spcPct val="130000"/>
-              </a:lnSpc>
-            </a:pPr>
-            <a:r>
-              <a:rPr lang="en-US">
-                <a:latin typeface="Times New Roman" panose="02020603050405020304" pitchFamily="18" charset="0"/>
-                <a:cs typeface="Times New Roman" panose="02020603050405020304" pitchFamily="18" charset="0"/>
-              </a:rPr>
-              <a:t>L</a:t>
-            </a:r>
-            <a:r>
-              <a:rPr lang="vi-VN">
-                <a:latin typeface="Times New Roman" panose="02020603050405020304" pitchFamily="18" charset="0"/>
-                <a:cs typeface="Times New Roman" panose="02020603050405020304" pitchFamily="18" charset="0"/>
-              </a:rPr>
-              <a:t>à một dạng của hệ hỗ trợ ra quyết định, cung cấp giải pháp mang tính cá nhân hóa mà không phải trải qua quá trình tìm kiếm phức tạp. Hệ gợi ý học từ người dùng và gợi ý các sản phẩm tốt nhất trong số các sản phẩm phù hợp.</a:t>
-            </a:r>
-            <a:endParaRPr lang="en-US">
-              <a:latin typeface="Times New Roman" panose="02020603050405020304" pitchFamily="18" charset="0"/>
-              <a:cs typeface="Times New Roman" panose="02020603050405020304" pitchFamily="18" charset="0"/>
-            </a:endParaRPr>
-          </a:p>
-          <a:p>
-            <a:pPr algn="l"/>
-            <a:endParaRPr lang="en-US" sz="2000">
-              <a:latin typeface="Times New Roman" panose="02020603050405020304" pitchFamily="18" charset="0"/>
-              <a:cs typeface="Times New Roman" panose="02020603050405020304" pitchFamily="18" charset="0"/>
-            </a:endParaRPr>
-          </a:p>
-        </p:txBody>
-      </p:sp>
-      <p:pic>
-        <p:nvPicPr>
-          <p:cNvPr id="16" name="Picture 15">
-            <a:extLst>
-              <a:ext uri="{FF2B5EF4-FFF2-40B4-BE49-F238E27FC236}">
-                <a16:creationId xmlns:a16="http://schemas.microsoft.com/office/drawing/2014/main" id="{0BD4A744-9808-4422-982D-C753547BCFBC}"/>
-              </a:ext>
-            </a:extLst>
-          </p:cNvPr>
-          <p:cNvPicPr>
-            <a:picLocks noChangeAspect="1"/>
-          </p:cNvPicPr>
-          <p:nvPr/>
-        </p:nvPicPr>
-        <p:blipFill>
-          <a:blip r:embed="rId3">
-            <a:extLst>
-              <a:ext uri="{28A0092B-C50C-407E-A947-70E740481C1C}">
-                <a14:useLocalDpi xmlns:a14="http://schemas.microsoft.com/office/drawing/2010/main" val="0"/>
-              </a:ext>
-            </a:extLst>
-          </a:blip>
-          <a:stretch>
-            <a:fillRect/>
-          </a:stretch>
-        </p:blipFill>
-        <p:spPr>
-          <a:xfrm>
-            <a:off x="10178549" y="5895244"/>
-            <a:ext cx="1880931" cy="830236"/>
-          </a:xfrm>
-          <a:prstGeom prst="rect">
-            <a:avLst/>
-          </a:prstGeom>
-        </p:spPr>
-      </p:pic>
-      <p:pic>
-        <p:nvPicPr>
-          <p:cNvPr id="18" name="Picture 17">
-            <a:extLst>
-              <a:ext uri="{FF2B5EF4-FFF2-40B4-BE49-F238E27FC236}">
-                <a16:creationId xmlns:a16="http://schemas.microsoft.com/office/drawing/2014/main" id="{B4D07A61-668E-4FE0-A467-516ABF3ACC4C}"/>
-              </a:ext>
-            </a:extLst>
-          </p:cNvPr>
-          <p:cNvPicPr/>
-          <p:nvPr/>
-        </p:nvPicPr>
-        <p:blipFill>
-          <a:blip r:embed="rId4">
-            <a:extLst>
-              <a:ext uri="{28A0092B-C50C-407E-A947-70E740481C1C}">
-                <a14:useLocalDpi xmlns:a14="http://schemas.microsoft.com/office/drawing/2010/main" val="0"/>
-              </a:ext>
-            </a:extLst>
-          </a:blip>
-          <a:stretch>
-            <a:fillRect/>
-          </a:stretch>
-        </p:blipFill>
-        <p:spPr>
-          <a:xfrm>
-            <a:off x="6679096" y="1859883"/>
-            <a:ext cx="4132448" cy="4035361"/>
-          </a:xfrm>
-          <a:prstGeom prst="rect">
-            <a:avLst/>
-          </a:prstGeom>
-        </p:spPr>
-      </p:pic>
-    </p:spTree>
-    <p:extLst>
-      <p:ext uri="{BB962C8B-B14F-4D97-AF65-F5344CB8AC3E}">
-        <p14:creationId xmlns:p14="http://schemas.microsoft.com/office/powerpoint/2010/main" val="1924575472"/>
-      </p:ext>
-    </p:extLst>
-  </p:cSld>
-  <p:clrMapOvr>
-    <a:masterClrMapping/>
-  </p:clrMapOvr>
-</p:sld>
-</file>
-
-<file path=ppt/slides/slide11.xml><?xml version="1.0" encoding="utf-8"?>
-<p:sld xmlns:a="http://schemas.openxmlformats.org/drawingml/2006/main" xmlns:r="http://schemas.openxmlformats.org/officeDocument/2006/relationships" xmlns:p="http://schemas.openxmlformats.org/presentationml/2006/main">
-  <p:cSld>
-    <p:spTree>
-      <p:nvGrpSpPr>
-        <p:cNvPr id="1" name=""/>
-        <p:cNvGrpSpPr/>
-        <p:nvPr/>
-      </p:nvGrpSpPr>
-      <p:grpSpPr>
-        <a:xfrm>
-          <a:off x="0" y="0"/>
-          <a:ext cx="0" cy="0"/>
-          <a:chOff x="0" y="0"/>
-          <a:chExt cx="0" cy="0"/>
-        </a:xfrm>
-      </p:grpSpPr>
-      <p:pic>
-        <p:nvPicPr>
-          <p:cNvPr id="5" name="Picture 4">
-            <a:extLst>
-              <a:ext uri="{FF2B5EF4-FFF2-40B4-BE49-F238E27FC236}">
-                <a16:creationId xmlns:a16="http://schemas.microsoft.com/office/drawing/2014/main" id="{813F15EF-A1C2-405B-A9C0-52F3FFDA58EE}"/>
-              </a:ext>
-            </a:extLst>
-          </p:cNvPr>
-          <p:cNvPicPr>
-            <a:picLocks noChangeAspect="1"/>
-          </p:cNvPicPr>
-          <p:nvPr/>
-        </p:nvPicPr>
-        <p:blipFill>
-          <a:blip r:embed="rId2">
-            <a:extLst>
-              <a:ext uri="{28A0092B-C50C-407E-A947-70E740481C1C}">
-                <a14:useLocalDpi xmlns:a14="http://schemas.microsoft.com/office/drawing/2010/main" val="0"/>
-              </a:ext>
-            </a:extLst>
-          </a:blip>
-          <a:stretch>
-            <a:fillRect/>
-          </a:stretch>
-        </p:blipFill>
-        <p:spPr>
-          <a:xfrm>
-            <a:off x="127000" y="127000"/>
-            <a:ext cx="1028700" cy="1028700"/>
-          </a:xfrm>
-          <a:prstGeom prst="rect">
-            <a:avLst/>
-          </a:prstGeom>
-        </p:spPr>
-      </p:pic>
-      <p:grpSp>
-        <p:nvGrpSpPr>
-          <p:cNvPr id="116" name="Group 18">
-            <a:extLst>
-              <a:ext uri="{FF2B5EF4-FFF2-40B4-BE49-F238E27FC236}">
-                <a16:creationId xmlns:a16="http://schemas.microsoft.com/office/drawing/2014/main" id="{AC39CE75-6AAD-40DA-BED1-A0BB49A9151C}"/>
-              </a:ext>
-            </a:extLst>
-          </p:cNvPr>
-          <p:cNvGrpSpPr>
-            <a:grpSpLocks/>
-          </p:cNvGrpSpPr>
-          <p:nvPr/>
-        </p:nvGrpSpPr>
-        <p:grpSpPr bwMode="auto">
-          <a:xfrm>
-            <a:off x="1282700" y="127000"/>
-            <a:ext cx="9626600" cy="1028700"/>
-            <a:chOff x="720" y="1392"/>
-            <a:chExt cx="4058" cy="480"/>
-          </a:xfrm>
-        </p:grpSpPr>
-        <p:sp>
-          <p:nvSpPr>
-            <p:cNvPr id="117" name="AutoShape 19">
-              <a:extLst>
-                <a:ext uri="{FF2B5EF4-FFF2-40B4-BE49-F238E27FC236}">
-                  <a16:creationId xmlns:a16="http://schemas.microsoft.com/office/drawing/2014/main" id="{633CE4D7-2B63-4638-8D65-221A4454A7E6}"/>
-                </a:ext>
-              </a:extLst>
-            </p:cNvPr>
-            <p:cNvSpPr>
-              <a:spLocks noChangeArrowheads="1"/>
-            </p:cNvSpPr>
-            <p:nvPr/>
-          </p:nvSpPr>
-          <p:spPr bwMode="gray">
-            <a:xfrm>
-              <a:off x="720" y="1392"/>
-              <a:ext cx="4058" cy="480"/>
-            </a:xfrm>
-            <a:prstGeom prst="roundRect">
-              <a:avLst>
-                <a:gd name="adj" fmla="val 17509"/>
-              </a:avLst>
-            </a:prstGeom>
-            <a:gradFill rotWithShape="1">
-              <a:gsLst>
-                <a:gs pos="0">
-                  <a:srgbClr val="5EB52D"/>
-                </a:gs>
-                <a:gs pos="50000">
-                  <a:srgbClr val="5EB52D">
-                    <a:gamma/>
-                    <a:shade val="92157"/>
-                    <a:invGamma/>
-                  </a:srgbClr>
-                </a:gs>
-                <a:gs pos="100000">
-                  <a:srgbClr val="5EB52D"/>
-                </a:gs>
-              </a:gsLst>
-              <a:lin ang="5400000" scaled="1"/>
-            </a:gradFill>
-            <a:ln w="9525">
-              <a:noFill/>
-              <a:round/>
-              <a:headEnd/>
-              <a:tailEnd/>
-            </a:ln>
-            <a:effectLst/>
-          </p:spPr>
-          <p:txBody>
-            <a:bodyPr wrap="none" anchor="ctr"/>
-            <a:lstStyle/>
-            <a:p>
-              <a:pPr marL="0" marR="0" lvl="0" indent="0" algn="r" defTabSz="914400" eaLnBrk="1" fontAlgn="base" latinLnBrk="0" hangingPunct="1">
-                <a:lnSpc>
-                  <a:spcPct val="100000"/>
-                </a:lnSpc>
-                <a:spcBef>
-                  <a:spcPct val="0"/>
-                </a:spcBef>
-                <a:spcAft>
-                  <a:spcPct val="0"/>
-                </a:spcAft>
-                <a:buClrTx/>
-                <a:buSzTx/>
-                <a:buFontTx/>
-                <a:buNone/>
-                <a:tabLst/>
-                <a:defRPr/>
-              </a:pPr>
-              <a:endParaRPr kumimoji="0" lang="en-US" sz="1800" b="0" i="0" u="none" strike="noStrike" kern="0" cap="none" spc="0" normalizeH="0" baseline="0" noProof="0">
-                <a:ln>
-                  <a:noFill/>
-                </a:ln>
-                <a:solidFill>
-                  <a:srgbClr val="000000"/>
-                </a:solidFill>
-                <a:effectLst/>
-                <a:uLnTx/>
-                <a:uFillTx/>
-                <a:latin typeface="Arial" charset="0"/>
-              </a:endParaRPr>
-            </a:p>
-          </p:txBody>
-        </p:sp>
-        <p:grpSp>
-          <p:nvGrpSpPr>
-            <p:cNvPr id="118" name="Group 20">
-              <a:extLst>
-                <a:ext uri="{FF2B5EF4-FFF2-40B4-BE49-F238E27FC236}">
-                  <a16:creationId xmlns:a16="http://schemas.microsoft.com/office/drawing/2014/main" id="{C874D03F-4F67-43DA-8CA6-CA5A748BAD21}"/>
-                </a:ext>
-              </a:extLst>
-            </p:cNvPr>
-            <p:cNvGrpSpPr>
-              <a:grpSpLocks/>
-            </p:cNvGrpSpPr>
-            <p:nvPr/>
-          </p:nvGrpSpPr>
-          <p:grpSpPr bwMode="auto">
-            <a:xfrm>
-              <a:off x="730" y="1407"/>
-              <a:ext cx="4043" cy="444"/>
-              <a:chOff x="744" y="1407"/>
-              <a:chExt cx="3988" cy="444"/>
-            </a:xfrm>
-          </p:grpSpPr>
-          <p:sp>
-            <p:nvSpPr>
-              <p:cNvPr id="119" name="AutoShape 21">
-                <a:extLst>
-                  <a:ext uri="{FF2B5EF4-FFF2-40B4-BE49-F238E27FC236}">
-                    <a16:creationId xmlns:a16="http://schemas.microsoft.com/office/drawing/2014/main" id="{E7704AD0-B998-494A-948A-0AB95A322807}"/>
-                  </a:ext>
-                </a:extLst>
-              </p:cNvPr>
-              <p:cNvSpPr>
-                <a:spLocks noChangeArrowheads="1"/>
-              </p:cNvSpPr>
-              <p:nvPr/>
-            </p:nvSpPr>
-            <p:spPr bwMode="gray">
-              <a:xfrm>
-                <a:off x="744" y="1736"/>
-                <a:ext cx="3988" cy="115"/>
-              </a:xfrm>
-              <a:prstGeom prst="roundRect">
-                <a:avLst>
-                  <a:gd name="adj" fmla="val 50000"/>
-                </a:avLst>
-              </a:prstGeom>
-              <a:gradFill rotWithShape="1">
-                <a:gsLst>
-                  <a:gs pos="0">
-                    <a:srgbClr val="5EB52D">
-                      <a:alpha val="0"/>
-                    </a:srgbClr>
-                  </a:gs>
-                  <a:gs pos="100000">
-                    <a:srgbClr val="5EB52D">
-                      <a:gamma/>
-                      <a:tint val="0"/>
-                      <a:invGamma/>
-                    </a:srgbClr>
-                  </a:gs>
-                </a:gsLst>
-                <a:lin ang="5400000" scaled="1"/>
-              </a:gradFill>
-              <a:ln w="9525">
-                <a:noFill/>
-                <a:round/>
-                <a:headEnd/>
-                <a:tailEnd/>
-              </a:ln>
-              <a:effectLst/>
-            </p:spPr>
-            <p:txBody>
-              <a:bodyPr wrap="none" anchor="ctr"/>
-              <a:lstStyle/>
-              <a:p>
-                <a:pPr marL="0" marR="0" lvl="0" indent="0" algn="r" defTabSz="914400" eaLnBrk="1" fontAlgn="base" latinLnBrk="0" hangingPunct="1">
-                  <a:lnSpc>
-                    <a:spcPct val="100000"/>
-                  </a:lnSpc>
-                  <a:spcBef>
-                    <a:spcPct val="0"/>
-                  </a:spcBef>
-                  <a:spcAft>
-                    <a:spcPct val="0"/>
-                  </a:spcAft>
-                  <a:buClrTx/>
-                  <a:buSzTx/>
-                  <a:buFontTx/>
-                  <a:buNone/>
-                  <a:tabLst/>
-                  <a:defRPr/>
-                </a:pPr>
-                <a:endParaRPr kumimoji="0" lang="en-US" sz="1800" b="0" i="0" u="none" strike="noStrike" kern="0" cap="none" spc="0" normalizeH="0" baseline="0" noProof="0">
-                  <a:ln>
-                    <a:noFill/>
-                  </a:ln>
-                  <a:solidFill>
-                    <a:srgbClr val="000000"/>
-                  </a:solidFill>
-                  <a:effectLst/>
-                  <a:uLnTx/>
-                  <a:uFillTx/>
-                  <a:latin typeface="Arial" charset="0"/>
-                </a:endParaRPr>
-              </a:p>
-            </p:txBody>
-          </p:sp>
-          <p:sp>
-            <p:nvSpPr>
-              <p:cNvPr id="120" name="AutoShape 22">
-                <a:extLst>
-                  <a:ext uri="{FF2B5EF4-FFF2-40B4-BE49-F238E27FC236}">
-                    <a16:creationId xmlns:a16="http://schemas.microsoft.com/office/drawing/2014/main" id="{7E2DB2C4-E60B-4787-A2D6-A927344FA8B4}"/>
-                  </a:ext>
-                </a:extLst>
-              </p:cNvPr>
-              <p:cNvSpPr>
-                <a:spLocks noChangeArrowheads="1"/>
-              </p:cNvSpPr>
-              <p:nvPr/>
-            </p:nvSpPr>
-            <p:spPr bwMode="gray">
-              <a:xfrm>
-                <a:off x="744" y="1407"/>
-                <a:ext cx="3988" cy="115"/>
-              </a:xfrm>
-              <a:prstGeom prst="roundRect">
-                <a:avLst>
-                  <a:gd name="adj" fmla="val 50000"/>
-                </a:avLst>
-              </a:prstGeom>
-              <a:gradFill rotWithShape="1">
-                <a:gsLst>
-                  <a:gs pos="0">
-                    <a:srgbClr val="5EB52D">
-                      <a:gamma/>
-                      <a:tint val="0"/>
-                      <a:invGamma/>
-                    </a:srgbClr>
-                  </a:gs>
-                  <a:gs pos="100000">
-                    <a:srgbClr val="5EB52D">
-                      <a:alpha val="0"/>
-                    </a:srgbClr>
-                  </a:gs>
-                </a:gsLst>
-                <a:lin ang="5400000" scaled="1"/>
-              </a:gradFill>
-              <a:ln w="9525">
-                <a:noFill/>
-                <a:round/>
-                <a:headEnd/>
-                <a:tailEnd/>
-              </a:ln>
-              <a:effectLst/>
-            </p:spPr>
-            <p:txBody>
-              <a:bodyPr wrap="none" anchor="ctr"/>
-              <a:lstStyle/>
-              <a:p>
-                <a:pPr marL="0" marR="0" lvl="0" indent="0" algn="r" defTabSz="914400" eaLnBrk="1" fontAlgn="base" latinLnBrk="0" hangingPunct="1">
-                  <a:lnSpc>
-                    <a:spcPct val="100000"/>
-                  </a:lnSpc>
-                  <a:spcBef>
-                    <a:spcPct val="0"/>
-                  </a:spcBef>
-                  <a:spcAft>
-                    <a:spcPct val="0"/>
-                  </a:spcAft>
-                  <a:buClrTx/>
-                  <a:buSzTx/>
-                  <a:buFontTx/>
-                  <a:buNone/>
-                  <a:tabLst/>
-                  <a:defRPr/>
-                </a:pPr>
-                <a:endParaRPr kumimoji="0" lang="en-US" sz="1800" b="0" i="0" u="none" strike="noStrike" kern="0" cap="none" spc="0" normalizeH="0" baseline="0" noProof="0">
-                  <a:ln>
-                    <a:noFill/>
-                  </a:ln>
-                  <a:solidFill>
-                    <a:srgbClr val="000000"/>
-                  </a:solidFill>
-                  <a:effectLst/>
-                  <a:uLnTx/>
-                  <a:uFillTx/>
-                  <a:latin typeface="Arial" charset="0"/>
-                </a:endParaRPr>
-              </a:p>
-            </p:txBody>
-          </p:sp>
-        </p:grpSp>
-      </p:grpSp>
-      <p:sp>
-        <p:nvSpPr>
-          <p:cNvPr id="121" name="Text Box 23">
-            <a:extLst>
-              <a:ext uri="{FF2B5EF4-FFF2-40B4-BE49-F238E27FC236}">
-                <a16:creationId xmlns:a16="http://schemas.microsoft.com/office/drawing/2014/main" id="{404A6011-F29B-4B0C-88DF-7979391EBAAD}"/>
-              </a:ext>
-            </a:extLst>
-          </p:cNvPr>
-          <p:cNvSpPr txBox="1">
-            <a:spLocks noChangeArrowheads="1"/>
-          </p:cNvSpPr>
-          <p:nvPr/>
-        </p:nvSpPr>
-        <p:spPr bwMode="white">
-          <a:xfrm>
-            <a:off x="1877923" y="279579"/>
-            <a:ext cx="8933621" cy="707886"/>
-          </a:xfrm>
-          <a:prstGeom prst="rect">
-            <a:avLst/>
-          </a:prstGeom>
-          <a:noFill/>
-          <a:ln w="9525">
-            <a:noFill/>
-            <a:miter lim="800000"/>
-            <a:headEnd/>
-            <a:tailEnd/>
-          </a:ln>
-          <a:effectLst/>
-        </p:spPr>
-        <p:txBody>
-          <a:bodyPr wrap="square">
-            <a:spAutoFit/>
-          </a:bodyPr>
-          <a:lstStyle/>
-          <a:p>
-            <a:pPr marL="457200" indent="-457200" algn="ctr" fontAlgn="base">
-              <a:spcBef>
-                <a:spcPct val="50000"/>
-              </a:spcBef>
-              <a:spcAft>
-                <a:spcPct val="0"/>
-              </a:spcAft>
-              <a:buClr>
-                <a:srgbClr val="000000"/>
-              </a:buClr>
-            </a:pPr>
-            <a:r>
-              <a:rPr lang="en-US" sz="4000" b="1">
-                <a:solidFill>
-                  <a:srgbClr val="FFFFFF"/>
-                </a:solidFill>
-                <a:latin typeface="Times New Roman" panose="02020603050405020304" pitchFamily="18" charset="0"/>
-                <a:cs typeface="Times New Roman" panose="02020603050405020304" pitchFamily="18" charset="0"/>
-              </a:rPr>
-              <a:t>  VẤN ĐỀ NGHIÊN CỨU</a:t>
-            </a:r>
-          </a:p>
-        </p:txBody>
-      </p:sp>
-      <p:sp>
-        <p:nvSpPr>
-          <p:cNvPr id="124" name="AutoShape 63">
-            <a:extLst>
-              <a:ext uri="{FF2B5EF4-FFF2-40B4-BE49-F238E27FC236}">
-                <a16:creationId xmlns:a16="http://schemas.microsoft.com/office/drawing/2014/main" id="{4883C600-CECC-4488-ABD4-74AAA8452985}"/>
-              </a:ext>
-            </a:extLst>
-          </p:cNvPr>
-          <p:cNvSpPr>
-            <a:spLocks noChangeArrowheads="1"/>
-          </p:cNvSpPr>
-          <p:nvPr/>
-        </p:nvSpPr>
-        <p:spPr bwMode="gray">
-          <a:xfrm>
-            <a:off x="1438994" y="265034"/>
-            <a:ext cx="750858" cy="739775"/>
-          </a:xfrm>
-          <a:prstGeom prst="diamond">
-            <a:avLst/>
-          </a:prstGeom>
-          <a:solidFill>
-            <a:schemeClr val="accent2"/>
-          </a:solidFill>
-          <a:ln w="25400" algn="ctr">
-            <a:solidFill>
-              <a:schemeClr val="bg1"/>
-            </a:solidFill>
-            <a:miter lim="800000"/>
-            <a:headEnd/>
-            <a:tailEnd/>
-          </a:ln>
-          <a:effectLst>
-            <a:outerShdw dist="63500" dir="2212194" algn="ctr" rotWithShape="0">
-              <a:srgbClr val="333333">
-                <a:alpha val="50000"/>
-              </a:srgbClr>
-            </a:outerShdw>
-          </a:effectLst>
-        </p:spPr>
-        <p:txBody>
-          <a:bodyPr wrap="none" anchor="ctr"/>
-          <a:lstStyle/>
-          <a:p>
-            <a:endParaRPr lang="en-US" sz="1900">
-              <a:solidFill>
-                <a:srgbClr val="000066"/>
-              </a:solidFill>
-              <a:latin typeface="Arial" charset="0"/>
-            </a:endParaRPr>
-          </a:p>
-        </p:txBody>
-      </p:sp>
-      <p:sp>
-        <p:nvSpPr>
-          <p:cNvPr id="125" name="Text Box 65">
-            <a:extLst>
-              <a:ext uri="{FF2B5EF4-FFF2-40B4-BE49-F238E27FC236}">
-                <a16:creationId xmlns:a16="http://schemas.microsoft.com/office/drawing/2014/main" id="{3EA324F5-BF5B-4B91-A42D-9507F201E05E}"/>
-              </a:ext>
-            </a:extLst>
-          </p:cNvPr>
-          <p:cNvSpPr txBox="1">
-            <a:spLocks noChangeArrowheads="1"/>
-          </p:cNvSpPr>
-          <p:nvPr/>
-        </p:nvSpPr>
-        <p:spPr bwMode="gray">
-          <a:xfrm>
-            <a:off x="1603812" y="289256"/>
-            <a:ext cx="394647" cy="684637"/>
-          </a:xfrm>
-          <a:prstGeom prst="rect">
-            <a:avLst/>
-          </a:prstGeom>
-          <a:noFill/>
-          <a:ln w="9525" algn="ctr">
-            <a:noFill/>
-            <a:miter lim="800000"/>
-            <a:headEnd/>
-            <a:tailEnd/>
-          </a:ln>
-          <a:effectLst/>
-        </p:spPr>
-        <p:txBody>
-          <a:bodyPr wrap="none" lIns="68415" tIns="34208" rIns="68415" bIns="34208">
-            <a:spAutoFit/>
-          </a:bodyPr>
-          <a:lstStyle/>
-          <a:p>
-            <a:pPr algn="ctr" defTabSz="684213" eaLnBrk="0" hangingPunct="0"/>
-            <a:r>
-              <a:rPr lang="en-US" sz="4000">
-                <a:solidFill>
-                  <a:srgbClr val="FFFFFF"/>
-                </a:solidFill>
-                <a:latin typeface="Times New Roman" panose="02020603050405020304" pitchFamily="18" charset="0"/>
-                <a:cs typeface="Times New Roman" panose="02020603050405020304" pitchFamily="18" charset="0"/>
-              </a:rPr>
-              <a:t>2</a:t>
-            </a:r>
-          </a:p>
-        </p:txBody>
-      </p:sp>
-      <p:sp>
-        <p:nvSpPr>
-          <p:cNvPr id="6" name="Subtitle 5">
-            <a:extLst>
-              <a:ext uri="{FF2B5EF4-FFF2-40B4-BE49-F238E27FC236}">
-                <a16:creationId xmlns:a16="http://schemas.microsoft.com/office/drawing/2014/main" id="{DF481779-8EC9-4D52-BFEF-38319E90D5C7}"/>
-              </a:ext>
-            </a:extLst>
-          </p:cNvPr>
-          <p:cNvSpPr>
-            <a:spLocks noGrp="1"/>
-          </p:cNvSpPr>
-          <p:nvPr>
-            <p:ph type="subTitle" idx="1"/>
-          </p:nvPr>
-        </p:nvSpPr>
-        <p:spPr>
-          <a:xfrm>
-            <a:off x="1088058" y="1614328"/>
             <a:ext cx="10015883" cy="4035362"/>
           </a:xfrm>
         </p:spPr>
@@ -5328,10 +4649,96 @@
   <p:clrMapOvr>
     <a:masterClrMapping/>
   </p:clrMapOvr>
+  <p:timing>
+    <p:tnLst>
+      <p:par>
+        <p:cTn id="1" dur="indefinite" restart="never" nodeType="tmRoot">
+          <p:childTnLst>
+            <p:seq concurrent="1" nextAc="seek">
+              <p:cTn id="2" dur="indefinite" nodeType="mainSeq">
+                <p:childTnLst>
+                  <p:par>
+                    <p:cTn id="3" fill="hold">
+                      <p:stCondLst>
+                        <p:cond delay="indefinite"/>
+                        <p:cond evt="onBegin" delay="0">
+                          <p:tn val="2"/>
+                        </p:cond>
+                      </p:stCondLst>
+                      <p:childTnLst>
+                        <p:par>
+                          <p:cTn id="4" fill="hold">
+                            <p:stCondLst>
+                              <p:cond delay="0"/>
+                            </p:stCondLst>
+                            <p:childTnLst>
+                              <p:par>
+                                <p:cTn id="5" presetID="22" presetClass="entr" presetSubtype="4" fill="hold" nodeType="withEffect">
+                                  <p:stCondLst>
+                                    <p:cond delay="0"/>
+                                  </p:stCondLst>
+                                  <p:childTnLst>
+                                    <p:set>
+                                      <p:cBhvr>
+                                        <p:cTn id="6" dur="1" fill="hold">
+                                          <p:stCondLst>
+                                            <p:cond delay="0"/>
+                                          </p:stCondLst>
+                                        </p:cTn>
+                                        <p:tgtEl>
+                                          <p:spTgt spid="3"/>
+                                        </p:tgtEl>
+                                        <p:attrNameLst>
+                                          <p:attrName>style.visibility</p:attrName>
+                                        </p:attrNameLst>
+                                      </p:cBhvr>
+                                      <p:to>
+                                        <p:strVal val="visible"/>
+                                      </p:to>
+                                    </p:set>
+                                    <p:animEffect transition="in" filter="wipe(down)">
+                                      <p:cBhvr>
+                                        <p:cTn id="7" dur="500"/>
+                                        <p:tgtEl>
+                                          <p:spTgt spid="3"/>
+                                        </p:tgtEl>
+                                      </p:cBhvr>
+                                    </p:animEffect>
+                                  </p:childTnLst>
+                                </p:cTn>
+                              </p:par>
+                            </p:childTnLst>
+                          </p:cTn>
+                        </p:par>
+                      </p:childTnLst>
+                    </p:cTn>
+                  </p:par>
+                </p:childTnLst>
+              </p:cTn>
+              <p:prevCondLst>
+                <p:cond evt="onPrev" delay="0">
+                  <p:tgtEl>
+                    <p:sldTgt/>
+                  </p:tgtEl>
+                </p:cond>
+              </p:prevCondLst>
+              <p:nextCondLst>
+                <p:cond evt="onNext" delay="0">
+                  <p:tgtEl>
+                    <p:sldTgt/>
+                  </p:tgtEl>
+                </p:cond>
+              </p:nextCondLst>
+            </p:seq>
+          </p:childTnLst>
+        </p:cTn>
+      </p:par>
+    </p:tnLst>
+  </p:timing>
 </p:sld>
 </file>
 
-<file path=ppt/slides/slide12.xml><?xml version="1.0" encoding="utf-8"?>
+<file path=ppt/slides/slide11.xml><?xml version="1.0" encoding="utf-8"?>
 <p:sld xmlns:a="http://schemas.openxmlformats.org/drawingml/2006/main" xmlns:r="http://schemas.openxmlformats.org/officeDocument/2006/relationships" xmlns:p="http://schemas.openxmlformats.org/presentationml/2006/main">
   <p:cSld>
     <p:spTree>
@@ -6563,7 +5970,7 @@
 </p:sld>
 </file>
 
-<file path=ppt/slides/slide13.xml><?xml version="1.0" encoding="utf-8"?>
+<file path=ppt/slides/slide12.xml><?xml version="1.0" encoding="utf-8"?>
 <p:sld xmlns:a="http://schemas.openxmlformats.org/drawingml/2006/main" xmlns:r="http://schemas.openxmlformats.org/officeDocument/2006/relationships" xmlns:p="http://schemas.openxmlformats.org/presentationml/2006/main">
   <p:cSld>
     <p:spTree>
@@ -7805,7 +7212,7 @@
 </p:sld>
 </file>
 
-<file path=ppt/slides/slide14.xml><?xml version="1.0" encoding="utf-8"?>
+<file path=ppt/slides/slide13.xml><?xml version="1.0" encoding="utf-8"?>
 <p:sld xmlns:a="http://schemas.openxmlformats.org/drawingml/2006/main" xmlns:r="http://schemas.openxmlformats.org/officeDocument/2006/relationships" xmlns:p="http://schemas.openxmlformats.org/presentationml/2006/main">
   <p:cSld>
     <p:spTree>
@@ -9120,7 +8527,7 @@
 </p:sld>
 </file>
 
-<file path=ppt/slides/slide15.xml><?xml version="1.0" encoding="utf-8"?>
+<file path=ppt/slides/slide14.xml><?xml version="1.0" encoding="utf-8"?>
 <p:sld xmlns:a="http://schemas.openxmlformats.org/drawingml/2006/main" xmlns:r="http://schemas.openxmlformats.org/officeDocument/2006/relationships" xmlns:p="http://schemas.openxmlformats.org/presentationml/2006/main">
   <p:cSld>
     <p:spTree>
@@ -10473,7 +9880,7 @@
 </p:sld>
 </file>
 
-<file path=ppt/slides/slide16.xml><?xml version="1.0" encoding="utf-8"?>
+<file path=ppt/slides/slide15.xml><?xml version="1.0" encoding="utf-8"?>
 <p:sld xmlns:a="http://schemas.openxmlformats.org/drawingml/2006/main" xmlns:r="http://schemas.openxmlformats.org/officeDocument/2006/relationships" xmlns:p="http://schemas.openxmlformats.org/presentationml/2006/main">
   <p:cSld>
     <p:spTree>
@@ -11847,7 +11254,7 @@
 </p:sld>
 </file>
 
-<file path=ppt/slides/slide17.xml><?xml version="1.0" encoding="utf-8"?>
+<file path=ppt/slides/slide16.xml><?xml version="1.0" encoding="utf-8"?>
 <p:sld xmlns:a="http://schemas.openxmlformats.org/drawingml/2006/main" xmlns:r="http://schemas.openxmlformats.org/officeDocument/2006/relationships" xmlns:p="http://schemas.openxmlformats.org/presentationml/2006/main">
   <p:cSld>
     <p:spTree>
@@ -13151,317 +12558,6 @@
           </p:txBody>
         </p:sp>
       </p:grpSp>
-      <p:sp>
-        <p:nvSpPr>
-          <p:cNvPr id="33" name="Rectangle 17">
-            <a:extLst>
-              <a:ext uri="{FF2B5EF4-FFF2-40B4-BE49-F238E27FC236}">
-                <a16:creationId xmlns:a16="http://schemas.microsoft.com/office/drawing/2014/main" id="{28680C1A-D0A5-4B30-8ABD-53B4115FF467}"/>
-              </a:ext>
-            </a:extLst>
-          </p:cNvPr>
-          <p:cNvSpPr>
-            <a:spLocks noChangeArrowheads="1"/>
-          </p:cNvSpPr>
-          <p:nvPr/>
-        </p:nvSpPr>
-        <p:spPr bwMode="gray">
-          <a:xfrm>
-            <a:off x="1891338" y="5000011"/>
-            <a:ext cx="1321196" cy="461665"/>
-          </a:xfrm>
-          <a:prstGeom prst="rect">
-            <a:avLst/>
-          </a:prstGeom>
-          <a:noFill/>
-          <a:ln w="9525">
-            <a:noFill/>
-            <a:miter lim="800000"/>
-            <a:headEnd/>
-            <a:tailEnd/>
-          </a:ln>
-          <a:effectLst/>
-        </p:spPr>
-        <p:txBody>
-          <a:bodyPr wrap="none">
-            <a:spAutoFit/>
-          </a:bodyPr>
-          <a:lstStyle/>
-          <a:p>
-            <a:pPr algn="l">
-              <a:buClr>
-                <a:srgbClr val="FF0066"/>
-              </a:buClr>
-              <a:buSzPct val="75000"/>
-              <a:buFont typeface="Arial" charset="0"/>
-              <a:buNone/>
-            </a:pPr>
-            <a:r>
-              <a:rPr lang="en-US" sz="2400" b="1">
-                <a:effectLst>
-                  <a:outerShdw blurRad="38100" dist="38100" dir="2700000" algn="tl">
-                    <a:srgbClr val="C0C0C0"/>
-                  </a:outerShdw>
-                </a:effectLst>
-                <a:latin typeface="Times New Roman" panose="02020603050405020304" pitchFamily="18" charset="0"/>
-                <a:cs typeface="Times New Roman" panose="02020603050405020304" pitchFamily="18" charset="0"/>
-              </a:rPr>
-              <a:t>Niềm tin</a:t>
-            </a:r>
-          </a:p>
-        </p:txBody>
-      </p:sp>
-      <p:sp>
-        <p:nvSpPr>
-          <p:cNvPr id="35" name="Text Box 19">
-            <a:extLst>
-              <a:ext uri="{FF2B5EF4-FFF2-40B4-BE49-F238E27FC236}">
-                <a16:creationId xmlns:a16="http://schemas.microsoft.com/office/drawing/2014/main" id="{E6ECA8EA-7F54-4727-A65A-63A5B215A2DC}"/>
-              </a:ext>
-            </a:extLst>
-          </p:cNvPr>
-          <p:cNvSpPr txBox="1">
-            <a:spLocks noChangeArrowheads="1"/>
-          </p:cNvSpPr>
-          <p:nvPr/>
-        </p:nvSpPr>
-        <p:spPr bwMode="gray">
-          <a:xfrm>
-            <a:off x="1998459" y="5331407"/>
-            <a:ext cx="8644303" cy="707886"/>
-          </a:xfrm>
-          <a:prstGeom prst="rect">
-            <a:avLst/>
-          </a:prstGeom>
-          <a:noFill/>
-          <a:ln w="9525" algn="ctr">
-            <a:noFill/>
-            <a:miter lim="800000"/>
-            <a:headEnd/>
-            <a:tailEnd/>
-          </a:ln>
-          <a:effectLst/>
-        </p:spPr>
-        <p:txBody>
-          <a:bodyPr wrap="square">
-            <a:spAutoFit/>
-          </a:bodyPr>
-          <a:lstStyle/>
-          <a:p>
-            <a:pPr eaLnBrk="0" hangingPunct="0"/>
-            <a:r>
-              <a:rPr lang="vi-VN" sz="2000">
-                <a:solidFill>
-                  <a:srgbClr val="1C1C1C"/>
-                </a:solidFill>
-                <a:latin typeface="Times New Roman" panose="02020603050405020304" pitchFamily="18" charset="0"/>
-                <a:cs typeface="Times New Roman" panose="02020603050405020304" pitchFamily="18" charset="0"/>
-              </a:rPr>
-              <a:t>Sự hài lòng của người dùng đối với các khuyến nghị có thể bị ảnh hưởng bởi việc dán nhãn cho các gợi ý</a:t>
-            </a:r>
-            <a:endParaRPr lang="en-US" sz="2000">
-              <a:solidFill>
-                <a:srgbClr val="1C1C1C"/>
-              </a:solidFill>
-              <a:latin typeface="Times New Roman" panose="02020603050405020304" pitchFamily="18" charset="0"/>
-              <a:cs typeface="Times New Roman" panose="02020603050405020304" pitchFamily="18" charset="0"/>
-            </a:endParaRPr>
-          </a:p>
-        </p:txBody>
-      </p:sp>
-      <p:grpSp>
-        <p:nvGrpSpPr>
-          <p:cNvPr id="36" name="Group 21">
-            <a:extLst>
-              <a:ext uri="{FF2B5EF4-FFF2-40B4-BE49-F238E27FC236}">
-                <a16:creationId xmlns:a16="http://schemas.microsoft.com/office/drawing/2014/main" id="{B9FB90D8-AE9E-44B1-817D-7886B91BDCB7}"/>
-              </a:ext>
-            </a:extLst>
-          </p:cNvPr>
-          <p:cNvGrpSpPr>
-            <a:grpSpLocks/>
-          </p:cNvGrpSpPr>
-          <p:nvPr/>
-        </p:nvGrpSpPr>
-        <p:grpSpPr bwMode="auto">
-          <a:xfrm>
-            <a:off x="1724347" y="5043988"/>
-            <a:ext cx="168275" cy="168275"/>
-            <a:chOff x="2928" y="2208"/>
-            <a:chExt cx="262" cy="262"/>
-          </a:xfrm>
-        </p:grpSpPr>
-        <p:sp>
-          <p:nvSpPr>
-            <p:cNvPr id="37" name="Oval 22">
-              <a:extLst>
-                <a:ext uri="{FF2B5EF4-FFF2-40B4-BE49-F238E27FC236}">
-                  <a16:creationId xmlns:a16="http://schemas.microsoft.com/office/drawing/2014/main" id="{6DC65A60-DFA8-4555-B662-6152E0CB35A7}"/>
-                </a:ext>
-              </a:extLst>
-            </p:cNvPr>
-            <p:cNvSpPr>
-              <a:spLocks noChangeArrowheads="1"/>
-            </p:cNvSpPr>
-            <p:nvPr/>
-          </p:nvSpPr>
-          <p:spPr bwMode="gray">
-            <a:xfrm>
-              <a:off x="2928" y="2208"/>
-              <a:ext cx="262" cy="262"/>
-            </a:xfrm>
-            <a:prstGeom prst="ellipse">
-              <a:avLst/>
-            </a:prstGeom>
-            <a:gradFill rotWithShape="1">
-              <a:gsLst>
-                <a:gs pos="0">
-                  <a:srgbClr val="223864">
-                    <a:gamma/>
-                    <a:tint val="28627"/>
-                    <a:invGamma/>
-                  </a:srgbClr>
-                </a:gs>
-                <a:gs pos="100000">
-                  <a:srgbClr val="223864"/>
-                </a:gs>
-              </a:gsLst>
-              <a:lin ang="2700000" scaled="1"/>
-            </a:gradFill>
-            <a:ln w="12700">
-              <a:solidFill>
-                <a:srgbClr val="F8F8F8"/>
-              </a:solidFill>
-              <a:round/>
-              <a:headEnd/>
-              <a:tailEnd/>
-            </a:ln>
-            <a:effectLst>
-              <a:outerShdw dist="35921" dir="2700000" algn="ctr" rotWithShape="0">
-                <a:srgbClr val="1C1C1C">
-                  <a:alpha val="50000"/>
-                </a:srgbClr>
-              </a:outerShdw>
-            </a:effectLst>
-          </p:spPr>
-          <p:txBody>
-            <a:bodyPr wrap="none" anchor="ctr"/>
-            <a:lstStyle/>
-            <a:p>
-              <a:pPr marL="0" marR="0" lvl="0" indent="0" algn="r" defTabSz="914400" eaLnBrk="1" fontAlgn="base" latinLnBrk="0" hangingPunct="1">
-                <a:lnSpc>
-                  <a:spcPct val="100000"/>
-                </a:lnSpc>
-                <a:spcBef>
-                  <a:spcPct val="0"/>
-                </a:spcBef>
-                <a:spcAft>
-                  <a:spcPct val="0"/>
-                </a:spcAft>
-                <a:buClrTx/>
-                <a:buSzTx/>
-                <a:buFontTx/>
-                <a:buNone/>
-                <a:tabLst/>
-                <a:defRPr/>
-              </a:pPr>
-              <a:endParaRPr kumimoji="0" lang="en-US" sz="1800" b="0" i="0" u="none" strike="noStrike" kern="0" cap="none" spc="0" normalizeH="0" baseline="0" noProof="0">
-                <a:ln>
-                  <a:noFill/>
-                </a:ln>
-                <a:solidFill>
-                  <a:srgbClr val="000000"/>
-                </a:solidFill>
-                <a:effectLst/>
-                <a:uLnTx/>
-                <a:uFillTx/>
-                <a:latin typeface="Arial" charset="0"/>
-              </a:endParaRPr>
-            </a:p>
-          </p:txBody>
-        </p:sp>
-        <p:sp>
-          <p:nvSpPr>
-            <p:cNvPr id="38" name="Oval 23">
-              <a:extLst>
-                <a:ext uri="{FF2B5EF4-FFF2-40B4-BE49-F238E27FC236}">
-                  <a16:creationId xmlns:a16="http://schemas.microsoft.com/office/drawing/2014/main" id="{399B836C-421C-4416-85B6-907E6E6015C5}"/>
-                </a:ext>
-              </a:extLst>
-            </p:cNvPr>
-            <p:cNvSpPr>
-              <a:spLocks noChangeArrowheads="1"/>
-            </p:cNvSpPr>
-            <p:nvPr/>
-          </p:nvSpPr>
-          <p:spPr bwMode="gray">
-            <a:xfrm>
-              <a:off x="2949" y="2230"/>
-              <a:ext cx="218" cy="218"/>
-            </a:xfrm>
-            <a:prstGeom prst="ellipse">
-              <a:avLst/>
-            </a:prstGeom>
-            <a:gradFill rotWithShape="1">
-              <a:gsLst>
-                <a:gs pos="0">
-                  <a:srgbClr val="5EB52D"/>
-                </a:gs>
-                <a:gs pos="100000">
-                  <a:srgbClr val="5EB52D">
-                    <a:gamma/>
-                    <a:tint val="63529"/>
-                    <a:invGamma/>
-                  </a:srgbClr>
-                </a:gs>
-              </a:gsLst>
-              <a:lin ang="2700000" scaled="1"/>
-            </a:gradFill>
-            <a:ln w="12700">
-              <a:noFill/>
-              <a:round/>
-              <a:headEnd/>
-              <a:tailEnd/>
-            </a:ln>
-            <a:effectLst/>
-          </p:spPr>
-          <p:txBody>
-            <a:bodyPr wrap="none" anchor="ctr"/>
-            <a:lstStyle/>
-            <a:p>
-              <a:pPr marL="0" marR="0" lvl="0" indent="0" algn="r" defTabSz="914400" eaLnBrk="1" fontAlgn="base" latinLnBrk="0" hangingPunct="1">
-                <a:lnSpc>
-                  <a:spcPct val="100000"/>
-                </a:lnSpc>
-                <a:spcBef>
-                  <a:spcPct val="0"/>
-                </a:spcBef>
-                <a:spcAft>
-                  <a:spcPct val="0"/>
-                </a:spcAft>
-                <a:buClrTx/>
-                <a:buSzTx/>
-                <a:buFontTx/>
-                <a:buNone/>
-                <a:tabLst/>
-                <a:defRPr/>
-              </a:pPr>
-              <a:endParaRPr kumimoji="0" lang="en-US" sz="1800" b="0" i="0" u="none" strike="noStrike" kern="0" cap="none" spc="0" normalizeH="0" baseline="0" noProof="0">
-                <a:ln>
-                  <a:noFill/>
-                </a:ln>
-                <a:solidFill>
-                  <a:srgbClr val="000000"/>
-                </a:solidFill>
-                <a:effectLst/>
-                <a:uLnTx/>
-                <a:uFillTx/>
-                <a:latin typeface="Arial" charset="0"/>
-              </a:endParaRPr>
-            </a:p>
-          </p:txBody>
-        </p:sp>
-      </p:grpSp>
       <p:pic>
         <p:nvPicPr>
           <p:cNvPr id="39" name="Picture 38">
@@ -13511,7 +12607,7 @@
 </p:sld>
 </file>
 
-<file path=ppt/slides/slide18.xml><?xml version="1.0" encoding="utf-8"?>
+<file path=ppt/slides/slide17.xml><?xml version="1.0" encoding="utf-8"?>
 <p:sld xmlns:a="http://schemas.openxmlformats.org/drawingml/2006/main" xmlns:r="http://schemas.openxmlformats.org/officeDocument/2006/relationships" xmlns:p="http://schemas.openxmlformats.org/presentationml/2006/main">
   <p:cSld>
     <p:spTree>
@@ -14349,7 +13445,7 @@
         <p:spPr>
           <a:xfrm>
             <a:off x="1282700" y="2191937"/>
-            <a:ext cx="6280152" cy="2193423"/>
+            <a:ext cx="6280152" cy="4195611"/>
           </a:xfrm>
           <a:prstGeom prst="rect">
             <a:avLst/>
@@ -14525,6 +13621,9 @@
           </a:lstStyle>
           <a:p>
             <a:pPr>
+              <a:lnSpc>
+                <a:spcPct val="150000"/>
+              </a:lnSpc>
               <a:buFont typeface="Wingdings" panose="05000000000000000000" pitchFamily="2" charset="2"/>
               <a:buChar char="Ø"/>
             </a:pPr>
@@ -14538,6 +13637,9 @@
           </a:p>
           <a:p>
             <a:pPr>
+              <a:lnSpc>
+                <a:spcPct val="150000"/>
+              </a:lnSpc>
               <a:buFont typeface="Wingdings" panose="05000000000000000000" pitchFamily="2" charset="2"/>
               <a:buChar char="Ø"/>
             </a:pPr>
@@ -14562,6 +13664,9 @@
           </a:p>
           <a:p>
             <a:pPr>
+              <a:lnSpc>
+                <a:spcPct val="150000"/>
+              </a:lnSpc>
               <a:buFont typeface="Wingdings" panose="05000000000000000000" pitchFamily="2" charset="2"/>
               <a:buChar char="Ø"/>
             </a:pPr>
@@ -14575,6 +13680,9 @@
           </a:p>
           <a:p>
             <a:pPr>
+              <a:lnSpc>
+                <a:spcPct val="150000"/>
+              </a:lnSpc>
               <a:buFont typeface="Wingdings" panose="05000000000000000000" pitchFamily="2" charset="2"/>
               <a:buChar char="Ø"/>
             </a:pPr>
@@ -14583,7 +13691,7 @@
                 <a:latin typeface="Times New Roman" panose="02020603050405020304" pitchFamily="18" charset="0"/>
                 <a:cs typeface="Times New Roman" panose="02020603050405020304" pitchFamily="18" charset="0"/>
               </a:rPr>
-              <a:t> Sử dụng các plugins, th</a:t>
+              <a:t> Sử dụng các Frontend plugin, th</a:t>
             </a:r>
             <a:r>
               <a:rPr lang="vi-VN" sz="2400">
@@ -14618,10 +13726,13 @@
   <p:clrMapOvr>
     <a:masterClrMapping/>
   </p:clrMapOvr>
+  <p:transition spd="slow">
+    <p:push dir="u"/>
+  </p:transition>
 </p:sld>
 </file>
 
-<file path=ppt/slides/slide19.xml><?xml version="1.0" encoding="utf-8"?>
+<file path=ppt/slides/slide18.xml><?xml version="1.0" encoding="utf-8"?>
 <p:sld xmlns:a="http://schemas.openxmlformats.org/drawingml/2006/main" xmlns:r="http://schemas.openxmlformats.org/officeDocument/2006/relationships" xmlns:p="http://schemas.openxmlformats.org/presentationml/2006/main">
   <p:cSld>
     <p:spTree>
@@ -15841,6 +14952,1216 @@
     <p:extLst>
       <p:ext uri="{BB962C8B-B14F-4D97-AF65-F5344CB8AC3E}">
         <p14:creationId xmlns:p14="http://schemas.microsoft.com/office/powerpoint/2010/main" val="3547000728"/>
+      </p:ext>
+    </p:extLst>
+  </p:cSld>
+  <p:clrMapOvr>
+    <a:masterClrMapping/>
+  </p:clrMapOvr>
+</p:sld>
+</file>
+
+<file path=ppt/slides/slide19.xml><?xml version="1.0" encoding="utf-8"?>
+<p:sld xmlns:a="http://schemas.openxmlformats.org/drawingml/2006/main" xmlns:r="http://schemas.openxmlformats.org/officeDocument/2006/relationships" xmlns:p="http://schemas.openxmlformats.org/presentationml/2006/main">
+  <p:cSld>
+    <p:spTree>
+      <p:nvGrpSpPr>
+        <p:cNvPr id="1" name=""/>
+        <p:cNvGrpSpPr/>
+        <p:nvPr/>
+      </p:nvGrpSpPr>
+      <p:grpSpPr>
+        <a:xfrm>
+          <a:off x="0" y="0"/>
+          <a:ext cx="0" cy="0"/>
+          <a:chOff x="0" y="0"/>
+          <a:chExt cx="0" cy="0"/>
+        </a:xfrm>
+      </p:grpSpPr>
+      <p:pic>
+        <p:nvPicPr>
+          <p:cNvPr id="5" name="Picture 4">
+            <a:extLst>
+              <a:ext uri="{FF2B5EF4-FFF2-40B4-BE49-F238E27FC236}">
+                <a16:creationId xmlns:a16="http://schemas.microsoft.com/office/drawing/2014/main" id="{813F15EF-A1C2-405B-A9C0-52F3FFDA58EE}"/>
+              </a:ext>
+            </a:extLst>
+          </p:cNvPr>
+          <p:cNvPicPr>
+            <a:picLocks noChangeAspect="1"/>
+          </p:cNvPicPr>
+          <p:nvPr/>
+        </p:nvPicPr>
+        <p:blipFill>
+          <a:blip r:embed="rId2">
+            <a:extLst>
+              <a:ext uri="{28A0092B-C50C-407E-A947-70E740481C1C}">
+                <a14:useLocalDpi xmlns:a14="http://schemas.microsoft.com/office/drawing/2010/main" val="0"/>
+              </a:ext>
+            </a:extLst>
+          </a:blip>
+          <a:stretch>
+            <a:fillRect/>
+          </a:stretch>
+        </p:blipFill>
+        <p:spPr>
+          <a:xfrm>
+            <a:off x="127000" y="127000"/>
+            <a:ext cx="1028700" cy="1028700"/>
+          </a:xfrm>
+          <a:prstGeom prst="rect">
+            <a:avLst/>
+          </a:prstGeom>
+        </p:spPr>
+      </p:pic>
+      <p:grpSp>
+        <p:nvGrpSpPr>
+          <p:cNvPr id="116" name="Group 18">
+            <a:extLst>
+              <a:ext uri="{FF2B5EF4-FFF2-40B4-BE49-F238E27FC236}">
+                <a16:creationId xmlns:a16="http://schemas.microsoft.com/office/drawing/2014/main" id="{AC39CE75-6AAD-40DA-BED1-A0BB49A9151C}"/>
+              </a:ext>
+            </a:extLst>
+          </p:cNvPr>
+          <p:cNvGrpSpPr>
+            <a:grpSpLocks/>
+          </p:cNvGrpSpPr>
+          <p:nvPr/>
+        </p:nvGrpSpPr>
+        <p:grpSpPr bwMode="auto">
+          <a:xfrm>
+            <a:off x="1282700" y="127000"/>
+            <a:ext cx="9626600" cy="1028700"/>
+            <a:chOff x="720" y="1392"/>
+            <a:chExt cx="4058" cy="480"/>
+          </a:xfrm>
+        </p:grpSpPr>
+        <p:sp>
+          <p:nvSpPr>
+            <p:cNvPr id="117" name="AutoShape 19">
+              <a:extLst>
+                <a:ext uri="{FF2B5EF4-FFF2-40B4-BE49-F238E27FC236}">
+                  <a16:creationId xmlns:a16="http://schemas.microsoft.com/office/drawing/2014/main" id="{633CE4D7-2B63-4638-8D65-221A4454A7E6}"/>
+                </a:ext>
+              </a:extLst>
+            </p:cNvPr>
+            <p:cNvSpPr>
+              <a:spLocks noChangeArrowheads="1"/>
+            </p:cNvSpPr>
+            <p:nvPr/>
+          </p:nvSpPr>
+          <p:spPr bwMode="gray">
+            <a:xfrm>
+              <a:off x="720" y="1392"/>
+              <a:ext cx="4058" cy="480"/>
+            </a:xfrm>
+            <a:prstGeom prst="roundRect">
+              <a:avLst>
+                <a:gd name="adj" fmla="val 17509"/>
+              </a:avLst>
+            </a:prstGeom>
+            <a:gradFill rotWithShape="1">
+              <a:gsLst>
+                <a:gs pos="0">
+                  <a:srgbClr val="5EB52D"/>
+                </a:gs>
+                <a:gs pos="50000">
+                  <a:srgbClr val="5EB52D">
+                    <a:gamma/>
+                    <a:shade val="92157"/>
+                    <a:invGamma/>
+                  </a:srgbClr>
+                </a:gs>
+                <a:gs pos="100000">
+                  <a:srgbClr val="5EB52D"/>
+                </a:gs>
+              </a:gsLst>
+              <a:lin ang="5400000" scaled="1"/>
+            </a:gradFill>
+            <a:ln w="9525">
+              <a:noFill/>
+              <a:round/>
+              <a:headEnd/>
+              <a:tailEnd/>
+            </a:ln>
+            <a:effectLst/>
+          </p:spPr>
+          <p:txBody>
+            <a:bodyPr wrap="none" anchor="ctr"/>
+            <a:lstStyle/>
+            <a:p>
+              <a:pPr marL="0" marR="0" lvl="0" indent="0" algn="r" defTabSz="914400" eaLnBrk="1" fontAlgn="base" latinLnBrk="0" hangingPunct="1">
+                <a:lnSpc>
+                  <a:spcPct val="100000"/>
+                </a:lnSpc>
+                <a:spcBef>
+                  <a:spcPct val="0"/>
+                </a:spcBef>
+                <a:spcAft>
+                  <a:spcPct val="0"/>
+                </a:spcAft>
+                <a:buClrTx/>
+                <a:buSzTx/>
+                <a:buFontTx/>
+                <a:buNone/>
+                <a:tabLst/>
+                <a:defRPr/>
+              </a:pPr>
+              <a:endParaRPr kumimoji="0" lang="en-US" sz="1800" b="0" i="0" u="none" strike="noStrike" kern="0" cap="none" spc="0" normalizeH="0" baseline="0" noProof="0">
+                <a:ln>
+                  <a:noFill/>
+                </a:ln>
+                <a:solidFill>
+                  <a:srgbClr val="000000"/>
+                </a:solidFill>
+                <a:effectLst/>
+                <a:uLnTx/>
+                <a:uFillTx/>
+                <a:latin typeface="Arial" charset="0"/>
+              </a:endParaRPr>
+            </a:p>
+          </p:txBody>
+        </p:sp>
+        <p:grpSp>
+          <p:nvGrpSpPr>
+            <p:cNvPr id="118" name="Group 20">
+              <a:extLst>
+                <a:ext uri="{FF2B5EF4-FFF2-40B4-BE49-F238E27FC236}">
+                  <a16:creationId xmlns:a16="http://schemas.microsoft.com/office/drawing/2014/main" id="{C874D03F-4F67-43DA-8CA6-CA5A748BAD21}"/>
+                </a:ext>
+              </a:extLst>
+            </p:cNvPr>
+            <p:cNvGrpSpPr>
+              <a:grpSpLocks/>
+            </p:cNvGrpSpPr>
+            <p:nvPr/>
+          </p:nvGrpSpPr>
+          <p:grpSpPr bwMode="auto">
+            <a:xfrm>
+              <a:off x="730" y="1407"/>
+              <a:ext cx="4043" cy="444"/>
+              <a:chOff x="744" y="1407"/>
+              <a:chExt cx="3988" cy="444"/>
+            </a:xfrm>
+          </p:grpSpPr>
+          <p:sp>
+            <p:nvSpPr>
+              <p:cNvPr id="119" name="AutoShape 21">
+                <a:extLst>
+                  <a:ext uri="{FF2B5EF4-FFF2-40B4-BE49-F238E27FC236}">
+                    <a16:creationId xmlns:a16="http://schemas.microsoft.com/office/drawing/2014/main" id="{E7704AD0-B998-494A-948A-0AB95A322807}"/>
+                  </a:ext>
+                </a:extLst>
+              </p:cNvPr>
+              <p:cNvSpPr>
+                <a:spLocks noChangeArrowheads="1"/>
+              </p:cNvSpPr>
+              <p:nvPr/>
+            </p:nvSpPr>
+            <p:spPr bwMode="gray">
+              <a:xfrm>
+                <a:off x="744" y="1736"/>
+                <a:ext cx="3988" cy="115"/>
+              </a:xfrm>
+              <a:prstGeom prst="roundRect">
+                <a:avLst>
+                  <a:gd name="adj" fmla="val 50000"/>
+                </a:avLst>
+              </a:prstGeom>
+              <a:gradFill rotWithShape="1">
+                <a:gsLst>
+                  <a:gs pos="0">
+                    <a:srgbClr val="5EB52D">
+                      <a:alpha val="0"/>
+                    </a:srgbClr>
+                  </a:gs>
+                  <a:gs pos="100000">
+                    <a:srgbClr val="5EB52D">
+                      <a:gamma/>
+                      <a:tint val="0"/>
+                      <a:invGamma/>
+                    </a:srgbClr>
+                  </a:gs>
+                </a:gsLst>
+                <a:lin ang="5400000" scaled="1"/>
+              </a:gradFill>
+              <a:ln w="9525">
+                <a:noFill/>
+                <a:round/>
+                <a:headEnd/>
+                <a:tailEnd/>
+              </a:ln>
+              <a:effectLst/>
+            </p:spPr>
+            <p:txBody>
+              <a:bodyPr wrap="none" anchor="ctr"/>
+              <a:lstStyle/>
+              <a:p>
+                <a:pPr marL="0" marR="0" lvl="0" indent="0" algn="r" defTabSz="914400" eaLnBrk="1" fontAlgn="base" latinLnBrk="0" hangingPunct="1">
+                  <a:lnSpc>
+                    <a:spcPct val="100000"/>
+                  </a:lnSpc>
+                  <a:spcBef>
+                    <a:spcPct val="0"/>
+                  </a:spcBef>
+                  <a:spcAft>
+                    <a:spcPct val="0"/>
+                  </a:spcAft>
+                  <a:buClrTx/>
+                  <a:buSzTx/>
+                  <a:buFontTx/>
+                  <a:buNone/>
+                  <a:tabLst/>
+                  <a:defRPr/>
+                </a:pPr>
+                <a:endParaRPr kumimoji="0" lang="en-US" sz="1800" b="0" i="0" u="none" strike="noStrike" kern="0" cap="none" spc="0" normalizeH="0" baseline="0" noProof="0">
+                  <a:ln>
+                    <a:noFill/>
+                  </a:ln>
+                  <a:solidFill>
+                    <a:srgbClr val="000000"/>
+                  </a:solidFill>
+                  <a:effectLst/>
+                  <a:uLnTx/>
+                  <a:uFillTx/>
+                  <a:latin typeface="Arial" charset="0"/>
+                </a:endParaRPr>
+              </a:p>
+            </p:txBody>
+          </p:sp>
+          <p:sp>
+            <p:nvSpPr>
+              <p:cNvPr id="120" name="AutoShape 22">
+                <a:extLst>
+                  <a:ext uri="{FF2B5EF4-FFF2-40B4-BE49-F238E27FC236}">
+                    <a16:creationId xmlns:a16="http://schemas.microsoft.com/office/drawing/2014/main" id="{7E2DB2C4-E60B-4787-A2D6-A927344FA8B4}"/>
+                  </a:ext>
+                </a:extLst>
+              </p:cNvPr>
+              <p:cNvSpPr>
+                <a:spLocks noChangeArrowheads="1"/>
+              </p:cNvSpPr>
+              <p:nvPr/>
+            </p:nvSpPr>
+            <p:spPr bwMode="gray">
+              <a:xfrm>
+                <a:off x="744" y="1407"/>
+                <a:ext cx="3988" cy="115"/>
+              </a:xfrm>
+              <a:prstGeom prst="roundRect">
+                <a:avLst>
+                  <a:gd name="adj" fmla="val 50000"/>
+                </a:avLst>
+              </a:prstGeom>
+              <a:gradFill rotWithShape="1">
+                <a:gsLst>
+                  <a:gs pos="0">
+                    <a:srgbClr val="5EB52D">
+                      <a:gamma/>
+                      <a:tint val="0"/>
+                      <a:invGamma/>
+                    </a:srgbClr>
+                  </a:gs>
+                  <a:gs pos="100000">
+                    <a:srgbClr val="5EB52D">
+                      <a:alpha val="0"/>
+                    </a:srgbClr>
+                  </a:gs>
+                </a:gsLst>
+                <a:lin ang="5400000" scaled="1"/>
+              </a:gradFill>
+              <a:ln w="9525">
+                <a:noFill/>
+                <a:round/>
+                <a:headEnd/>
+                <a:tailEnd/>
+              </a:ln>
+              <a:effectLst/>
+            </p:spPr>
+            <p:txBody>
+              <a:bodyPr wrap="none" anchor="ctr"/>
+              <a:lstStyle/>
+              <a:p>
+                <a:pPr marL="0" marR="0" lvl="0" indent="0" algn="r" defTabSz="914400" eaLnBrk="1" fontAlgn="base" latinLnBrk="0" hangingPunct="1">
+                  <a:lnSpc>
+                    <a:spcPct val="100000"/>
+                  </a:lnSpc>
+                  <a:spcBef>
+                    <a:spcPct val="0"/>
+                  </a:spcBef>
+                  <a:spcAft>
+                    <a:spcPct val="0"/>
+                  </a:spcAft>
+                  <a:buClrTx/>
+                  <a:buSzTx/>
+                  <a:buFontTx/>
+                  <a:buNone/>
+                  <a:tabLst/>
+                  <a:defRPr/>
+                </a:pPr>
+                <a:endParaRPr kumimoji="0" lang="en-US" sz="1800" b="0" i="0" u="none" strike="noStrike" kern="0" cap="none" spc="0" normalizeH="0" baseline="0" noProof="0">
+                  <a:ln>
+                    <a:noFill/>
+                  </a:ln>
+                  <a:solidFill>
+                    <a:srgbClr val="000000"/>
+                  </a:solidFill>
+                  <a:effectLst/>
+                  <a:uLnTx/>
+                  <a:uFillTx/>
+                  <a:latin typeface="Arial" charset="0"/>
+                </a:endParaRPr>
+              </a:p>
+            </p:txBody>
+          </p:sp>
+        </p:grpSp>
+      </p:grpSp>
+      <p:sp>
+        <p:nvSpPr>
+          <p:cNvPr id="121" name="Text Box 23">
+            <a:extLst>
+              <a:ext uri="{FF2B5EF4-FFF2-40B4-BE49-F238E27FC236}">
+                <a16:creationId xmlns:a16="http://schemas.microsoft.com/office/drawing/2014/main" id="{404A6011-F29B-4B0C-88DF-7979391EBAAD}"/>
+              </a:ext>
+            </a:extLst>
+          </p:cNvPr>
+          <p:cNvSpPr txBox="1">
+            <a:spLocks noChangeArrowheads="1"/>
+          </p:cNvSpPr>
+          <p:nvPr/>
+        </p:nvSpPr>
+        <p:spPr bwMode="white">
+          <a:xfrm>
+            <a:off x="1877923" y="279579"/>
+            <a:ext cx="8933621" cy="707886"/>
+          </a:xfrm>
+          <a:prstGeom prst="rect">
+            <a:avLst/>
+          </a:prstGeom>
+          <a:noFill/>
+          <a:ln w="9525">
+            <a:noFill/>
+            <a:miter lim="800000"/>
+            <a:headEnd/>
+            <a:tailEnd/>
+          </a:ln>
+          <a:effectLst/>
+        </p:spPr>
+        <p:txBody>
+          <a:bodyPr wrap="square">
+            <a:spAutoFit/>
+          </a:bodyPr>
+          <a:lstStyle/>
+          <a:p>
+            <a:pPr marL="457200" indent="-457200" algn="ctr" fontAlgn="base">
+              <a:spcBef>
+                <a:spcPct val="50000"/>
+              </a:spcBef>
+              <a:spcAft>
+                <a:spcPct val="0"/>
+              </a:spcAft>
+              <a:buClr>
+                <a:srgbClr val="000000"/>
+              </a:buClr>
+            </a:pPr>
+            <a:r>
+              <a:rPr lang="en-US" sz="4000" b="1">
+                <a:solidFill>
+                  <a:srgbClr val="FFFFFF"/>
+                </a:solidFill>
+                <a:latin typeface="Times New Roman" panose="02020603050405020304" pitchFamily="18" charset="0"/>
+                <a:cs typeface="Times New Roman" panose="02020603050405020304" pitchFamily="18" charset="0"/>
+              </a:rPr>
+              <a:t>XÂY DỰNG – TRIỂN KHAI</a:t>
+            </a:r>
+          </a:p>
+        </p:txBody>
+      </p:sp>
+      <p:sp>
+        <p:nvSpPr>
+          <p:cNvPr id="124" name="AutoShape 63">
+            <a:extLst>
+              <a:ext uri="{FF2B5EF4-FFF2-40B4-BE49-F238E27FC236}">
+                <a16:creationId xmlns:a16="http://schemas.microsoft.com/office/drawing/2014/main" id="{4883C600-CECC-4488-ABD4-74AAA8452985}"/>
+              </a:ext>
+            </a:extLst>
+          </p:cNvPr>
+          <p:cNvSpPr>
+            <a:spLocks noChangeArrowheads="1"/>
+          </p:cNvSpPr>
+          <p:nvPr/>
+        </p:nvSpPr>
+        <p:spPr bwMode="gray">
+          <a:xfrm>
+            <a:off x="1438994" y="265034"/>
+            <a:ext cx="750858" cy="739775"/>
+          </a:xfrm>
+          <a:prstGeom prst="diamond">
+            <a:avLst/>
+          </a:prstGeom>
+          <a:solidFill>
+            <a:schemeClr val="accent2"/>
+          </a:solidFill>
+          <a:ln w="25400" algn="ctr">
+            <a:solidFill>
+              <a:schemeClr val="bg1"/>
+            </a:solidFill>
+            <a:miter lim="800000"/>
+            <a:headEnd/>
+            <a:tailEnd/>
+          </a:ln>
+          <a:effectLst>
+            <a:outerShdw dist="63500" dir="2212194" algn="ctr" rotWithShape="0">
+              <a:srgbClr val="333333">
+                <a:alpha val="50000"/>
+              </a:srgbClr>
+            </a:outerShdw>
+          </a:effectLst>
+        </p:spPr>
+        <p:txBody>
+          <a:bodyPr wrap="none" anchor="ctr"/>
+          <a:lstStyle/>
+          <a:p>
+            <a:endParaRPr lang="en-US" sz="1900">
+              <a:solidFill>
+                <a:srgbClr val="000066"/>
+              </a:solidFill>
+              <a:latin typeface="Arial" charset="0"/>
+            </a:endParaRPr>
+          </a:p>
+        </p:txBody>
+      </p:sp>
+      <p:sp>
+        <p:nvSpPr>
+          <p:cNvPr id="125" name="Text Box 65">
+            <a:extLst>
+              <a:ext uri="{FF2B5EF4-FFF2-40B4-BE49-F238E27FC236}">
+                <a16:creationId xmlns:a16="http://schemas.microsoft.com/office/drawing/2014/main" id="{3EA324F5-BF5B-4B91-A42D-9507F201E05E}"/>
+              </a:ext>
+            </a:extLst>
+          </p:cNvPr>
+          <p:cNvSpPr txBox="1">
+            <a:spLocks noChangeArrowheads="1"/>
+          </p:cNvSpPr>
+          <p:nvPr/>
+        </p:nvSpPr>
+        <p:spPr bwMode="gray">
+          <a:xfrm>
+            <a:off x="1603812" y="289256"/>
+            <a:ext cx="394647" cy="684637"/>
+          </a:xfrm>
+          <a:prstGeom prst="rect">
+            <a:avLst/>
+          </a:prstGeom>
+          <a:noFill/>
+          <a:ln w="9525" algn="ctr">
+            <a:noFill/>
+            <a:miter lim="800000"/>
+            <a:headEnd/>
+            <a:tailEnd/>
+          </a:ln>
+          <a:effectLst/>
+        </p:spPr>
+        <p:txBody>
+          <a:bodyPr wrap="none" lIns="68415" tIns="34208" rIns="68415" bIns="34208">
+            <a:spAutoFit/>
+          </a:bodyPr>
+          <a:lstStyle/>
+          <a:p>
+            <a:pPr algn="ctr" defTabSz="684213" eaLnBrk="0" hangingPunct="0"/>
+            <a:r>
+              <a:rPr lang="en-US" sz="4000">
+                <a:solidFill>
+                  <a:srgbClr val="FFFFFF"/>
+                </a:solidFill>
+                <a:latin typeface="Times New Roman" panose="02020603050405020304" pitchFamily="18" charset="0"/>
+                <a:cs typeface="Times New Roman" panose="02020603050405020304" pitchFamily="18" charset="0"/>
+              </a:rPr>
+              <a:t>3</a:t>
+            </a:r>
+          </a:p>
+        </p:txBody>
+      </p:sp>
+      <p:pic>
+        <p:nvPicPr>
+          <p:cNvPr id="16" name="Picture 15">
+            <a:extLst>
+              <a:ext uri="{FF2B5EF4-FFF2-40B4-BE49-F238E27FC236}">
+                <a16:creationId xmlns:a16="http://schemas.microsoft.com/office/drawing/2014/main" id="{A15A9ABC-3258-4192-A613-67E15CFA85BB}"/>
+              </a:ext>
+            </a:extLst>
+          </p:cNvPr>
+          <p:cNvPicPr>
+            <a:picLocks noChangeAspect="1"/>
+          </p:cNvPicPr>
+          <p:nvPr/>
+        </p:nvPicPr>
+        <p:blipFill>
+          <a:blip r:embed="rId3">
+            <a:extLst>
+              <a:ext uri="{28A0092B-C50C-407E-A947-70E740481C1C}">
+                <a14:useLocalDpi xmlns:a14="http://schemas.microsoft.com/office/drawing/2010/main" val="0"/>
+              </a:ext>
+            </a:extLst>
+          </a:blip>
+          <a:stretch>
+            <a:fillRect/>
+          </a:stretch>
+        </p:blipFill>
+        <p:spPr>
+          <a:xfrm>
+            <a:off x="10178549" y="5895244"/>
+            <a:ext cx="1880931" cy="830236"/>
+          </a:xfrm>
+          <a:prstGeom prst="rect">
+            <a:avLst/>
+          </a:prstGeom>
+        </p:spPr>
+      </p:pic>
+      <p:sp>
+        <p:nvSpPr>
+          <p:cNvPr id="17" name="Subtitle 5">
+            <a:extLst>
+              <a:ext uri="{FF2B5EF4-FFF2-40B4-BE49-F238E27FC236}">
+                <a16:creationId xmlns:a16="http://schemas.microsoft.com/office/drawing/2014/main" id="{D9943358-ABE4-46D4-AD98-73274B255ABB}"/>
+              </a:ext>
+            </a:extLst>
+          </p:cNvPr>
+          <p:cNvSpPr txBox="1">
+            <a:spLocks/>
+          </p:cNvSpPr>
+          <p:nvPr/>
+        </p:nvSpPr>
+        <p:spPr>
+          <a:xfrm>
+            <a:off x="1088058" y="1617141"/>
+            <a:ext cx="10202793" cy="590486"/>
+          </a:xfrm>
+          <a:prstGeom prst="rect">
+            <a:avLst/>
+          </a:prstGeom>
+        </p:spPr>
+        <p:txBody>
+          <a:bodyPr vert="horz" lIns="91440" tIns="45720" rIns="91440" bIns="45720" rtlCol="0">
+            <a:normAutofit/>
+          </a:bodyPr>
+          <a:lstStyle>
+            <a:lvl1pPr marL="228600" indent="-228600" algn="l" defTabSz="914400" rtl="0" eaLnBrk="1" latinLnBrk="0" hangingPunct="1">
+              <a:lnSpc>
+                <a:spcPct val="90000"/>
+              </a:lnSpc>
+              <a:spcBef>
+                <a:spcPts val="1000"/>
+              </a:spcBef>
+              <a:buFont typeface="Arial" panose="020B0604020202020204" pitchFamily="34" charset="0"/>
+              <a:buChar char="•"/>
+              <a:defRPr sz="2800" kern="1200">
+                <a:solidFill>
+                  <a:schemeClr val="tx1"/>
+                </a:solidFill>
+                <a:latin typeface="+mn-lt"/>
+                <a:ea typeface="+mn-ea"/>
+                <a:cs typeface="+mn-cs"/>
+              </a:defRPr>
+            </a:lvl1pPr>
+            <a:lvl2pPr marL="685800" indent="-228600" algn="l" defTabSz="914400" rtl="0" eaLnBrk="1" latinLnBrk="0" hangingPunct="1">
+              <a:lnSpc>
+                <a:spcPct val="90000"/>
+              </a:lnSpc>
+              <a:spcBef>
+                <a:spcPts val="500"/>
+              </a:spcBef>
+              <a:buFont typeface="Arial" panose="020B0604020202020204" pitchFamily="34" charset="0"/>
+              <a:buChar char="•"/>
+              <a:defRPr sz="2400" kern="1200">
+                <a:solidFill>
+                  <a:schemeClr val="tx1"/>
+                </a:solidFill>
+                <a:latin typeface="+mn-lt"/>
+                <a:ea typeface="+mn-ea"/>
+                <a:cs typeface="+mn-cs"/>
+              </a:defRPr>
+            </a:lvl2pPr>
+            <a:lvl3pPr marL="1143000" indent="-228600" algn="l" defTabSz="914400" rtl="0" eaLnBrk="1" latinLnBrk="0" hangingPunct="1">
+              <a:lnSpc>
+                <a:spcPct val="90000"/>
+              </a:lnSpc>
+              <a:spcBef>
+                <a:spcPts val="500"/>
+              </a:spcBef>
+              <a:buFont typeface="Arial" panose="020B0604020202020204" pitchFamily="34" charset="0"/>
+              <a:buChar char="•"/>
+              <a:defRPr sz="2000" kern="1200">
+                <a:solidFill>
+                  <a:schemeClr val="tx1"/>
+                </a:solidFill>
+                <a:latin typeface="+mn-lt"/>
+                <a:ea typeface="+mn-ea"/>
+                <a:cs typeface="+mn-cs"/>
+              </a:defRPr>
+            </a:lvl3pPr>
+            <a:lvl4pPr marL="1600200" indent="-228600" algn="l" defTabSz="914400" rtl="0" eaLnBrk="1" latinLnBrk="0" hangingPunct="1">
+              <a:lnSpc>
+                <a:spcPct val="90000"/>
+              </a:lnSpc>
+              <a:spcBef>
+                <a:spcPts val="500"/>
+              </a:spcBef>
+              <a:buFont typeface="Arial" panose="020B0604020202020204" pitchFamily="34" charset="0"/>
+              <a:buChar char="•"/>
+              <a:defRPr sz="1800" kern="1200">
+                <a:solidFill>
+                  <a:schemeClr val="tx1"/>
+                </a:solidFill>
+                <a:latin typeface="+mn-lt"/>
+                <a:ea typeface="+mn-ea"/>
+                <a:cs typeface="+mn-cs"/>
+              </a:defRPr>
+            </a:lvl4pPr>
+            <a:lvl5pPr marL="2057400" indent="-228600" algn="l" defTabSz="914400" rtl="0" eaLnBrk="1" latinLnBrk="0" hangingPunct="1">
+              <a:lnSpc>
+                <a:spcPct val="90000"/>
+              </a:lnSpc>
+              <a:spcBef>
+                <a:spcPts val="500"/>
+              </a:spcBef>
+              <a:buFont typeface="Arial" panose="020B0604020202020204" pitchFamily="34" charset="0"/>
+              <a:buChar char="•"/>
+              <a:defRPr sz="1800" kern="1200">
+                <a:solidFill>
+                  <a:schemeClr val="tx1"/>
+                </a:solidFill>
+                <a:latin typeface="+mn-lt"/>
+                <a:ea typeface="+mn-ea"/>
+                <a:cs typeface="+mn-cs"/>
+              </a:defRPr>
+            </a:lvl5pPr>
+            <a:lvl6pPr marL="2514600" indent="-228600" algn="l" defTabSz="914400" rtl="0" eaLnBrk="1" latinLnBrk="0" hangingPunct="1">
+              <a:lnSpc>
+                <a:spcPct val="90000"/>
+              </a:lnSpc>
+              <a:spcBef>
+                <a:spcPts val="500"/>
+              </a:spcBef>
+              <a:buFont typeface="Arial" panose="020B0604020202020204" pitchFamily="34" charset="0"/>
+              <a:buChar char="•"/>
+              <a:defRPr sz="1800" kern="1200">
+                <a:solidFill>
+                  <a:schemeClr val="tx1"/>
+                </a:solidFill>
+                <a:latin typeface="+mn-lt"/>
+                <a:ea typeface="+mn-ea"/>
+                <a:cs typeface="+mn-cs"/>
+              </a:defRPr>
+            </a:lvl6pPr>
+            <a:lvl7pPr marL="2971800" indent="-228600" algn="l" defTabSz="914400" rtl="0" eaLnBrk="1" latinLnBrk="0" hangingPunct="1">
+              <a:lnSpc>
+                <a:spcPct val="90000"/>
+              </a:lnSpc>
+              <a:spcBef>
+                <a:spcPts val="500"/>
+              </a:spcBef>
+              <a:buFont typeface="Arial" panose="020B0604020202020204" pitchFamily="34" charset="0"/>
+              <a:buChar char="•"/>
+              <a:defRPr sz="1800" kern="1200">
+                <a:solidFill>
+                  <a:schemeClr val="tx1"/>
+                </a:solidFill>
+                <a:latin typeface="+mn-lt"/>
+                <a:ea typeface="+mn-ea"/>
+                <a:cs typeface="+mn-cs"/>
+              </a:defRPr>
+            </a:lvl7pPr>
+            <a:lvl8pPr marL="3429000" indent="-228600" algn="l" defTabSz="914400" rtl="0" eaLnBrk="1" latinLnBrk="0" hangingPunct="1">
+              <a:lnSpc>
+                <a:spcPct val="90000"/>
+              </a:lnSpc>
+              <a:spcBef>
+                <a:spcPts val="500"/>
+              </a:spcBef>
+              <a:buFont typeface="Arial" panose="020B0604020202020204" pitchFamily="34" charset="0"/>
+              <a:buChar char="•"/>
+              <a:defRPr sz="1800" kern="1200">
+                <a:solidFill>
+                  <a:schemeClr val="tx1"/>
+                </a:solidFill>
+                <a:latin typeface="+mn-lt"/>
+                <a:ea typeface="+mn-ea"/>
+                <a:cs typeface="+mn-cs"/>
+              </a:defRPr>
+            </a:lvl8pPr>
+            <a:lvl9pPr marL="3886200" indent="-228600" algn="l" defTabSz="914400" rtl="0" eaLnBrk="1" latinLnBrk="0" hangingPunct="1">
+              <a:lnSpc>
+                <a:spcPct val="90000"/>
+              </a:lnSpc>
+              <a:spcBef>
+                <a:spcPts val="500"/>
+              </a:spcBef>
+              <a:buFont typeface="Arial" panose="020B0604020202020204" pitchFamily="34" charset="0"/>
+              <a:buChar char="•"/>
+              <a:defRPr sz="1800" kern="1200">
+                <a:solidFill>
+                  <a:schemeClr val="tx1"/>
+                </a:solidFill>
+                <a:latin typeface="+mn-lt"/>
+                <a:ea typeface="+mn-ea"/>
+                <a:cs typeface="+mn-cs"/>
+              </a:defRPr>
+            </a:lvl9pPr>
+          </a:lstStyle>
+          <a:p>
+            <a:pPr marL="0" indent="0">
+              <a:buNone/>
+            </a:pPr>
+            <a:r>
+              <a:rPr lang="en-US" sz="3200" b="1">
+                <a:solidFill>
+                  <a:schemeClr val="accent1"/>
+                </a:solidFill>
+                <a:latin typeface="Times New Roman" panose="02020603050405020304" pitchFamily="18" charset="0"/>
+                <a:cs typeface="Times New Roman" panose="02020603050405020304" pitchFamily="18" charset="0"/>
+              </a:rPr>
+              <a:t>3.2 Triển khai hệ thống gợi ý</a:t>
+            </a:r>
+          </a:p>
+        </p:txBody>
+      </p:sp>
+      <p:sp>
+        <p:nvSpPr>
+          <p:cNvPr id="18" name="Subtitle 5">
+            <a:extLst>
+              <a:ext uri="{FF2B5EF4-FFF2-40B4-BE49-F238E27FC236}">
+                <a16:creationId xmlns:a16="http://schemas.microsoft.com/office/drawing/2014/main" id="{B5A9FE42-5EB1-4C9A-AB56-BC3D4D70C235}"/>
+              </a:ext>
+            </a:extLst>
+          </p:cNvPr>
+          <p:cNvSpPr txBox="1">
+            <a:spLocks/>
+          </p:cNvSpPr>
+          <p:nvPr/>
+        </p:nvSpPr>
+        <p:spPr>
+          <a:xfrm>
+            <a:off x="1282700" y="2358517"/>
+            <a:ext cx="6280152" cy="2193423"/>
+          </a:xfrm>
+          <a:prstGeom prst="rect">
+            <a:avLst/>
+          </a:prstGeom>
+        </p:spPr>
+        <p:txBody>
+          <a:bodyPr vert="horz" lIns="91440" tIns="45720" rIns="91440" bIns="45720" rtlCol="0">
+            <a:normAutofit/>
+          </a:bodyPr>
+          <a:lstStyle>
+            <a:lvl1pPr marL="228600" indent="-228600" algn="l" defTabSz="914400" rtl="0" eaLnBrk="1" latinLnBrk="0" hangingPunct="1">
+              <a:lnSpc>
+                <a:spcPct val="90000"/>
+              </a:lnSpc>
+              <a:spcBef>
+                <a:spcPts val="1000"/>
+              </a:spcBef>
+              <a:buFont typeface="Arial" panose="020B0604020202020204" pitchFamily="34" charset="0"/>
+              <a:buChar char="•"/>
+              <a:defRPr sz="2800" kern="1200">
+                <a:solidFill>
+                  <a:schemeClr val="tx1"/>
+                </a:solidFill>
+                <a:latin typeface="+mn-lt"/>
+                <a:ea typeface="+mn-ea"/>
+                <a:cs typeface="+mn-cs"/>
+              </a:defRPr>
+            </a:lvl1pPr>
+            <a:lvl2pPr marL="685800" indent="-228600" algn="l" defTabSz="914400" rtl="0" eaLnBrk="1" latinLnBrk="0" hangingPunct="1">
+              <a:lnSpc>
+                <a:spcPct val="90000"/>
+              </a:lnSpc>
+              <a:spcBef>
+                <a:spcPts val="500"/>
+              </a:spcBef>
+              <a:buFont typeface="Arial" panose="020B0604020202020204" pitchFamily="34" charset="0"/>
+              <a:buChar char="•"/>
+              <a:defRPr sz="2400" kern="1200">
+                <a:solidFill>
+                  <a:schemeClr val="tx1"/>
+                </a:solidFill>
+                <a:latin typeface="+mn-lt"/>
+                <a:ea typeface="+mn-ea"/>
+                <a:cs typeface="+mn-cs"/>
+              </a:defRPr>
+            </a:lvl2pPr>
+            <a:lvl3pPr marL="1143000" indent="-228600" algn="l" defTabSz="914400" rtl="0" eaLnBrk="1" latinLnBrk="0" hangingPunct="1">
+              <a:lnSpc>
+                <a:spcPct val="90000"/>
+              </a:lnSpc>
+              <a:spcBef>
+                <a:spcPts val="500"/>
+              </a:spcBef>
+              <a:buFont typeface="Arial" panose="020B0604020202020204" pitchFamily="34" charset="0"/>
+              <a:buChar char="•"/>
+              <a:defRPr sz="2000" kern="1200">
+                <a:solidFill>
+                  <a:schemeClr val="tx1"/>
+                </a:solidFill>
+                <a:latin typeface="+mn-lt"/>
+                <a:ea typeface="+mn-ea"/>
+                <a:cs typeface="+mn-cs"/>
+              </a:defRPr>
+            </a:lvl3pPr>
+            <a:lvl4pPr marL="1600200" indent="-228600" algn="l" defTabSz="914400" rtl="0" eaLnBrk="1" latinLnBrk="0" hangingPunct="1">
+              <a:lnSpc>
+                <a:spcPct val="90000"/>
+              </a:lnSpc>
+              <a:spcBef>
+                <a:spcPts val="500"/>
+              </a:spcBef>
+              <a:buFont typeface="Arial" panose="020B0604020202020204" pitchFamily="34" charset="0"/>
+              <a:buChar char="•"/>
+              <a:defRPr sz="1800" kern="1200">
+                <a:solidFill>
+                  <a:schemeClr val="tx1"/>
+                </a:solidFill>
+                <a:latin typeface="+mn-lt"/>
+                <a:ea typeface="+mn-ea"/>
+                <a:cs typeface="+mn-cs"/>
+              </a:defRPr>
+            </a:lvl4pPr>
+            <a:lvl5pPr marL="2057400" indent="-228600" algn="l" defTabSz="914400" rtl="0" eaLnBrk="1" latinLnBrk="0" hangingPunct="1">
+              <a:lnSpc>
+                <a:spcPct val="90000"/>
+              </a:lnSpc>
+              <a:spcBef>
+                <a:spcPts val="500"/>
+              </a:spcBef>
+              <a:buFont typeface="Arial" panose="020B0604020202020204" pitchFamily="34" charset="0"/>
+              <a:buChar char="•"/>
+              <a:defRPr sz="1800" kern="1200">
+                <a:solidFill>
+                  <a:schemeClr val="tx1"/>
+                </a:solidFill>
+                <a:latin typeface="+mn-lt"/>
+                <a:ea typeface="+mn-ea"/>
+                <a:cs typeface="+mn-cs"/>
+              </a:defRPr>
+            </a:lvl5pPr>
+            <a:lvl6pPr marL="2514600" indent="-228600" algn="l" defTabSz="914400" rtl="0" eaLnBrk="1" latinLnBrk="0" hangingPunct="1">
+              <a:lnSpc>
+                <a:spcPct val="90000"/>
+              </a:lnSpc>
+              <a:spcBef>
+                <a:spcPts val="500"/>
+              </a:spcBef>
+              <a:buFont typeface="Arial" panose="020B0604020202020204" pitchFamily="34" charset="0"/>
+              <a:buChar char="•"/>
+              <a:defRPr sz="1800" kern="1200">
+                <a:solidFill>
+                  <a:schemeClr val="tx1"/>
+                </a:solidFill>
+                <a:latin typeface="+mn-lt"/>
+                <a:ea typeface="+mn-ea"/>
+                <a:cs typeface="+mn-cs"/>
+              </a:defRPr>
+            </a:lvl6pPr>
+            <a:lvl7pPr marL="2971800" indent="-228600" algn="l" defTabSz="914400" rtl="0" eaLnBrk="1" latinLnBrk="0" hangingPunct="1">
+              <a:lnSpc>
+                <a:spcPct val="90000"/>
+              </a:lnSpc>
+              <a:spcBef>
+                <a:spcPts val="500"/>
+              </a:spcBef>
+              <a:buFont typeface="Arial" panose="020B0604020202020204" pitchFamily="34" charset="0"/>
+              <a:buChar char="•"/>
+              <a:defRPr sz="1800" kern="1200">
+                <a:solidFill>
+                  <a:schemeClr val="tx1"/>
+                </a:solidFill>
+                <a:latin typeface="+mn-lt"/>
+                <a:ea typeface="+mn-ea"/>
+                <a:cs typeface="+mn-cs"/>
+              </a:defRPr>
+            </a:lvl7pPr>
+            <a:lvl8pPr marL="3429000" indent="-228600" algn="l" defTabSz="914400" rtl="0" eaLnBrk="1" latinLnBrk="0" hangingPunct="1">
+              <a:lnSpc>
+                <a:spcPct val="90000"/>
+              </a:lnSpc>
+              <a:spcBef>
+                <a:spcPts val="500"/>
+              </a:spcBef>
+              <a:buFont typeface="Arial" panose="020B0604020202020204" pitchFamily="34" charset="0"/>
+              <a:buChar char="•"/>
+              <a:defRPr sz="1800" kern="1200">
+                <a:solidFill>
+                  <a:schemeClr val="tx1"/>
+                </a:solidFill>
+                <a:latin typeface="+mn-lt"/>
+                <a:ea typeface="+mn-ea"/>
+                <a:cs typeface="+mn-cs"/>
+              </a:defRPr>
+            </a:lvl8pPr>
+            <a:lvl9pPr marL="3886200" indent="-228600" algn="l" defTabSz="914400" rtl="0" eaLnBrk="1" latinLnBrk="0" hangingPunct="1">
+              <a:lnSpc>
+                <a:spcPct val="90000"/>
+              </a:lnSpc>
+              <a:spcBef>
+                <a:spcPts val="500"/>
+              </a:spcBef>
+              <a:buFont typeface="Arial" panose="020B0604020202020204" pitchFamily="34" charset="0"/>
+              <a:buChar char="•"/>
+              <a:defRPr sz="1800" kern="1200">
+                <a:solidFill>
+                  <a:schemeClr val="tx1"/>
+                </a:solidFill>
+                <a:latin typeface="+mn-lt"/>
+                <a:ea typeface="+mn-ea"/>
+                <a:cs typeface="+mn-cs"/>
+              </a:defRPr>
+            </a:lvl9pPr>
+          </a:lstStyle>
+          <a:p>
+            <a:pPr marL="0" indent="0">
+              <a:buNone/>
+            </a:pPr>
+            <a:endParaRPr lang="en-US" sz="2000">
+              <a:latin typeface="Times New Roman" panose="02020603050405020304" pitchFamily="18" charset="0"/>
+              <a:cs typeface="Times New Roman" panose="02020603050405020304" pitchFamily="18" charset="0"/>
+            </a:endParaRPr>
+          </a:p>
+        </p:txBody>
+      </p:sp>
+      <p:sp>
+        <p:nvSpPr>
+          <p:cNvPr id="15" name="Subtitle 5">
+            <a:extLst>
+              <a:ext uri="{FF2B5EF4-FFF2-40B4-BE49-F238E27FC236}">
+                <a16:creationId xmlns:a16="http://schemas.microsoft.com/office/drawing/2014/main" id="{176D8FAB-D443-4BB8-A0E9-8248D0BDE1DB}"/>
+              </a:ext>
+            </a:extLst>
+          </p:cNvPr>
+          <p:cNvSpPr txBox="1">
+            <a:spLocks/>
+          </p:cNvSpPr>
+          <p:nvPr/>
+        </p:nvSpPr>
+        <p:spPr>
+          <a:xfrm>
+            <a:off x="1088057" y="2215393"/>
+            <a:ext cx="10202793" cy="2193423"/>
+          </a:xfrm>
+          <a:prstGeom prst="rect">
+            <a:avLst/>
+          </a:prstGeom>
+        </p:spPr>
+        <p:txBody>
+          <a:bodyPr vert="horz" lIns="91440" tIns="45720" rIns="91440" bIns="45720" rtlCol="0">
+            <a:normAutofit/>
+          </a:bodyPr>
+          <a:lstStyle>
+            <a:lvl1pPr marL="228600" indent="-228600" algn="l" defTabSz="914400" rtl="0" eaLnBrk="1" latinLnBrk="0" hangingPunct="1">
+              <a:lnSpc>
+                <a:spcPct val="90000"/>
+              </a:lnSpc>
+              <a:spcBef>
+                <a:spcPts val="1000"/>
+              </a:spcBef>
+              <a:buFont typeface="Arial" panose="020B0604020202020204" pitchFamily="34" charset="0"/>
+              <a:buChar char="•"/>
+              <a:defRPr sz="2800" kern="1200">
+                <a:solidFill>
+                  <a:schemeClr val="tx1"/>
+                </a:solidFill>
+                <a:latin typeface="+mn-lt"/>
+                <a:ea typeface="+mn-ea"/>
+                <a:cs typeface="+mn-cs"/>
+              </a:defRPr>
+            </a:lvl1pPr>
+            <a:lvl2pPr marL="685800" indent="-228600" algn="l" defTabSz="914400" rtl="0" eaLnBrk="1" latinLnBrk="0" hangingPunct="1">
+              <a:lnSpc>
+                <a:spcPct val="90000"/>
+              </a:lnSpc>
+              <a:spcBef>
+                <a:spcPts val="500"/>
+              </a:spcBef>
+              <a:buFont typeface="Arial" panose="020B0604020202020204" pitchFamily="34" charset="0"/>
+              <a:buChar char="•"/>
+              <a:defRPr sz="2400" kern="1200">
+                <a:solidFill>
+                  <a:schemeClr val="tx1"/>
+                </a:solidFill>
+                <a:latin typeface="+mn-lt"/>
+                <a:ea typeface="+mn-ea"/>
+                <a:cs typeface="+mn-cs"/>
+              </a:defRPr>
+            </a:lvl2pPr>
+            <a:lvl3pPr marL="1143000" indent="-228600" algn="l" defTabSz="914400" rtl="0" eaLnBrk="1" latinLnBrk="0" hangingPunct="1">
+              <a:lnSpc>
+                <a:spcPct val="90000"/>
+              </a:lnSpc>
+              <a:spcBef>
+                <a:spcPts val="500"/>
+              </a:spcBef>
+              <a:buFont typeface="Arial" panose="020B0604020202020204" pitchFamily="34" charset="0"/>
+              <a:buChar char="•"/>
+              <a:defRPr sz="2000" kern="1200">
+                <a:solidFill>
+                  <a:schemeClr val="tx1"/>
+                </a:solidFill>
+                <a:latin typeface="+mn-lt"/>
+                <a:ea typeface="+mn-ea"/>
+                <a:cs typeface="+mn-cs"/>
+              </a:defRPr>
+            </a:lvl3pPr>
+            <a:lvl4pPr marL="1600200" indent="-228600" algn="l" defTabSz="914400" rtl="0" eaLnBrk="1" latinLnBrk="0" hangingPunct="1">
+              <a:lnSpc>
+                <a:spcPct val="90000"/>
+              </a:lnSpc>
+              <a:spcBef>
+                <a:spcPts val="500"/>
+              </a:spcBef>
+              <a:buFont typeface="Arial" panose="020B0604020202020204" pitchFamily="34" charset="0"/>
+              <a:buChar char="•"/>
+              <a:defRPr sz="1800" kern="1200">
+                <a:solidFill>
+                  <a:schemeClr val="tx1"/>
+                </a:solidFill>
+                <a:latin typeface="+mn-lt"/>
+                <a:ea typeface="+mn-ea"/>
+                <a:cs typeface="+mn-cs"/>
+              </a:defRPr>
+            </a:lvl4pPr>
+            <a:lvl5pPr marL="2057400" indent="-228600" algn="l" defTabSz="914400" rtl="0" eaLnBrk="1" latinLnBrk="0" hangingPunct="1">
+              <a:lnSpc>
+                <a:spcPct val="90000"/>
+              </a:lnSpc>
+              <a:spcBef>
+                <a:spcPts val="500"/>
+              </a:spcBef>
+              <a:buFont typeface="Arial" panose="020B0604020202020204" pitchFamily="34" charset="0"/>
+              <a:buChar char="•"/>
+              <a:defRPr sz="1800" kern="1200">
+                <a:solidFill>
+                  <a:schemeClr val="tx1"/>
+                </a:solidFill>
+                <a:latin typeface="+mn-lt"/>
+                <a:ea typeface="+mn-ea"/>
+                <a:cs typeface="+mn-cs"/>
+              </a:defRPr>
+            </a:lvl5pPr>
+            <a:lvl6pPr marL="2514600" indent="-228600" algn="l" defTabSz="914400" rtl="0" eaLnBrk="1" latinLnBrk="0" hangingPunct="1">
+              <a:lnSpc>
+                <a:spcPct val="90000"/>
+              </a:lnSpc>
+              <a:spcBef>
+                <a:spcPts val="500"/>
+              </a:spcBef>
+              <a:buFont typeface="Arial" panose="020B0604020202020204" pitchFamily="34" charset="0"/>
+              <a:buChar char="•"/>
+              <a:defRPr sz="1800" kern="1200">
+                <a:solidFill>
+                  <a:schemeClr val="tx1"/>
+                </a:solidFill>
+                <a:latin typeface="+mn-lt"/>
+                <a:ea typeface="+mn-ea"/>
+                <a:cs typeface="+mn-cs"/>
+              </a:defRPr>
+            </a:lvl6pPr>
+            <a:lvl7pPr marL="2971800" indent="-228600" algn="l" defTabSz="914400" rtl="0" eaLnBrk="1" latinLnBrk="0" hangingPunct="1">
+              <a:lnSpc>
+                <a:spcPct val="90000"/>
+              </a:lnSpc>
+              <a:spcBef>
+                <a:spcPts val="500"/>
+              </a:spcBef>
+              <a:buFont typeface="Arial" panose="020B0604020202020204" pitchFamily="34" charset="0"/>
+              <a:buChar char="•"/>
+              <a:defRPr sz="1800" kern="1200">
+                <a:solidFill>
+                  <a:schemeClr val="tx1"/>
+                </a:solidFill>
+                <a:latin typeface="+mn-lt"/>
+                <a:ea typeface="+mn-ea"/>
+                <a:cs typeface="+mn-cs"/>
+              </a:defRPr>
+            </a:lvl7pPr>
+            <a:lvl8pPr marL="3429000" indent="-228600" algn="l" defTabSz="914400" rtl="0" eaLnBrk="1" latinLnBrk="0" hangingPunct="1">
+              <a:lnSpc>
+                <a:spcPct val="90000"/>
+              </a:lnSpc>
+              <a:spcBef>
+                <a:spcPts val="500"/>
+              </a:spcBef>
+              <a:buFont typeface="Arial" panose="020B0604020202020204" pitchFamily="34" charset="0"/>
+              <a:buChar char="•"/>
+              <a:defRPr sz="1800" kern="1200">
+                <a:solidFill>
+                  <a:schemeClr val="tx1"/>
+                </a:solidFill>
+                <a:latin typeface="+mn-lt"/>
+                <a:ea typeface="+mn-ea"/>
+                <a:cs typeface="+mn-cs"/>
+              </a:defRPr>
+            </a:lvl8pPr>
+            <a:lvl9pPr marL="3886200" indent="-228600" algn="l" defTabSz="914400" rtl="0" eaLnBrk="1" latinLnBrk="0" hangingPunct="1">
+              <a:lnSpc>
+                <a:spcPct val="90000"/>
+              </a:lnSpc>
+              <a:spcBef>
+                <a:spcPts val="500"/>
+              </a:spcBef>
+              <a:buFont typeface="Arial" panose="020B0604020202020204" pitchFamily="34" charset="0"/>
+              <a:buChar char="•"/>
+              <a:defRPr sz="1800" kern="1200">
+                <a:solidFill>
+                  <a:schemeClr val="tx1"/>
+                </a:solidFill>
+                <a:latin typeface="+mn-lt"/>
+                <a:ea typeface="+mn-ea"/>
+                <a:cs typeface="+mn-cs"/>
+              </a:defRPr>
+            </a:lvl9pPr>
+          </a:lstStyle>
+          <a:p>
+            <a:pPr>
+              <a:lnSpc>
+                <a:spcPct val="120000"/>
+              </a:lnSpc>
+              <a:buFont typeface="Wingdings" panose="05000000000000000000" pitchFamily="2" charset="2"/>
+              <a:buChar char="Ø"/>
+            </a:pPr>
+            <a:r>
+              <a:rPr lang="en-US" sz="2400" b="1">
+                <a:latin typeface="Times New Roman" panose="02020603050405020304" pitchFamily="18" charset="0"/>
+                <a:cs typeface="Times New Roman" panose="02020603050405020304" pitchFamily="18" charset="0"/>
+              </a:rPr>
+              <a:t> Gợi ý dựa trên các đánh giá (sao) sách của khách hàng: </a:t>
+            </a:r>
+            <a:r>
+              <a:rPr lang="en-US" sz="2400">
+                <a:latin typeface="Times New Roman" panose="02020603050405020304" pitchFamily="18" charset="0"/>
+                <a:cs typeface="Times New Roman" panose="02020603050405020304" pitchFamily="18" charset="0"/>
+              </a:rPr>
+              <a:t>K</a:t>
+            </a:r>
+            <a:r>
+              <a:rPr lang="vi-VN" sz="2400">
+                <a:latin typeface="Times New Roman" panose="02020603050405020304" pitchFamily="18" charset="0"/>
+                <a:cs typeface="Times New Roman" panose="02020603050405020304" pitchFamily="18" charset="0"/>
+              </a:rPr>
+              <a:t>hi khách hàng đánh giá (sao) cho các sách hệ thống sẽ gợi ý những nhưng sách mà khách hàng này chưa mua hay đanh giá. Những sách này được gợi ý tính toán dựa trên thuật toán “Lọc công tác”</a:t>
+            </a:r>
+            <a:r>
+              <a:rPr lang="en-US" sz="2400">
+                <a:latin typeface="Times New Roman" panose="02020603050405020304" pitchFamily="18" charset="0"/>
+                <a:cs typeface="Times New Roman" panose="02020603050405020304" pitchFamily="18" charset="0"/>
+              </a:rPr>
+              <a:t>.</a:t>
+            </a:r>
+          </a:p>
+        </p:txBody>
+      </p:sp>
+    </p:spTree>
+    <p:extLst>
+      <p:ext uri="{BB962C8B-B14F-4D97-AF65-F5344CB8AC3E}">
+        <p14:creationId xmlns:p14="http://schemas.microsoft.com/office/powerpoint/2010/main" val="4201882301"/>
       </p:ext>
     </p:extLst>
   </p:cSld>
@@ -16821,13 +17142,6 @@
                 </a:rPr>
                 <a:t>Vấn đề nghiên cứu</a:t>
               </a:r>
-              <a:endParaRPr lang="en-US" sz="3000" b="1" dirty="0">
-                <a:solidFill>
-                  <a:schemeClr val="accent1"/>
-                </a:solidFill>
-                <a:latin typeface="Times New Roman" panose="02020603050405020304" pitchFamily="18" charset="0"/>
-                <a:cs typeface="Times New Roman" panose="02020603050405020304" pitchFamily="18" charset="0"/>
-              </a:endParaRPr>
             </a:p>
           </p:txBody>
         </p:sp>
@@ -19624,14 +19938,14 @@
                 <a:defRPr/>
               </a:pPr>
               <a:r>
-                <a:rPr lang="en-US" sz="2000" b="1" dirty="0" err="1">
+                <a:rPr lang="en-US" sz="2000" b="1" err="1">
                   <a:latin typeface="Times New Roman" panose="02020603050405020304" pitchFamily="18" charset="0"/>
                   <a:cs typeface="Times New Roman" panose="02020603050405020304" pitchFamily="18" charset="0"/>
                 </a:rPr>
                 <a:t>Nội</a:t>
               </a:r>
               <a:r>
-                <a:rPr lang="en-US" sz="2000" b="1" dirty="0">
+                <a:rPr lang="en-US" sz="2000" b="1">
                   <a:latin typeface="Times New Roman" panose="02020603050405020304" pitchFamily="18" charset="0"/>
                   <a:cs typeface="Times New Roman" panose="02020603050405020304" pitchFamily="18" charset="0"/>
                 </a:rPr>
@@ -20219,13 +20533,6 @@
                 </a:rPr>
                 <a:t>Kết quả - Demo</a:t>
               </a:r>
-              <a:endParaRPr lang="en-US" sz="3000" b="1" dirty="0">
-                <a:solidFill>
-                  <a:schemeClr val="accent1"/>
-                </a:solidFill>
-                <a:latin typeface="Times New Roman" panose="02020603050405020304" pitchFamily="18" charset="0"/>
-                <a:cs typeface="Times New Roman" panose="02020603050405020304" pitchFamily="18" charset="0"/>
-              </a:endParaRPr>
             </a:p>
           </p:txBody>
         </p:sp>
@@ -20546,13 +20853,6 @@
                 </a:rPr>
                 <a:t>ơng pháp</a:t>
               </a:r>
-              <a:endParaRPr lang="en-US" sz="3000" b="1" dirty="0">
-                <a:solidFill>
-                  <a:schemeClr val="accent1"/>
-                </a:solidFill>
-                <a:latin typeface="Times New Roman" panose="02020603050405020304" pitchFamily="18" charset="0"/>
-                <a:cs typeface="Times New Roman" panose="02020603050405020304" pitchFamily="18" charset="0"/>
-              </a:endParaRPr>
             </a:p>
           </p:txBody>
         </p:sp>
@@ -20835,6 +21135,9 @@
   <p:clrMapOvr>
     <a:masterClrMapping/>
   </p:clrMapOvr>
+  <p:transition spd="slow">
+    <p:push dir="u"/>
+  </p:transition>
 </p:sld>
 </file>
 
@@ -21249,7 +21552,7 @@
                 <a:latin typeface="Times New Roman" panose="02020603050405020304" pitchFamily="18" charset="0"/>
                 <a:cs typeface="Times New Roman" panose="02020603050405020304" pitchFamily="18" charset="0"/>
               </a:rPr>
-              <a:t>XÂY DỰNG – TRIỂN KHAI</a:t>
+              <a:t>KẾT QUẢ - DEMO</a:t>
             </a:r>
           </a:p>
         </p:txBody>
@@ -21354,17 +21657,17 @@
                 <a:latin typeface="Times New Roman" panose="02020603050405020304" pitchFamily="18" charset="0"/>
                 <a:cs typeface="Times New Roman" panose="02020603050405020304" pitchFamily="18" charset="0"/>
               </a:rPr>
-              <a:t>3</a:t>
+              <a:t>4</a:t>
             </a:r>
           </a:p>
         </p:txBody>
       </p:sp>
       <p:pic>
         <p:nvPicPr>
-          <p:cNvPr id="16" name="Picture 15">
+          <p:cNvPr id="12" name="Picture 11">
             <a:extLst>
               <a:ext uri="{FF2B5EF4-FFF2-40B4-BE49-F238E27FC236}">
-                <a16:creationId xmlns:a16="http://schemas.microsoft.com/office/drawing/2014/main" id="{A15A9ABC-3258-4192-A613-67E15CFA85BB}"/>
+                <a16:creationId xmlns:a16="http://schemas.microsoft.com/office/drawing/2014/main" id="{555E0468-6E74-4785-9DAE-DA5A3A9CAD12}"/>
               </a:ext>
             </a:extLst>
           </p:cNvPr>
@@ -21397,10 +21700,10 @@
       </p:pic>
       <p:sp>
         <p:nvSpPr>
-          <p:cNvPr id="17" name="Subtitle 5">
+          <p:cNvPr id="13" name="Subtitle 5">
             <a:extLst>
               <a:ext uri="{FF2B5EF4-FFF2-40B4-BE49-F238E27FC236}">
-                <a16:creationId xmlns:a16="http://schemas.microsoft.com/office/drawing/2014/main" id="{D9943358-ABE4-46D4-AD98-73274B255ABB}"/>
+                <a16:creationId xmlns:a16="http://schemas.microsoft.com/office/drawing/2014/main" id="{8B2B54C0-0CE8-4875-B380-A664B6BFA601}"/>
               </a:ext>
             </a:extLst>
           </p:cNvPr>
@@ -21411,8 +21714,8 @@
         </p:nvSpPr>
         <p:spPr>
           <a:xfrm>
-            <a:off x="1088058" y="1617141"/>
-            <a:ext cx="10202793" cy="590486"/>
+            <a:off x="1088058" y="1614327"/>
+            <a:ext cx="10015883" cy="4280917"/>
           </a:xfrm>
           <a:prstGeom prst="rect">
             <a:avLst/>
@@ -21598,453 +21901,264 @@
                 <a:latin typeface="Times New Roman" panose="02020603050405020304" pitchFamily="18" charset="0"/>
                 <a:cs typeface="Times New Roman" panose="02020603050405020304" pitchFamily="18" charset="0"/>
               </a:rPr>
-              <a:t>3.2 Triển khai hệ thống gợi ý</a:t>
+              <a:t>4.1 Kết quả đạt đ</a:t>
+            </a:r>
+            <a:r>
+              <a:rPr lang="vi-VN" sz="3200" b="1">
+                <a:solidFill>
+                  <a:schemeClr val="accent1"/>
+                </a:solidFill>
+                <a:latin typeface="Times New Roman" panose="02020603050405020304" pitchFamily="18" charset="0"/>
+                <a:cs typeface="Times New Roman" panose="02020603050405020304" pitchFamily="18" charset="0"/>
+              </a:rPr>
+              <a:t>ư</a:t>
+            </a:r>
+            <a:r>
+              <a:rPr lang="en-US" sz="3200" b="1">
+                <a:solidFill>
+                  <a:schemeClr val="accent1"/>
+                </a:solidFill>
+                <a:latin typeface="Times New Roman" panose="02020603050405020304" pitchFamily="18" charset="0"/>
+                <a:cs typeface="Times New Roman" panose="02020603050405020304" pitchFamily="18" charset="0"/>
+              </a:rPr>
+              <a:t>ợc</a:t>
             </a:r>
           </a:p>
-        </p:txBody>
-      </p:sp>
-      <p:sp>
-        <p:nvSpPr>
-          <p:cNvPr id="18" name="Subtitle 5">
-            <a:extLst>
-              <a:ext uri="{FF2B5EF4-FFF2-40B4-BE49-F238E27FC236}">
-                <a16:creationId xmlns:a16="http://schemas.microsoft.com/office/drawing/2014/main" id="{B5A9FE42-5EB1-4C9A-AB56-BC3D4D70C235}"/>
-              </a:ext>
-            </a:extLst>
-          </p:cNvPr>
-          <p:cNvSpPr txBox="1">
-            <a:spLocks/>
-          </p:cNvSpPr>
-          <p:nvPr/>
-        </p:nvSpPr>
-        <p:spPr>
-          <a:xfrm>
-            <a:off x="1282700" y="2358517"/>
-            <a:ext cx="6280152" cy="2193423"/>
-          </a:xfrm>
-          <a:prstGeom prst="rect">
-            <a:avLst/>
-          </a:prstGeom>
-        </p:spPr>
-        <p:txBody>
-          <a:bodyPr vert="horz" lIns="91440" tIns="45720" rIns="91440" bIns="45720" rtlCol="0">
-            <a:normAutofit/>
-          </a:bodyPr>
-          <a:lstStyle>
-            <a:lvl1pPr marL="228600" indent="-228600" algn="l" defTabSz="914400" rtl="0" eaLnBrk="1" latinLnBrk="0" hangingPunct="1">
-              <a:lnSpc>
-                <a:spcPct val="90000"/>
-              </a:lnSpc>
-              <a:spcBef>
-                <a:spcPts val="1000"/>
-              </a:spcBef>
-              <a:buFont typeface="Arial" panose="020B0604020202020204" pitchFamily="34" charset="0"/>
-              <a:buChar char="•"/>
-              <a:defRPr sz="2800" kern="1200">
-                <a:solidFill>
-                  <a:schemeClr val="tx1"/>
-                </a:solidFill>
-                <a:latin typeface="+mn-lt"/>
-                <a:ea typeface="+mn-ea"/>
-                <a:cs typeface="+mn-cs"/>
-              </a:defRPr>
-            </a:lvl1pPr>
-            <a:lvl2pPr marL="685800" indent="-228600" algn="l" defTabSz="914400" rtl="0" eaLnBrk="1" latinLnBrk="0" hangingPunct="1">
-              <a:lnSpc>
-                <a:spcPct val="90000"/>
-              </a:lnSpc>
-              <a:spcBef>
-                <a:spcPts val="500"/>
-              </a:spcBef>
-              <a:buFont typeface="Arial" panose="020B0604020202020204" pitchFamily="34" charset="0"/>
-              <a:buChar char="•"/>
-              <a:defRPr sz="2400" kern="1200">
-                <a:solidFill>
-                  <a:schemeClr val="tx1"/>
-                </a:solidFill>
-                <a:latin typeface="+mn-lt"/>
-                <a:ea typeface="+mn-ea"/>
-                <a:cs typeface="+mn-cs"/>
-              </a:defRPr>
-            </a:lvl2pPr>
-            <a:lvl3pPr marL="1143000" indent="-228600" algn="l" defTabSz="914400" rtl="0" eaLnBrk="1" latinLnBrk="0" hangingPunct="1">
-              <a:lnSpc>
-                <a:spcPct val="90000"/>
-              </a:lnSpc>
-              <a:spcBef>
-                <a:spcPts val="500"/>
-              </a:spcBef>
-              <a:buFont typeface="Arial" panose="020B0604020202020204" pitchFamily="34" charset="0"/>
-              <a:buChar char="•"/>
-              <a:defRPr sz="2000" kern="1200">
-                <a:solidFill>
-                  <a:schemeClr val="tx1"/>
-                </a:solidFill>
-                <a:latin typeface="+mn-lt"/>
-                <a:ea typeface="+mn-ea"/>
-                <a:cs typeface="+mn-cs"/>
-              </a:defRPr>
-            </a:lvl3pPr>
-            <a:lvl4pPr marL="1600200" indent="-228600" algn="l" defTabSz="914400" rtl="0" eaLnBrk="1" latinLnBrk="0" hangingPunct="1">
-              <a:lnSpc>
-                <a:spcPct val="90000"/>
-              </a:lnSpc>
-              <a:spcBef>
-                <a:spcPts val="500"/>
-              </a:spcBef>
-              <a:buFont typeface="Arial" panose="020B0604020202020204" pitchFamily="34" charset="0"/>
-              <a:buChar char="•"/>
-              <a:defRPr sz="1800" kern="1200">
-                <a:solidFill>
-                  <a:schemeClr val="tx1"/>
-                </a:solidFill>
-                <a:latin typeface="+mn-lt"/>
-                <a:ea typeface="+mn-ea"/>
-                <a:cs typeface="+mn-cs"/>
-              </a:defRPr>
-            </a:lvl4pPr>
-            <a:lvl5pPr marL="2057400" indent="-228600" algn="l" defTabSz="914400" rtl="0" eaLnBrk="1" latinLnBrk="0" hangingPunct="1">
-              <a:lnSpc>
-                <a:spcPct val="90000"/>
-              </a:lnSpc>
-              <a:spcBef>
-                <a:spcPts val="500"/>
-              </a:spcBef>
-              <a:buFont typeface="Arial" panose="020B0604020202020204" pitchFamily="34" charset="0"/>
-              <a:buChar char="•"/>
-              <a:defRPr sz="1800" kern="1200">
-                <a:solidFill>
-                  <a:schemeClr val="tx1"/>
-                </a:solidFill>
-                <a:latin typeface="+mn-lt"/>
-                <a:ea typeface="+mn-ea"/>
-                <a:cs typeface="+mn-cs"/>
-              </a:defRPr>
-            </a:lvl5pPr>
-            <a:lvl6pPr marL="2514600" indent="-228600" algn="l" defTabSz="914400" rtl="0" eaLnBrk="1" latinLnBrk="0" hangingPunct="1">
-              <a:lnSpc>
-                <a:spcPct val="90000"/>
-              </a:lnSpc>
-              <a:spcBef>
-                <a:spcPts val="500"/>
-              </a:spcBef>
-              <a:buFont typeface="Arial" panose="020B0604020202020204" pitchFamily="34" charset="0"/>
-              <a:buChar char="•"/>
-              <a:defRPr sz="1800" kern="1200">
-                <a:solidFill>
-                  <a:schemeClr val="tx1"/>
-                </a:solidFill>
-                <a:latin typeface="+mn-lt"/>
-                <a:ea typeface="+mn-ea"/>
-                <a:cs typeface="+mn-cs"/>
-              </a:defRPr>
-            </a:lvl6pPr>
-            <a:lvl7pPr marL="2971800" indent="-228600" algn="l" defTabSz="914400" rtl="0" eaLnBrk="1" latinLnBrk="0" hangingPunct="1">
-              <a:lnSpc>
-                <a:spcPct val="90000"/>
-              </a:lnSpc>
-              <a:spcBef>
-                <a:spcPts val="500"/>
-              </a:spcBef>
-              <a:buFont typeface="Arial" panose="020B0604020202020204" pitchFamily="34" charset="0"/>
-              <a:buChar char="•"/>
-              <a:defRPr sz="1800" kern="1200">
-                <a:solidFill>
-                  <a:schemeClr val="tx1"/>
-                </a:solidFill>
-                <a:latin typeface="+mn-lt"/>
-                <a:ea typeface="+mn-ea"/>
-                <a:cs typeface="+mn-cs"/>
-              </a:defRPr>
-            </a:lvl7pPr>
-            <a:lvl8pPr marL="3429000" indent="-228600" algn="l" defTabSz="914400" rtl="0" eaLnBrk="1" latinLnBrk="0" hangingPunct="1">
-              <a:lnSpc>
-                <a:spcPct val="90000"/>
-              </a:lnSpc>
-              <a:spcBef>
-                <a:spcPts val="500"/>
-              </a:spcBef>
-              <a:buFont typeface="Arial" panose="020B0604020202020204" pitchFamily="34" charset="0"/>
-              <a:buChar char="•"/>
-              <a:defRPr sz="1800" kern="1200">
-                <a:solidFill>
-                  <a:schemeClr val="tx1"/>
-                </a:solidFill>
-                <a:latin typeface="+mn-lt"/>
-                <a:ea typeface="+mn-ea"/>
-                <a:cs typeface="+mn-cs"/>
-              </a:defRPr>
-            </a:lvl8pPr>
-            <a:lvl9pPr marL="3886200" indent="-228600" algn="l" defTabSz="914400" rtl="0" eaLnBrk="1" latinLnBrk="0" hangingPunct="1">
-              <a:lnSpc>
-                <a:spcPct val="90000"/>
-              </a:lnSpc>
-              <a:spcBef>
-                <a:spcPts val="500"/>
-              </a:spcBef>
-              <a:buFont typeface="Arial" panose="020B0604020202020204" pitchFamily="34" charset="0"/>
-              <a:buChar char="•"/>
-              <a:defRPr sz="1800" kern="1200">
-                <a:solidFill>
-                  <a:schemeClr val="tx1"/>
-                </a:solidFill>
-                <a:latin typeface="+mn-lt"/>
-                <a:ea typeface="+mn-ea"/>
-                <a:cs typeface="+mn-cs"/>
-              </a:defRPr>
-            </a:lvl9pPr>
-          </a:lstStyle>
-          <a:p>
-            <a:pPr marL="0" indent="0">
-              <a:buNone/>
-            </a:pPr>
-            <a:endParaRPr lang="en-US" sz="2000">
-              <a:latin typeface="Times New Roman" panose="02020603050405020304" pitchFamily="18" charset="0"/>
-              <a:cs typeface="Times New Roman" panose="02020603050405020304" pitchFamily="18" charset="0"/>
-            </a:endParaRPr>
-          </a:p>
-        </p:txBody>
-      </p:sp>
-      <p:sp>
-        <p:nvSpPr>
-          <p:cNvPr id="15" name="Subtitle 5">
-            <a:extLst>
-              <a:ext uri="{FF2B5EF4-FFF2-40B4-BE49-F238E27FC236}">
-                <a16:creationId xmlns:a16="http://schemas.microsoft.com/office/drawing/2014/main" id="{176D8FAB-D443-4BB8-A0E9-8248D0BDE1DB}"/>
-              </a:ext>
-            </a:extLst>
-          </p:cNvPr>
-          <p:cNvSpPr txBox="1">
-            <a:spLocks/>
-          </p:cNvSpPr>
-          <p:nvPr/>
-        </p:nvSpPr>
-        <p:spPr>
-          <a:xfrm>
-            <a:off x="1088057" y="2215393"/>
-            <a:ext cx="10202793" cy="2193423"/>
-          </a:xfrm>
-          <a:prstGeom prst="rect">
-            <a:avLst/>
-          </a:prstGeom>
-        </p:spPr>
-        <p:txBody>
-          <a:bodyPr vert="horz" lIns="91440" tIns="45720" rIns="91440" bIns="45720" rtlCol="0">
-            <a:normAutofit/>
-          </a:bodyPr>
-          <a:lstStyle>
-            <a:lvl1pPr marL="228600" indent="-228600" algn="l" defTabSz="914400" rtl="0" eaLnBrk="1" latinLnBrk="0" hangingPunct="1">
-              <a:lnSpc>
-                <a:spcPct val="90000"/>
-              </a:lnSpc>
-              <a:spcBef>
-                <a:spcPts val="1000"/>
-              </a:spcBef>
-              <a:buFont typeface="Arial" panose="020B0604020202020204" pitchFamily="34" charset="0"/>
-              <a:buChar char="•"/>
-              <a:defRPr sz="2800" kern="1200">
-                <a:solidFill>
-                  <a:schemeClr val="tx1"/>
-                </a:solidFill>
-                <a:latin typeface="+mn-lt"/>
-                <a:ea typeface="+mn-ea"/>
-                <a:cs typeface="+mn-cs"/>
-              </a:defRPr>
-            </a:lvl1pPr>
-            <a:lvl2pPr marL="685800" indent="-228600" algn="l" defTabSz="914400" rtl="0" eaLnBrk="1" latinLnBrk="0" hangingPunct="1">
-              <a:lnSpc>
-                <a:spcPct val="90000"/>
-              </a:lnSpc>
-              <a:spcBef>
-                <a:spcPts val="500"/>
-              </a:spcBef>
-              <a:buFont typeface="Arial" panose="020B0604020202020204" pitchFamily="34" charset="0"/>
-              <a:buChar char="•"/>
-              <a:defRPr sz="2400" kern="1200">
-                <a:solidFill>
-                  <a:schemeClr val="tx1"/>
-                </a:solidFill>
-                <a:latin typeface="+mn-lt"/>
-                <a:ea typeface="+mn-ea"/>
-                <a:cs typeface="+mn-cs"/>
-              </a:defRPr>
-            </a:lvl2pPr>
-            <a:lvl3pPr marL="1143000" indent="-228600" algn="l" defTabSz="914400" rtl="0" eaLnBrk="1" latinLnBrk="0" hangingPunct="1">
-              <a:lnSpc>
-                <a:spcPct val="90000"/>
-              </a:lnSpc>
-              <a:spcBef>
-                <a:spcPts val="500"/>
-              </a:spcBef>
-              <a:buFont typeface="Arial" panose="020B0604020202020204" pitchFamily="34" charset="0"/>
-              <a:buChar char="•"/>
-              <a:defRPr sz="2000" kern="1200">
-                <a:solidFill>
-                  <a:schemeClr val="tx1"/>
-                </a:solidFill>
-                <a:latin typeface="+mn-lt"/>
-                <a:ea typeface="+mn-ea"/>
-                <a:cs typeface="+mn-cs"/>
-              </a:defRPr>
-            </a:lvl3pPr>
-            <a:lvl4pPr marL="1600200" indent="-228600" algn="l" defTabSz="914400" rtl="0" eaLnBrk="1" latinLnBrk="0" hangingPunct="1">
-              <a:lnSpc>
-                <a:spcPct val="90000"/>
-              </a:lnSpc>
-              <a:spcBef>
-                <a:spcPts val="500"/>
-              </a:spcBef>
-              <a:buFont typeface="Arial" panose="020B0604020202020204" pitchFamily="34" charset="0"/>
-              <a:buChar char="•"/>
-              <a:defRPr sz="1800" kern="1200">
-                <a:solidFill>
-                  <a:schemeClr val="tx1"/>
-                </a:solidFill>
-                <a:latin typeface="+mn-lt"/>
-                <a:ea typeface="+mn-ea"/>
-                <a:cs typeface="+mn-cs"/>
-              </a:defRPr>
-            </a:lvl4pPr>
-            <a:lvl5pPr marL="2057400" indent="-228600" algn="l" defTabSz="914400" rtl="0" eaLnBrk="1" latinLnBrk="0" hangingPunct="1">
-              <a:lnSpc>
-                <a:spcPct val="90000"/>
-              </a:lnSpc>
-              <a:spcBef>
-                <a:spcPts val="500"/>
-              </a:spcBef>
-              <a:buFont typeface="Arial" panose="020B0604020202020204" pitchFamily="34" charset="0"/>
-              <a:buChar char="•"/>
-              <a:defRPr sz="1800" kern="1200">
-                <a:solidFill>
-                  <a:schemeClr val="tx1"/>
-                </a:solidFill>
-                <a:latin typeface="+mn-lt"/>
-                <a:ea typeface="+mn-ea"/>
-                <a:cs typeface="+mn-cs"/>
-              </a:defRPr>
-            </a:lvl5pPr>
-            <a:lvl6pPr marL="2514600" indent="-228600" algn="l" defTabSz="914400" rtl="0" eaLnBrk="1" latinLnBrk="0" hangingPunct="1">
-              <a:lnSpc>
-                <a:spcPct val="90000"/>
-              </a:lnSpc>
-              <a:spcBef>
-                <a:spcPts val="500"/>
-              </a:spcBef>
-              <a:buFont typeface="Arial" panose="020B0604020202020204" pitchFamily="34" charset="0"/>
-              <a:buChar char="•"/>
-              <a:defRPr sz="1800" kern="1200">
-                <a:solidFill>
-                  <a:schemeClr val="tx1"/>
-                </a:solidFill>
-                <a:latin typeface="+mn-lt"/>
-                <a:ea typeface="+mn-ea"/>
-                <a:cs typeface="+mn-cs"/>
-              </a:defRPr>
-            </a:lvl6pPr>
-            <a:lvl7pPr marL="2971800" indent="-228600" algn="l" defTabSz="914400" rtl="0" eaLnBrk="1" latinLnBrk="0" hangingPunct="1">
-              <a:lnSpc>
-                <a:spcPct val="90000"/>
-              </a:lnSpc>
-              <a:spcBef>
-                <a:spcPts val="500"/>
-              </a:spcBef>
-              <a:buFont typeface="Arial" panose="020B0604020202020204" pitchFamily="34" charset="0"/>
-              <a:buChar char="•"/>
-              <a:defRPr sz="1800" kern="1200">
-                <a:solidFill>
-                  <a:schemeClr val="tx1"/>
-                </a:solidFill>
-                <a:latin typeface="+mn-lt"/>
-                <a:ea typeface="+mn-ea"/>
-                <a:cs typeface="+mn-cs"/>
-              </a:defRPr>
-            </a:lvl7pPr>
-            <a:lvl8pPr marL="3429000" indent="-228600" algn="l" defTabSz="914400" rtl="0" eaLnBrk="1" latinLnBrk="0" hangingPunct="1">
-              <a:lnSpc>
-                <a:spcPct val="90000"/>
-              </a:lnSpc>
-              <a:spcBef>
-                <a:spcPts val="500"/>
-              </a:spcBef>
-              <a:buFont typeface="Arial" panose="020B0604020202020204" pitchFamily="34" charset="0"/>
-              <a:buChar char="•"/>
-              <a:defRPr sz="1800" kern="1200">
-                <a:solidFill>
-                  <a:schemeClr val="tx1"/>
-                </a:solidFill>
-                <a:latin typeface="+mn-lt"/>
-                <a:ea typeface="+mn-ea"/>
-                <a:cs typeface="+mn-cs"/>
-              </a:defRPr>
-            </a:lvl8pPr>
-            <a:lvl9pPr marL="3886200" indent="-228600" algn="l" defTabSz="914400" rtl="0" eaLnBrk="1" latinLnBrk="0" hangingPunct="1">
-              <a:lnSpc>
-                <a:spcPct val="90000"/>
-              </a:lnSpc>
-              <a:spcBef>
-                <a:spcPts val="500"/>
-              </a:spcBef>
-              <a:buFont typeface="Arial" panose="020B0604020202020204" pitchFamily="34" charset="0"/>
-              <a:buChar char="•"/>
-              <a:defRPr sz="1800" kern="1200">
-                <a:solidFill>
-                  <a:schemeClr val="tx1"/>
-                </a:solidFill>
-                <a:latin typeface="+mn-lt"/>
-                <a:ea typeface="+mn-ea"/>
-                <a:cs typeface="+mn-cs"/>
-              </a:defRPr>
-            </a:lvl9pPr>
-          </a:lstStyle>
           <a:p>
             <a:pPr>
               <a:lnSpc>
                 <a:spcPct val="120000"/>
               </a:lnSpc>
+              <a:spcBef>
+                <a:spcPts val="1200"/>
+              </a:spcBef>
               <a:buFont typeface="Wingdings" panose="05000000000000000000" pitchFamily="2" charset="2"/>
-              <a:buChar char="Ø"/>
+              <a:buChar char="ü"/>
             </a:pPr>
             <a:r>
-              <a:rPr lang="en-US" sz="2400" b="1">
+              <a:rPr lang="en-US" sz="2400">
                 <a:latin typeface="Times New Roman" panose="02020603050405020304" pitchFamily="18" charset="0"/>
                 <a:cs typeface="Times New Roman" panose="02020603050405020304" pitchFamily="18" charset="0"/>
               </a:rPr>
-              <a:t> Gợi ý dựa trên các đánh giá (sao) sách của khách hàng: </a:t>
+              <a:t> Xây dựng đ</a:t>
+            </a:r>
+            <a:r>
+              <a:rPr lang="vi-VN" sz="2400">
+                <a:latin typeface="Times New Roman" panose="02020603050405020304" pitchFamily="18" charset="0"/>
+                <a:cs typeface="Times New Roman" panose="02020603050405020304" pitchFamily="18" charset="0"/>
+              </a:rPr>
+              <a:t>ư</a:t>
             </a:r>
             <a:r>
               <a:rPr lang="en-US" sz="2400">
                 <a:latin typeface="Times New Roman" panose="02020603050405020304" pitchFamily="18" charset="0"/>
                 <a:cs typeface="Times New Roman" panose="02020603050405020304" pitchFamily="18" charset="0"/>
               </a:rPr>
-              <a:t>K</a:t>
+              <a:t>ợc trang web thư</a:t>
             </a:r>
             <a:r>
               <a:rPr lang="vi-VN" sz="2400">
                 <a:latin typeface="Times New Roman" panose="02020603050405020304" pitchFamily="18" charset="0"/>
                 <a:cs typeface="Times New Roman" panose="02020603050405020304" pitchFamily="18" charset="0"/>
               </a:rPr>
-              <a:t>hi khách hàng đánh giá (sao) cho các sách hệ thống sẽ gợi ý những nhưng sách mà khách hàng này chưa mua hay đanh giá. Những sách này được gợi ý tính toán dựa trên thuật toán “Lọc công tác”</a:t>
+              <a:t>ơ</a:t>
             </a:r>
             <a:r>
               <a:rPr lang="en-US" sz="2400">
                 <a:latin typeface="Times New Roman" panose="02020603050405020304" pitchFamily="18" charset="0"/>
                 <a:cs typeface="Times New Roman" panose="02020603050405020304" pitchFamily="18" charset="0"/>
               </a:rPr>
-              <a:t>.</a:t>
+              <a:t>ng mại điện tử</a:t>
+            </a:r>
+          </a:p>
+          <a:p>
+            <a:pPr>
+              <a:lnSpc>
+                <a:spcPct val="120000"/>
+              </a:lnSpc>
+              <a:spcBef>
+                <a:spcPts val="1200"/>
+              </a:spcBef>
+              <a:buFont typeface="Wingdings" panose="05000000000000000000" pitchFamily="2" charset="2"/>
+              <a:buChar char="ü"/>
+            </a:pPr>
+            <a:r>
+              <a:rPr lang="en-US" sz="2400">
+                <a:latin typeface="Times New Roman" panose="02020603050405020304" pitchFamily="18" charset="0"/>
+                <a:cs typeface="Times New Roman" panose="02020603050405020304" pitchFamily="18" charset="0"/>
+              </a:rPr>
+              <a:t> Triển khai đ</a:t>
+            </a:r>
+            <a:r>
+              <a:rPr lang="vi-VN" sz="2400">
+                <a:latin typeface="Times New Roman" panose="02020603050405020304" pitchFamily="18" charset="0"/>
+                <a:cs typeface="Times New Roman" panose="02020603050405020304" pitchFamily="18" charset="0"/>
+              </a:rPr>
+              <a:t>ư</a:t>
+            </a:r>
+            <a:r>
+              <a:rPr lang="en-US" sz="2400">
+                <a:latin typeface="Times New Roman" panose="02020603050405020304" pitchFamily="18" charset="0"/>
+                <a:cs typeface="Times New Roman" panose="02020603050405020304" pitchFamily="18" charset="0"/>
+              </a:rPr>
+              <a:t>ợc hệ thống gợi ý cho trang web</a:t>
+            </a:r>
+          </a:p>
+          <a:p>
+            <a:pPr>
+              <a:lnSpc>
+                <a:spcPct val="120000"/>
+              </a:lnSpc>
+              <a:spcBef>
+                <a:spcPts val="1200"/>
+              </a:spcBef>
+              <a:buFont typeface="Wingdings" panose="05000000000000000000" pitchFamily="2" charset="2"/>
+              <a:buChar char="ü"/>
+            </a:pPr>
+            <a:r>
+              <a:rPr lang="en-US" sz="2400">
+                <a:latin typeface="Times New Roman" panose="02020603050405020304" pitchFamily="18" charset="0"/>
+                <a:cs typeface="Times New Roman" panose="02020603050405020304" pitchFamily="18" charset="0"/>
+              </a:rPr>
+              <a:t> Nghiệp vụ của doanh nghiệp th</a:t>
+            </a:r>
+            <a:r>
+              <a:rPr lang="vi-VN" sz="2400">
+                <a:latin typeface="Times New Roman" panose="02020603050405020304" pitchFamily="18" charset="0"/>
+                <a:cs typeface="Times New Roman" panose="02020603050405020304" pitchFamily="18" charset="0"/>
+              </a:rPr>
+              <a:t>ư</a:t>
+            </a:r>
+            <a:r>
+              <a:rPr lang="en-US" sz="2400">
+                <a:latin typeface="Times New Roman" panose="02020603050405020304" pitchFamily="18" charset="0"/>
+                <a:cs typeface="Times New Roman" panose="02020603050405020304" pitchFamily="18" charset="0"/>
+              </a:rPr>
+              <a:t>ơng mại điện tử</a:t>
+            </a:r>
+          </a:p>
+          <a:p>
+            <a:pPr>
+              <a:lnSpc>
+                <a:spcPct val="120000"/>
+              </a:lnSpc>
+              <a:spcBef>
+                <a:spcPts val="1200"/>
+              </a:spcBef>
+              <a:buFont typeface="Wingdings" panose="05000000000000000000" pitchFamily="2" charset="2"/>
+              <a:buChar char="ü"/>
+            </a:pPr>
+            <a:r>
+              <a:rPr lang="en-US" sz="2400">
+                <a:latin typeface="Times New Roman" panose="02020603050405020304" pitchFamily="18" charset="0"/>
+                <a:cs typeface="Times New Roman" panose="02020603050405020304" pitchFamily="18" charset="0"/>
+              </a:rPr>
+              <a:t> Quy trình xây dựng 1 trang web</a:t>
+            </a:r>
+          </a:p>
+          <a:p>
+            <a:pPr>
+              <a:lnSpc>
+                <a:spcPct val="120000"/>
+              </a:lnSpc>
+              <a:spcBef>
+                <a:spcPts val="1200"/>
+              </a:spcBef>
+              <a:buFont typeface="Wingdings" panose="05000000000000000000" pitchFamily="2" charset="2"/>
+              <a:buChar char="ü"/>
+            </a:pPr>
+            <a:r>
+              <a:rPr lang="en-US" sz="2400">
+                <a:latin typeface="Times New Roman" panose="02020603050405020304" pitchFamily="18" charset="0"/>
+                <a:cs typeface="Times New Roman" panose="02020603050405020304" pitchFamily="18" charset="0"/>
+              </a:rPr>
+              <a:t> Áp dụng kiến thức đ</a:t>
+            </a:r>
+            <a:r>
+              <a:rPr lang="vi-VN" sz="2400">
+                <a:latin typeface="Times New Roman" panose="02020603050405020304" pitchFamily="18" charset="0"/>
+                <a:cs typeface="Times New Roman" panose="02020603050405020304" pitchFamily="18" charset="0"/>
+              </a:rPr>
+              <a:t>ư</a:t>
+            </a:r>
+            <a:r>
+              <a:rPr lang="en-US" sz="2400">
+                <a:latin typeface="Times New Roman" panose="02020603050405020304" pitchFamily="18" charset="0"/>
+                <a:cs typeface="Times New Roman" panose="02020603050405020304" pitchFamily="18" charset="0"/>
+              </a:rPr>
+              <a:t>ợc học vào thực tiễn</a:t>
+            </a:r>
+          </a:p>
+          <a:p>
+            <a:pPr>
+              <a:lnSpc>
+                <a:spcPct val="120000"/>
+              </a:lnSpc>
+              <a:spcBef>
+                <a:spcPts val="1200"/>
+              </a:spcBef>
+              <a:buFont typeface="Wingdings" panose="05000000000000000000" pitchFamily="2" charset="2"/>
+              <a:buChar char="ü"/>
+            </a:pPr>
+            <a:r>
+              <a:rPr lang="en-US" sz="2400">
+                <a:latin typeface="Times New Roman" panose="02020603050405020304" pitchFamily="18" charset="0"/>
+                <a:cs typeface="Times New Roman" panose="02020603050405020304" pitchFamily="18" charset="0"/>
+              </a:rPr>
+              <a:t> …</a:t>
             </a:r>
           </a:p>
         </p:txBody>
       </p:sp>
+      <p:pic>
+        <p:nvPicPr>
+          <p:cNvPr id="6" name="Picture 5">
+            <a:extLst>
+              <a:ext uri="{FF2B5EF4-FFF2-40B4-BE49-F238E27FC236}">
+                <a16:creationId xmlns:a16="http://schemas.microsoft.com/office/drawing/2014/main" id="{F9410D13-5B3C-4E62-8EF3-13C8756110FC}"/>
+              </a:ext>
+            </a:extLst>
+          </p:cNvPr>
+          <p:cNvPicPr>
+            <a:picLocks noChangeAspect="1"/>
+          </p:cNvPicPr>
+          <p:nvPr/>
+        </p:nvPicPr>
+        <p:blipFill>
+          <a:blip r:embed="rId4">
+            <a:extLst>
+              <a:ext uri="{28A0092B-C50C-407E-A947-70E740481C1C}">
+                <a14:useLocalDpi xmlns:a14="http://schemas.microsoft.com/office/drawing/2010/main" val="0"/>
+              </a:ext>
+            </a:extLst>
+          </a:blip>
+          <a:stretch>
+            <a:fillRect/>
+          </a:stretch>
+        </p:blipFill>
+        <p:spPr>
+          <a:xfrm>
+            <a:off x="7733899" y="2278566"/>
+            <a:ext cx="3623213" cy="2300867"/>
+          </a:xfrm>
+          <a:prstGeom prst="rect">
+            <a:avLst/>
+          </a:prstGeom>
+        </p:spPr>
+      </p:pic>
     </p:spTree>
     <p:extLst>
       <p:ext uri="{BB962C8B-B14F-4D97-AF65-F5344CB8AC3E}">
-        <p14:creationId xmlns:p14="http://schemas.microsoft.com/office/powerpoint/2010/main" val="4201882301"/>
+        <p14:creationId xmlns:p14="http://schemas.microsoft.com/office/powerpoint/2010/main" val="748625472"/>
       </p:ext>
     </p:extLst>
   </p:cSld>
   <p:clrMapOvr>
     <a:masterClrMapping/>
   </p:clrMapOvr>
+  <p:transition spd="slow">
+    <p:push dir="u"/>
+  </p:transition>
 </p:sld>
 </file>
 
@@ -22622,7 +22736,7 @@
         <p:spPr>
           <a:xfrm>
             <a:off x="1088058" y="1614328"/>
-            <a:ext cx="10015883" cy="4035362"/>
+            <a:ext cx="10015883" cy="4280916"/>
           </a:xfrm>
           <a:prstGeom prst="rect">
             <a:avLst/>
@@ -22808,7 +22922,7 @@
                 <a:latin typeface="Times New Roman" panose="02020603050405020304" pitchFamily="18" charset="0"/>
                 <a:cs typeface="Times New Roman" panose="02020603050405020304" pitchFamily="18" charset="0"/>
               </a:rPr>
-              <a:t>4.1 Kết quả đạt đ</a:t>
+              <a:t>4.2 H</a:t>
             </a:r>
             <a:r>
               <a:rPr lang="vi-VN" sz="3200" b="1">
@@ -22828,11 +22942,14 @@
                 <a:latin typeface="Times New Roman" panose="02020603050405020304" pitchFamily="18" charset="0"/>
                 <a:cs typeface="Times New Roman" panose="02020603050405020304" pitchFamily="18" charset="0"/>
               </a:rPr>
-              <a:t>ợc</a:t>
+              <a:t>ớng phát triển</a:t>
             </a:r>
           </a:p>
           <a:p>
             <a:pPr>
+              <a:lnSpc>
+                <a:spcPct val="120000"/>
+              </a:lnSpc>
               <a:spcBef>
                 <a:spcPts val="1200"/>
               </a:spcBef>
@@ -22844,7 +22961,45 @@
                 <a:latin typeface="Times New Roman" panose="02020603050405020304" pitchFamily="18" charset="0"/>
                 <a:cs typeface="Times New Roman" panose="02020603050405020304" pitchFamily="18" charset="0"/>
               </a:rPr>
-              <a:t> Xây dựng đ</a:t>
+              <a:t> Thanh toán qua bên thứ 3</a:t>
+            </a:r>
+          </a:p>
+          <a:p>
+            <a:pPr>
+              <a:lnSpc>
+                <a:spcPct val="120000"/>
+              </a:lnSpc>
+              <a:spcBef>
+                <a:spcPts val="1200"/>
+              </a:spcBef>
+              <a:buFont typeface="Wingdings" panose="05000000000000000000" pitchFamily="2" charset="2"/>
+              <a:buChar char="ü"/>
+            </a:pPr>
+            <a:r>
+              <a:rPr lang="en-US" sz="2400">
+                <a:latin typeface="Times New Roman" panose="02020603050405020304" pitchFamily="18" charset="0"/>
+                <a:cs typeface="Times New Roman" panose="02020603050405020304" pitchFamily="18" charset="0"/>
+              </a:rPr>
+              <a:t> Vận chuyển giao hàng qua bên thứ 3</a:t>
+            </a:r>
+          </a:p>
+          <a:p>
+            <a:pPr>
+              <a:lnSpc>
+                <a:spcPct val="120000"/>
+              </a:lnSpc>
+              <a:spcBef>
+                <a:spcPts val="1200"/>
+              </a:spcBef>
+              <a:buFont typeface="Wingdings" panose="05000000000000000000" pitchFamily="2" charset="2"/>
+              <a:buChar char="ü"/>
+            </a:pPr>
+            <a:r>
+              <a:rPr lang="en-US" sz="2400">
+                <a:latin typeface="Times New Roman" panose="02020603050405020304" pitchFamily="18" charset="0"/>
+                <a:cs typeface="Times New Roman" panose="02020603050405020304" pitchFamily="18" charset="0"/>
+              </a:rPr>
+              <a:t> Áp dụng các thuật toán dự đoán ng</a:t>
             </a:r>
             <a:r>
               <a:rPr lang="vi-VN" sz="2400">
@@ -22858,7 +23013,26 @@
                 <a:latin typeface="Times New Roman" panose="02020603050405020304" pitchFamily="18" charset="0"/>
                 <a:cs typeface="Times New Roman" panose="02020603050405020304" pitchFamily="18" charset="0"/>
               </a:rPr>
-              <a:t>ợc trang web thư</a:t>
+              <a:t>ời dùng, gợi ý, học máy …</a:t>
+            </a:r>
+          </a:p>
+          <a:p>
+            <a:pPr>
+              <a:lnSpc>
+                <a:spcPct val="120000"/>
+              </a:lnSpc>
+              <a:spcBef>
+                <a:spcPts val="1200"/>
+              </a:spcBef>
+              <a:buFont typeface="Wingdings" panose="05000000000000000000" pitchFamily="2" charset="2"/>
+              <a:buChar char="ü"/>
+            </a:pPr>
+            <a:r>
+              <a:rPr lang="en-US" sz="2400">
+                <a:latin typeface="Times New Roman" panose="02020603050405020304" pitchFamily="18" charset="0"/>
+                <a:cs typeface="Times New Roman" panose="02020603050405020304" pitchFamily="18" charset="0"/>
+              </a:rPr>
+              <a:t> Nâng cấp thành chuỗi các cửa hàng, nghiệp vụ phức tạp h</a:t>
             </a:r>
             <a:r>
               <a:rPr lang="vi-VN" sz="2400">
@@ -22872,117 +23046,14 @@
                 <a:latin typeface="Times New Roman" panose="02020603050405020304" pitchFamily="18" charset="0"/>
                 <a:cs typeface="Times New Roman" panose="02020603050405020304" pitchFamily="18" charset="0"/>
               </a:rPr>
-              <a:t>ng mại điện tử</a:t>
+              <a:t>n</a:t>
             </a:r>
           </a:p>
           <a:p>
             <a:pPr>
-              <a:spcBef>
-                <a:spcPts val="1200"/>
-              </a:spcBef>
-              <a:buFont typeface="Wingdings" panose="05000000000000000000" pitchFamily="2" charset="2"/>
-              <a:buChar char="ü"/>
-            </a:pPr>
-            <a:r>
-              <a:rPr lang="en-US" sz="2400">
-                <a:latin typeface="Times New Roman" panose="02020603050405020304" pitchFamily="18" charset="0"/>
-                <a:cs typeface="Times New Roman" panose="02020603050405020304" pitchFamily="18" charset="0"/>
-              </a:rPr>
-              <a:t> Triển khai đ</a:t>
-            </a:r>
-            <a:r>
-              <a:rPr lang="vi-VN" sz="2400">
-                <a:latin typeface="Times New Roman" panose="02020603050405020304" pitchFamily="18" charset="0"/>
-                <a:cs typeface="Times New Roman" panose="02020603050405020304" pitchFamily="18" charset="0"/>
-              </a:rPr>
-              <a:t>ư</a:t>
-            </a:r>
-            <a:r>
-              <a:rPr lang="en-US" sz="2400">
-                <a:latin typeface="Times New Roman" panose="02020603050405020304" pitchFamily="18" charset="0"/>
-                <a:cs typeface="Times New Roman" panose="02020603050405020304" pitchFamily="18" charset="0"/>
-              </a:rPr>
-              <a:t>ợc hệ thống gợi ý cho trang web</a:t>
-            </a:r>
-          </a:p>
-          <a:p>
-            <a:pPr>
-              <a:spcBef>
-                <a:spcPts val="1200"/>
-              </a:spcBef>
-              <a:buFont typeface="Wingdings" panose="05000000000000000000" pitchFamily="2" charset="2"/>
-              <a:buChar char="ü"/>
-            </a:pPr>
-            <a:r>
-              <a:rPr lang="en-US" sz="2400">
-                <a:latin typeface="Times New Roman" panose="02020603050405020304" pitchFamily="18" charset="0"/>
-                <a:cs typeface="Times New Roman" panose="02020603050405020304" pitchFamily="18" charset="0"/>
-              </a:rPr>
-              <a:t> Nghiệp vụ của doanh nghiệp th</a:t>
-            </a:r>
-            <a:r>
-              <a:rPr lang="vi-VN" sz="2400">
-                <a:latin typeface="Times New Roman" panose="02020603050405020304" pitchFamily="18" charset="0"/>
-                <a:cs typeface="Times New Roman" panose="02020603050405020304" pitchFamily="18" charset="0"/>
-              </a:rPr>
-              <a:t>ư</a:t>
-            </a:r>
-            <a:r>
-              <a:rPr lang="en-US" sz="2400">
-                <a:latin typeface="Times New Roman" panose="02020603050405020304" pitchFamily="18" charset="0"/>
-                <a:cs typeface="Times New Roman" panose="02020603050405020304" pitchFamily="18" charset="0"/>
-              </a:rPr>
-              <a:t>ơng mại điện tử</a:t>
-            </a:r>
-          </a:p>
-          <a:p>
-            <a:pPr>
-              <a:spcBef>
-                <a:spcPts val="1200"/>
-              </a:spcBef>
-              <a:buFont typeface="Wingdings" panose="05000000000000000000" pitchFamily="2" charset="2"/>
-              <a:buChar char="ü"/>
-            </a:pPr>
-            <a:r>
-              <a:rPr lang="en-US" sz="2400">
-                <a:latin typeface="Times New Roman" panose="02020603050405020304" pitchFamily="18" charset="0"/>
-                <a:cs typeface="Times New Roman" panose="02020603050405020304" pitchFamily="18" charset="0"/>
-              </a:rPr>
-              <a:t> Quy trình xây dựng 1 trang web</a:t>
-            </a:r>
-          </a:p>
-          <a:p>
-            <a:pPr>
-              <a:spcBef>
-                <a:spcPts val="1200"/>
-              </a:spcBef>
-              <a:buFont typeface="Wingdings" panose="05000000000000000000" pitchFamily="2" charset="2"/>
-              <a:buChar char="ü"/>
-            </a:pPr>
-            <a:r>
-              <a:rPr lang="en-US" sz="2400">
-                <a:latin typeface="Times New Roman" panose="02020603050405020304" pitchFamily="18" charset="0"/>
-                <a:cs typeface="Times New Roman" panose="02020603050405020304" pitchFamily="18" charset="0"/>
-              </a:rPr>
-              <a:t> Áp dụng kiến thức đ</a:t>
-            </a:r>
-            <a:r>
-              <a:rPr lang="vi-VN" sz="2400">
-                <a:latin typeface="Times New Roman" panose="02020603050405020304" pitchFamily="18" charset="0"/>
-                <a:cs typeface="Times New Roman" panose="02020603050405020304" pitchFamily="18" charset="0"/>
-              </a:rPr>
-              <a:t>ư</a:t>
-            </a:r>
-            <a:r>
-              <a:rPr lang="en-US" sz="2400">
-                <a:latin typeface="Times New Roman" panose="02020603050405020304" pitchFamily="18" charset="0"/>
-                <a:cs typeface="Times New Roman" panose="02020603050405020304" pitchFamily="18" charset="0"/>
-              </a:rPr>
-              <a:t>ợc học vào thực tiễn</a:t>
-            </a:r>
-          </a:p>
-          <a:p>
-            <a:pPr>
+              <a:lnSpc>
+                <a:spcPct val="120000"/>
+              </a:lnSpc>
               <a:spcBef>
                 <a:spcPts val="1200"/>
               </a:spcBef>
@@ -22999,46 +23070,10 @@
           </a:p>
         </p:txBody>
       </p:sp>
-      <p:pic>
-        <p:nvPicPr>
-          <p:cNvPr id="6" name="Picture 5">
-            <a:extLst>
-              <a:ext uri="{FF2B5EF4-FFF2-40B4-BE49-F238E27FC236}">
-                <a16:creationId xmlns:a16="http://schemas.microsoft.com/office/drawing/2014/main" id="{F9410D13-5B3C-4E62-8EF3-13C8756110FC}"/>
-              </a:ext>
-            </a:extLst>
-          </p:cNvPr>
-          <p:cNvPicPr>
-            <a:picLocks noChangeAspect="1"/>
-          </p:cNvPicPr>
-          <p:nvPr/>
-        </p:nvPicPr>
-        <p:blipFill>
-          <a:blip r:embed="rId4">
-            <a:extLst>
-              <a:ext uri="{28A0092B-C50C-407E-A947-70E740481C1C}">
-                <a14:useLocalDpi xmlns:a14="http://schemas.microsoft.com/office/drawing/2010/main" val="0"/>
-              </a:ext>
-            </a:extLst>
-          </a:blip>
-          <a:stretch>
-            <a:fillRect/>
-          </a:stretch>
-        </p:blipFill>
-        <p:spPr>
-          <a:xfrm>
-            <a:off x="7733899" y="2278566"/>
-            <a:ext cx="3623213" cy="2300867"/>
-          </a:xfrm>
-          <a:prstGeom prst="rect">
-            <a:avLst/>
-          </a:prstGeom>
-        </p:spPr>
-      </p:pic>
     </p:spTree>
     <p:extLst>
       <p:ext uri="{BB962C8B-B14F-4D97-AF65-F5344CB8AC3E}">
-        <p14:creationId xmlns:p14="http://schemas.microsoft.com/office/powerpoint/2010/main" val="748625472"/>
+        <p14:creationId xmlns:p14="http://schemas.microsoft.com/office/powerpoint/2010/main" val="1239656580"/>
       </p:ext>
     </p:extLst>
   </p:cSld>
@@ -23569,42 +23604,6 @@
           </a:p>
         </p:txBody>
       </p:sp>
-      <p:pic>
-        <p:nvPicPr>
-          <p:cNvPr id="12" name="Picture 11">
-            <a:extLst>
-              <a:ext uri="{FF2B5EF4-FFF2-40B4-BE49-F238E27FC236}">
-                <a16:creationId xmlns:a16="http://schemas.microsoft.com/office/drawing/2014/main" id="{555E0468-6E74-4785-9DAE-DA5A3A9CAD12}"/>
-              </a:ext>
-            </a:extLst>
-          </p:cNvPr>
-          <p:cNvPicPr>
-            <a:picLocks noChangeAspect="1"/>
-          </p:cNvPicPr>
-          <p:nvPr/>
-        </p:nvPicPr>
-        <p:blipFill>
-          <a:blip r:embed="rId3">
-            <a:extLst>
-              <a:ext uri="{28A0092B-C50C-407E-A947-70E740481C1C}">
-                <a14:useLocalDpi xmlns:a14="http://schemas.microsoft.com/office/drawing/2010/main" val="0"/>
-              </a:ext>
-            </a:extLst>
-          </a:blip>
-          <a:stretch>
-            <a:fillRect/>
-          </a:stretch>
-        </p:blipFill>
-        <p:spPr>
-          <a:xfrm>
-            <a:off x="10178549" y="5895244"/>
-            <a:ext cx="1880931" cy="830236"/>
-          </a:xfrm>
-          <a:prstGeom prst="rect">
-            <a:avLst/>
-          </a:prstGeom>
-        </p:spPr>
-      </p:pic>
       <p:sp>
         <p:nvSpPr>
           <p:cNvPr id="13" name="Subtitle 5">
@@ -23808,7 +23807,7 @@
                 <a:latin typeface="Times New Roman" panose="02020603050405020304" pitchFamily="18" charset="0"/>
                 <a:cs typeface="Times New Roman" panose="02020603050405020304" pitchFamily="18" charset="0"/>
               </a:rPr>
-              <a:t>4.2 H</a:t>
+              <a:t>4.2 Ch</a:t>
             </a:r>
             <a:r>
               <a:rPr lang="vi-VN" sz="3200" b="1">
@@ -23828,123 +23827,97 @@
                 <a:latin typeface="Times New Roman" panose="02020603050405020304" pitchFamily="18" charset="0"/>
                 <a:cs typeface="Times New Roman" panose="02020603050405020304" pitchFamily="18" charset="0"/>
               </a:rPr>
-              <a:t>ớng phát triển</a:t>
+              <a:t>ơng trình demo</a:t>
             </a:r>
           </a:p>
           <a:p>
-            <a:pPr>
-              <a:spcBef>
-                <a:spcPts val="1200"/>
-              </a:spcBef>
-              <a:buFont typeface="Wingdings" panose="05000000000000000000" pitchFamily="2" charset="2"/>
-              <a:buChar char="ü"/>
+            <a:pPr marL="0" indent="0">
+              <a:buNone/>
             </a:pPr>
-            <a:r>
-              <a:rPr lang="en-US" sz="2400">
-                <a:latin typeface="Times New Roman" panose="02020603050405020304" pitchFamily="18" charset="0"/>
-                <a:cs typeface="Times New Roman" panose="02020603050405020304" pitchFamily="18" charset="0"/>
-              </a:rPr>
-              <a:t> Thanh toán qua bên thứ 3</a:t>
-            </a:r>
-          </a:p>
-          <a:p>
-            <a:pPr>
-              <a:spcBef>
-                <a:spcPts val="1200"/>
-              </a:spcBef>
-              <a:buFont typeface="Wingdings" panose="05000000000000000000" pitchFamily="2" charset="2"/>
-              <a:buChar char="ü"/>
-            </a:pPr>
-            <a:r>
-              <a:rPr lang="en-US" sz="2400">
-                <a:latin typeface="Times New Roman" panose="02020603050405020304" pitchFamily="18" charset="0"/>
-                <a:cs typeface="Times New Roman" panose="02020603050405020304" pitchFamily="18" charset="0"/>
-              </a:rPr>
-              <a:t> Vận chuyển giao hàng qua bên thứ 3</a:t>
-            </a:r>
-          </a:p>
-          <a:p>
-            <a:pPr>
-              <a:spcBef>
-                <a:spcPts val="1200"/>
-              </a:spcBef>
-              <a:buFont typeface="Wingdings" panose="05000000000000000000" pitchFamily="2" charset="2"/>
-              <a:buChar char="ü"/>
-            </a:pPr>
-            <a:r>
-              <a:rPr lang="en-US" sz="2400">
-                <a:latin typeface="Times New Roman" panose="02020603050405020304" pitchFamily="18" charset="0"/>
-                <a:cs typeface="Times New Roman" panose="02020603050405020304" pitchFamily="18" charset="0"/>
-              </a:rPr>
-              <a:t> Áp dụng các thuật toán dự đoán ng</a:t>
-            </a:r>
-            <a:r>
-              <a:rPr lang="vi-VN" sz="2400">
-                <a:latin typeface="Times New Roman" panose="02020603050405020304" pitchFamily="18" charset="0"/>
-                <a:cs typeface="Times New Roman" panose="02020603050405020304" pitchFamily="18" charset="0"/>
-              </a:rPr>
-              <a:t>ư</a:t>
-            </a:r>
-            <a:r>
-              <a:rPr lang="en-US" sz="2400">
-                <a:latin typeface="Times New Roman" panose="02020603050405020304" pitchFamily="18" charset="0"/>
-                <a:cs typeface="Times New Roman" panose="02020603050405020304" pitchFamily="18" charset="0"/>
-              </a:rPr>
-              <a:t>ời dùng, gợi ý, học máy …</a:t>
-            </a:r>
-          </a:p>
-          <a:p>
-            <a:pPr>
-              <a:spcBef>
-                <a:spcPts val="1200"/>
-              </a:spcBef>
-              <a:buFont typeface="Wingdings" panose="05000000000000000000" pitchFamily="2" charset="2"/>
-              <a:buChar char="ü"/>
-            </a:pPr>
-            <a:r>
-              <a:rPr lang="en-US" sz="2400">
-                <a:latin typeface="Times New Roman" panose="02020603050405020304" pitchFamily="18" charset="0"/>
-                <a:cs typeface="Times New Roman" panose="02020603050405020304" pitchFamily="18" charset="0"/>
-              </a:rPr>
-              <a:t> Nâng cấp thành chuỗi các cửa hàng, nghiệp vụ phức tạp h</a:t>
-            </a:r>
-            <a:r>
-              <a:rPr lang="vi-VN" sz="2400">
-                <a:latin typeface="Times New Roman" panose="02020603050405020304" pitchFamily="18" charset="0"/>
-                <a:cs typeface="Times New Roman" panose="02020603050405020304" pitchFamily="18" charset="0"/>
-              </a:rPr>
-              <a:t>ơ</a:t>
-            </a:r>
-            <a:r>
-              <a:rPr lang="en-US" sz="2400">
-                <a:latin typeface="Times New Roman" panose="02020603050405020304" pitchFamily="18" charset="0"/>
-                <a:cs typeface="Times New Roman" panose="02020603050405020304" pitchFamily="18" charset="0"/>
-              </a:rPr>
-              <a:t>n</a:t>
-            </a:r>
-          </a:p>
-          <a:p>
-            <a:pPr>
-              <a:spcBef>
-                <a:spcPts val="1200"/>
-              </a:spcBef>
-              <a:buFont typeface="Wingdings" panose="05000000000000000000" pitchFamily="2" charset="2"/>
-              <a:buChar char="ü"/>
-            </a:pPr>
-            <a:r>
-              <a:rPr lang="en-US" sz="2400">
-                <a:latin typeface="Times New Roman" panose="02020603050405020304" pitchFamily="18" charset="0"/>
-                <a:cs typeface="Times New Roman" panose="02020603050405020304" pitchFamily="18" charset="0"/>
-              </a:rPr>
-              <a:t> …</a:t>
-            </a:r>
+            <a:endParaRPr lang="en-US" sz="3200" b="1">
+              <a:solidFill>
+                <a:schemeClr val="accent1"/>
+              </a:solidFill>
+              <a:latin typeface="Times New Roman" panose="02020603050405020304" pitchFamily="18" charset="0"/>
+              <a:cs typeface="Times New Roman" panose="02020603050405020304" pitchFamily="18" charset="0"/>
+            </a:endParaRPr>
           </a:p>
         </p:txBody>
       </p:sp>
+      <p:pic>
+        <p:nvPicPr>
+          <p:cNvPr id="16" name="Picture 15">
+            <a:extLst>
+              <a:ext uri="{FF2B5EF4-FFF2-40B4-BE49-F238E27FC236}">
+                <a16:creationId xmlns:a16="http://schemas.microsoft.com/office/drawing/2014/main" id="{26B93F25-3B60-4247-B883-91D168BAD58F}"/>
+              </a:ext>
+            </a:extLst>
+          </p:cNvPr>
+          <p:cNvPicPr/>
+          <p:nvPr/>
+        </p:nvPicPr>
+        <p:blipFill>
+          <a:blip r:embed="rId3">
+            <a:extLst>
+              <a:ext uri="{28A0092B-C50C-407E-A947-70E740481C1C}">
+                <a14:useLocalDpi xmlns:a14="http://schemas.microsoft.com/office/drawing/2010/main" val="0"/>
+              </a:ext>
+            </a:extLst>
+          </a:blip>
+          <a:stretch>
+            <a:fillRect/>
+          </a:stretch>
+        </p:blipFill>
+        <p:spPr>
+          <a:xfrm>
+            <a:off x="1282700" y="2382644"/>
+            <a:ext cx="9626600" cy="4186100"/>
+          </a:xfrm>
+          <a:prstGeom prst="rect">
+            <a:avLst/>
+          </a:prstGeom>
+        </p:spPr>
+      </p:pic>
+      <p:pic>
+        <p:nvPicPr>
+          <p:cNvPr id="17" name="Picture 16">
+            <a:extLst>
+              <a:ext uri="{FF2B5EF4-FFF2-40B4-BE49-F238E27FC236}">
+                <a16:creationId xmlns:a16="http://schemas.microsoft.com/office/drawing/2014/main" id="{5A22D614-4CC8-4081-B032-3B6534C9C591}"/>
+              </a:ext>
+            </a:extLst>
+          </p:cNvPr>
+          <p:cNvPicPr>
+            <a:picLocks noChangeAspect="1"/>
+          </p:cNvPicPr>
+          <p:nvPr/>
+        </p:nvPicPr>
+        <p:blipFill>
+          <a:blip r:embed="rId4">
+            <a:extLst>
+              <a:ext uri="{28A0092B-C50C-407E-A947-70E740481C1C}">
+                <a14:useLocalDpi xmlns:a14="http://schemas.microsoft.com/office/drawing/2010/main" val="0"/>
+              </a:ext>
+            </a:extLst>
+          </a:blip>
+          <a:stretch>
+            <a:fillRect/>
+          </a:stretch>
+        </p:blipFill>
+        <p:spPr>
+          <a:xfrm>
+            <a:off x="10178549" y="5895244"/>
+            <a:ext cx="1880931" cy="830236"/>
+          </a:xfrm>
+          <a:prstGeom prst="rect">
+            <a:avLst/>
+          </a:prstGeom>
+        </p:spPr>
+      </p:pic>
     </p:spTree>
     <p:extLst>
       <p:ext uri="{BB962C8B-B14F-4D97-AF65-F5344CB8AC3E}">
-        <p14:creationId xmlns:p14="http://schemas.microsoft.com/office/powerpoint/2010/main" val="1239656580"/>
+        <p14:creationId xmlns:p14="http://schemas.microsoft.com/office/powerpoint/2010/main" val="2423427411"/>
       </p:ext>
     </p:extLst>
   </p:cSld>
@@ -24717,14 +24690,16 @@
       </p:sp>
       <p:pic>
         <p:nvPicPr>
-          <p:cNvPr id="16" name="Picture 15">
+          <p:cNvPr id="3" name="Picture 2">
             <a:extLst>
               <a:ext uri="{FF2B5EF4-FFF2-40B4-BE49-F238E27FC236}">
-                <a16:creationId xmlns:a16="http://schemas.microsoft.com/office/drawing/2014/main" id="{26B93F25-3B60-4247-B883-91D168BAD58F}"/>
+                <a16:creationId xmlns:a16="http://schemas.microsoft.com/office/drawing/2014/main" id="{35444237-0F91-4C97-89A6-0B40C1F2F057}"/>
               </a:ext>
             </a:extLst>
           </p:cNvPr>
-          <p:cNvPicPr/>
+          <p:cNvPicPr>
+            <a:picLocks noChangeAspect="1"/>
+          </p:cNvPicPr>
           <p:nvPr/>
         </p:nvPicPr>
         <p:blipFill>
@@ -24741,8 +24716,8 @@
         </p:blipFill>
         <p:spPr>
           <a:xfrm>
-            <a:off x="1282700" y="2382644"/>
-            <a:ext cx="9626600" cy="4186100"/>
+            <a:off x="1282700" y="2168845"/>
+            <a:ext cx="9626600" cy="4152441"/>
           </a:xfrm>
           <a:prstGeom prst="rect">
             <a:avLst/>
@@ -24751,10 +24726,10 @@
       </p:pic>
       <p:pic>
         <p:nvPicPr>
-          <p:cNvPr id="17" name="Picture 16">
+          <p:cNvPr id="15" name="Picture 14">
             <a:extLst>
               <a:ext uri="{FF2B5EF4-FFF2-40B4-BE49-F238E27FC236}">
-                <a16:creationId xmlns:a16="http://schemas.microsoft.com/office/drawing/2014/main" id="{5A22D614-4CC8-4081-B032-3B6534C9C591}"/>
+                <a16:creationId xmlns:a16="http://schemas.microsoft.com/office/drawing/2014/main" id="{E05C1D13-476D-40BE-9B86-99D16C600CF6}"/>
               </a:ext>
             </a:extLst>
           </p:cNvPr>
@@ -24788,7 +24763,7 @@
     </p:spTree>
     <p:extLst>
       <p:ext uri="{BB962C8B-B14F-4D97-AF65-F5344CB8AC3E}">
-        <p14:creationId xmlns:p14="http://schemas.microsoft.com/office/powerpoint/2010/main" val="2423427411"/>
+        <p14:creationId xmlns:p14="http://schemas.microsoft.com/office/powerpoint/2010/main" val="1336452750"/>
       </p:ext>
     </p:extLst>
   </p:cSld>
@@ -25561,10 +25536,10 @@
       </p:sp>
       <p:pic>
         <p:nvPicPr>
-          <p:cNvPr id="3" name="Picture 2">
+          <p:cNvPr id="15" name="Picture 14">
             <a:extLst>
               <a:ext uri="{FF2B5EF4-FFF2-40B4-BE49-F238E27FC236}">
-                <a16:creationId xmlns:a16="http://schemas.microsoft.com/office/drawing/2014/main" id="{35444237-0F91-4C97-89A6-0B40C1F2F057}"/>
+                <a16:creationId xmlns:a16="http://schemas.microsoft.com/office/drawing/2014/main" id="{E05C1D13-476D-40BE-9B86-99D16C600CF6}"/>
               </a:ext>
             </a:extLst>
           </p:cNvPr>
@@ -25587,8 +25562,8 @@
         </p:blipFill>
         <p:spPr>
           <a:xfrm>
-            <a:off x="1282700" y="2168845"/>
-            <a:ext cx="9626600" cy="4152441"/>
+            <a:off x="10178549" y="5895244"/>
+            <a:ext cx="1880931" cy="830236"/>
           </a:xfrm>
           <a:prstGeom prst="rect">
             <a:avLst/>
@@ -25597,10 +25572,10 @@
       </p:pic>
       <p:pic>
         <p:nvPicPr>
-          <p:cNvPr id="15" name="Picture 14">
+          <p:cNvPr id="4" name="Picture 3">
             <a:extLst>
               <a:ext uri="{FF2B5EF4-FFF2-40B4-BE49-F238E27FC236}">
-                <a16:creationId xmlns:a16="http://schemas.microsoft.com/office/drawing/2014/main" id="{E05C1D13-476D-40BE-9B86-99D16C600CF6}"/>
+                <a16:creationId xmlns:a16="http://schemas.microsoft.com/office/drawing/2014/main" id="{1B593747-B1EC-4E5C-9260-60354DDA99F0}"/>
               </a:ext>
             </a:extLst>
           </p:cNvPr>
@@ -25611,6 +25586,210 @@
         </p:nvPicPr>
         <p:blipFill>
           <a:blip r:embed="rId4">
+            <a:extLst>
+              <a:ext uri="{28A0092B-C50C-407E-A947-70E740481C1C}">
+                <a14:useLocalDpi xmlns:a14="http://schemas.microsoft.com/office/drawing/2010/main" val="0"/>
+              </a:ext>
+            </a:extLst>
+          </a:blip>
+          <a:stretch>
+            <a:fillRect/>
+          </a:stretch>
+        </p:blipFill>
+        <p:spPr>
+          <a:xfrm>
+            <a:off x="1282700" y="2330720"/>
+            <a:ext cx="3299493" cy="3979642"/>
+          </a:xfrm>
+          <a:prstGeom prst="rect">
+            <a:avLst/>
+          </a:prstGeom>
+        </p:spPr>
+      </p:pic>
+      <p:pic>
+        <p:nvPicPr>
+          <p:cNvPr id="7" name="Picture 6">
+            <a:extLst>
+              <a:ext uri="{FF2B5EF4-FFF2-40B4-BE49-F238E27FC236}">
+                <a16:creationId xmlns:a16="http://schemas.microsoft.com/office/drawing/2014/main" id="{0F4D18C3-CD52-43EC-BF9D-116BF4956CF7}"/>
+              </a:ext>
+            </a:extLst>
+          </p:cNvPr>
+          <p:cNvPicPr>
+            <a:picLocks noChangeAspect="1"/>
+          </p:cNvPicPr>
+          <p:nvPr/>
+        </p:nvPicPr>
+        <p:blipFill>
+          <a:blip r:embed="rId5">
+            <a:extLst>
+              <a:ext uri="{28A0092B-C50C-407E-A947-70E740481C1C}">
+                <a14:useLocalDpi xmlns:a14="http://schemas.microsoft.com/office/drawing/2010/main" val="0"/>
+              </a:ext>
+            </a:extLst>
+          </a:blip>
+          <a:stretch>
+            <a:fillRect/>
+          </a:stretch>
+        </p:blipFill>
+        <p:spPr>
+          <a:xfrm>
+            <a:off x="5983780" y="2330720"/>
+            <a:ext cx="3639058" cy="3979642"/>
+          </a:xfrm>
+          <a:prstGeom prst="rect">
+            <a:avLst/>
+          </a:prstGeom>
+        </p:spPr>
+      </p:pic>
+    </p:spTree>
+    <p:extLst>
+      <p:ext uri="{BB962C8B-B14F-4D97-AF65-F5344CB8AC3E}">
+        <p14:creationId xmlns:p14="http://schemas.microsoft.com/office/powerpoint/2010/main" val="824605092"/>
+      </p:ext>
+    </p:extLst>
+  </p:cSld>
+  <p:clrMapOvr>
+    <a:masterClrMapping/>
+  </p:clrMapOvr>
+</p:sld>
+</file>
+
+<file path=ppt/slides/slide25.xml><?xml version="1.0" encoding="utf-8"?>
+<p:sld xmlns:a="http://schemas.openxmlformats.org/drawingml/2006/main" xmlns:r="http://schemas.openxmlformats.org/officeDocument/2006/relationships" xmlns:p="http://schemas.openxmlformats.org/presentationml/2006/main">
+  <p:cSld>
+    <p:spTree>
+      <p:nvGrpSpPr>
+        <p:cNvPr id="1" name=""/>
+        <p:cNvGrpSpPr/>
+        <p:nvPr/>
+      </p:nvGrpSpPr>
+      <p:grpSpPr>
+        <a:xfrm>
+          <a:off x="0" y="0"/>
+          <a:ext cx="0" cy="0"/>
+          <a:chOff x="0" y="0"/>
+          <a:chExt cx="0" cy="0"/>
+        </a:xfrm>
+      </p:grpSpPr>
+      <p:pic>
+        <p:nvPicPr>
+          <p:cNvPr id="17" name="Picture 16">
+            <a:extLst>
+              <a:ext uri="{FF2B5EF4-FFF2-40B4-BE49-F238E27FC236}">
+                <a16:creationId xmlns:a16="http://schemas.microsoft.com/office/drawing/2014/main" id="{B11178B0-B4F7-4047-9667-F5D3A942E012}"/>
+              </a:ext>
+            </a:extLst>
+          </p:cNvPr>
+          <p:cNvPicPr>
+            <a:picLocks noChangeAspect="1"/>
+          </p:cNvPicPr>
+          <p:nvPr/>
+        </p:nvPicPr>
+        <p:blipFill>
+          <a:blip r:embed="rId2">
+            <a:extLst>
+              <a:ext uri="{28A0092B-C50C-407E-A947-70E740481C1C}">
+                <a14:useLocalDpi xmlns:a14="http://schemas.microsoft.com/office/drawing/2010/main" val="0"/>
+              </a:ext>
+            </a:extLst>
+          </a:blip>
+          <a:stretch>
+            <a:fillRect/>
+          </a:stretch>
+        </p:blipFill>
+        <p:spPr>
+          <a:xfrm>
+            <a:off x="127000" y="132520"/>
+            <a:ext cx="4905375" cy="1028700"/>
+          </a:xfrm>
+          <a:prstGeom prst="rect">
+            <a:avLst/>
+          </a:prstGeom>
+        </p:spPr>
+      </p:pic>
+      <p:sp>
+        <p:nvSpPr>
+          <p:cNvPr id="4" name="Title 3">
+            <a:extLst>
+              <a:ext uri="{FF2B5EF4-FFF2-40B4-BE49-F238E27FC236}">
+                <a16:creationId xmlns:a16="http://schemas.microsoft.com/office/drawing/2014/main" id="{76F66DD1-F8B1-4270-BEEA-DA000F08B4E0}"/>
+              </a:ext>
+            </a:extLst>
+          </p:cNvPr>
+          <p:cNvSpPr>
+            <a:spLocks noGrp="1"/>
+          </p:cNvSpPr>
+          <p:nvPr>
+            <p:ph type="title"/>
+          </p:nvPr>
+        </p:nvSpPr>
+        <p:spPr>
+          <a:xfrm>
+            <a:off x="1581150" y="2913607"/>
+            <a:ext cx="9029700" cy="1030785"/>
+          </a:xfrm>
+        </p:spPr>
+        <p:txBody>
+          <a:bodyPr>
+            <a:normAutofit/>
+          </a:bodyPr>
+          <a:lstStyle/>
+          <a:p>
+            <a:pPr algn="ctr">
+              <a:lnSpc>
+                <a:spcPct val="100000"/>
+              </a:lnSpc>
+            </a:pPr>
+            <a:r>
+              <a:rPr lang="en-US" sz="4000" b="1">
+                <a:solidFill>
+                  <a:srgbClr val="FF0000"/>
+                </a:solidFill>
+                <a:latin typeface="Times New Roman" panose="02020603050405020304" pitchFamily="18" charset="0"/>
+                <a:cs typeface="Times New Roman" panose="02020603050405020304" pitchFamily="18" charset="0"/>
+              </a:rPr>
+              <a:t>CẢM </a:t>
+            </a:r>
+            <a:r>
+              <a:rPr lang="vi-VN" sz="4000" b="1">
+                <a:solidFill>
+                  <a:srgbClr val="FF0000"/>
+                </a:solidFill>
+                <a:latin typeface="Times New Roman" panose="02020603050405020304" pitchFamily="18" charset="0"/>
+                <a:cs typeface="Times New Roman" panose="02020603050405020304" pitchFamily="18" charset="0"/>
+              </a:rPr>
+              <a:t>Ơ</a:t>
+            </a:r>
+            <a:r>
+              <a:rPr lang="en-US" sz="4000" b="1">
+                <a:solidFill>
+                  <a:srgbClr val="FF0000"/>
+                </a:solidFill>
+                <a:latin typeface="Times New Roman" panose="02020603050405020304" pitchFamily="18" charset="0"/>
+                <a:cs typeface="Times New Roman" panose="02020603050405020304" pitchFamily="18" charset="0"/>
+              </a:rPr>
+              <a:t>N THẦY CÔ VÀ CÁC BẠN!</a:t>
+            </a:r>
+          </a:p>
+        </p:txBody>
+      </p:sp>
+      <p:pic>
+        <p:nvPicPr>
+          <p:cNvPr id="5" name="Picture 4">
+            <a:extLst>
+              <a:ext uri="{FF2B5EF4-FFF2-40B4-BE49-F238E27FC236}">
+                <a16:creationId xmlns:a16="http://schemas.microsoft.com/office/drawing/2014/main" id="{9CC7CA6A-4505-476E-A375-F535F51B3BFF}"/>
+              </a:ext>
+            </a:extLst>
+          </p:cNvPr>
+          <p:cNvPicPr>
+            <a:picLocks noChangeAspect="1"/>
+          </p:cNvPicPr>
+          <p:nvPr/>
+        </p:nvPicPr>
+        <p:blipFill>
+          <a:blip r:embed="rId3">
             <a:extLst>
               <a:ext uri="{28A0092B-C50C-407E-A947-70E740481C1C}">
                 <a14:useLocalDpi xmlns:a14="http://schemas.microsoft.com/office/drawing/2010/main" val="0"/>
@@ -25634,17 +25813,349 @@
     </p:spTree>
     <p:extLst>
       <p:ext uri="{BB962C8B-B14F-4D97-AF65-F5344CB8AC3E}">
-        <p14:creationId xmlns:p14="http://schemas.microsoft.com/office/powerpoint/2010/main" val="1336452750"/>
+        <p14:creationId xmlns:p14="http://schemas.microsoft.com/office/powerpoint/2010/main" val="1640680481"/>
       </p:ext>
     </p:extLst>
   </p:cSld>
   <p:clrMapOvr>
     <a:masterClrMapping/>
   </p:clrMapOvr>
+  <p:timing>
+    <p:tnLst>
+      <p:par>
+        <p:cTn id="1" dur="indefinite" restart="never" nodeType="tmRoot">
+          <p:childTnLst>
+            <p:seq concurrent="1" nextAc="seek">
+              <p:cTn id="2" dur="indefinite" nodeType="mainSeq">
+                <p:childTnLst>
+                  <p:par>
+                    <p:cTn id="3" fill="hold">
+                      <p:stCondLst>
+                        <p:cond delay="indefinite"/>
+                        <p:cond evt="onBegin" delay="0">
+                          <p:tn val="2"/>
+                        </p:cond>
+                      </p:stCondLst>
+                      <p:childTnLst>
+                        <p:par>
+                          <p:cTn id="4" fill="hold">
+                            <p:stCondLst>
+                              <p:cond delay="0"/>
+                            </p:stCondLst>
+                            <p:childTnLst>
+                              <p:par>
+                                <p:cTn id="5" presetID="26" presetClass="entr" presetSubtype="0" fill="hold" grpId="0" nodeType="withEffect">
+                                  <p:stCondLst>
+                                    <p:cond delay="0"/>
+                                  </p:stCondLst>
+                                  <p:childTnLst>
+                                    <p:set>
+                                      <p:cBhvr>
+                                        <p:cTn id="6" dur="1" fill="hold">
+                                          <p:stCondLst>
+                                            <p:cond delay="0"/>
+                                          </p:stCondLst>
+                                        </p:cTn>
+                                        <p:tgtEl>
+                                          <p:spTgt spid="4"/>
+                                        </p:tgtEl>
+                                        <p:attrNameLst>
+                                          <p:attrName>style.visibility</p:attrName>
+                                        </p:attrNameLst>
+                                      </p:cBhvr>
+                                      <p:to>
+                                        <p:strVal val="visible"/>
+                                      </p:to>
+                                    </p:set>
+                                    <p:animEffect transition="in" filter="wipe(down)">
+                                      <p:cBhvr>
+                                        <p:cTn id="7" dur="580">
+                                          <p:stCondLst>
+                                            <p:cond delay="0"/>
+                                          </p:stCondLst>
+                                        </p:cTn>
+                                        <p:tgtEl>
+                                          <p:spTgt spid="4"/>
+                                        </p:tgtEl>
+                                      </p:cBhvr>
+                                    </p:animEffect>
+                                    <p:anim calcmode="lin" valueType="num">
+                                      <p:cBhvr>
+                                        <p:cTn id="8" dur="1822" tmFilter="0,0; 0.14,0.36; 0.43,0.73; 0.71,0.91; 1.0,1.0">
+                                          <p:stCondLst>
+                                            <p:cond delay="0"/>
+                                          </p:stCondLst>
+                                        </p:cTn>
+                                        <p:tgtEl>
+                                          <p:spTgt spid="4"/>
+                                        </p:tgtEl>
+                                        <p:attrNameLst>
+                                          <p:attrName>ppt_x</p:attrName>
+                                        </p:attrNameLst>
+                                      </p:cBhvr>
+                                      <p:tavLst>
+                                        <p:tav tm="0">
+                                          <p:val>
+                                            <p:strVal val="#ppt_x-0.25"/>
+                                          </p:val>
+                                        </p:tav>
+                                        <p:tav tm="100000">
+                                          <p:val>
+                                            <p:strVal val="#ppt_x"/>
+                                          </p:val>
+                                        </p:tav>
+                                      </p:tavLst>
+                                    </p:anim>
+                                    <p:anim calcmode="lin" valueType="num">
+                                      <p:cBhvr>
+                                        <p:cTn id="9" dur="664" tmFilter="0.0,0.0; 0.25,0.07; 0.50,0.2; 0.75,0.467; 1.0,1.0">
+                                          <p:stCondLst>
+                                            <p:cond delay="0"/>
+                                          </p:stCondLst>
+                                        </p:cTn>
+                                        <p:tgtEl>
+                                          <p:spTgt spid="4"/>
+                                        </p:tgtEl>
+                                        <p:attrNameLst>
+                                          <p:attrName>ppt_y</p:attrName>
+                                        </p:attrNameLst>
+                                      </p:cBhvr>
+                                      <p:tavLst>
+                                        <p:tav tm="0" fmla="#ppt_y-sin(pi*$)/3">
+                                          <p:val>
+                                            <p:fltVal val="0.5"/>
+                                          </p:val>
+                                        </p:tav>
+                                        <p:tav tm="100000">
+                                          <p:val>
+                                            <p:fltVal val="1"/>
+                                          </p:val>
+                                        </p:tav>
+                                      </p:tavLst>
+                                    </p:anim>
+                                    <p:anim calcmode="lin" valueType="num">
+                                      <p:cBhvr>
+                                        <p:cTn id="10" dur="664" tmFilter="0, 0; 0.125,0.2665; 0.25,0.4; 0.375,0.465; 0.5,0.5;  0.625,0.535; 0.75,0.6; 0.875,0.7335; 1,1">
+                                          <p:stCondLst>
+                                            <p:cond delay="664"/>
+                                          </p:stCondLst>
+                                        </p:cTn>
+                                        <p:tgtEl>
+                                          <p:spTgt spid="4"/>
+                                        </p:tgtEl>
+                                        <p:attrNameLst>
+                                          <p:attrName>ppt_y</p:attrName>
+                                        </p:attrNameLst>
+                                      </p:cBhvr>
+                                      <p:tavLst>
+                                        <p:tav tm="0" fmla="#ppt_y-sin(pi*$)/9">
+                                          <p:val>
+                                            <p:fltVal val="0"/>
+                                          </p:val>
+                                        </p:tav>
+                                        <p:tav tm="100000">
+                                          <p:val>
+                                            <p:fltVal val="1"/>
+                                          </p:val>
+                                        </p:tav>
+                                      </p:tavLst>
+                                    </p:anim>
+                                    <p:anim calcmode="lin" valueType="num">
+                                      <p:cBhvr>
+                                        <p:cTn id="11" dur="332" tmFilter="0, 0; 0.125,0.2665; 0.25,0.4; 0.375,0.465; 0.5,0.5;  0.625,0.535; 0.75,0.6; 0.875,0.7335; 1,1">
+                                          <p:stCondLst>
+                                            <p:cond delay="1324"/>
+                                          </p:stCondLst>
+                                        </p:cTn>
+                                        <p:tgtEl>
+                                          <p:spTgt spid="4"/>
+                                        </p:tgtEl>
+                                        <p:attrNameLst>
+                                          <p:attrName>ppt_y</p:attrName>
+                                        </p:attrNameLst>
+                                      </p:cBhvr>
+                                      <p:tavLst>
+                                        <p:tav tm="0" fmla="#ppt_y-sin(pi*$)/27">
+                                          <p:val>
+                                            <p:fltVal val="0"/>
+                                          </p:val>
+                                        </p:tav>
+                                        <p:tav tm="100000">
+                                          <p:val>
+                                            <p:fltVal val="1"/>
+                                          </p:val>
+                                        </p:tav>
+                                      </p:tavLst>
+                                    </p:anim>
+                                    <p:anim calcmode="lin" valueType="num">
+                                      <p:cBhvr>
+                                        <p:cTn id="12" dur="164" tmFilter="0, 0; 0.125,0.2665; 0.25,0.4; 0.375,0.465; 0.5,0.5;  0.625,0.535; 0.75,0.6; 0.875,0.7335; 1,1">
+                                          <p:stCondLst>
+                                            <p:cond delay="1656"/>
+                                          </p:stCondLst>
+                                        </p:cTn>
+                                        <p:tgtEl>
+                                          <p:spTgt spid="4"/>
+                                        </p:tgtEl>
+                                        <p:attrNameLst>
+                                          <p:attrName>ppt_y</p:attrName>
+                                        </p:attrNameLst>
+                                      </p:cBhvr>
+                                      <p:tavLst>
+                                        <p:tav tm="0" fmla="#ppt_y-sin(pi*$)/81">
+                                          <p:val>
+                                            <p:fltVal val="0"/>
+                                          </p:val>
+                                        </p:tav>
+                                        <p:tav tm="100000">
+                                          <p:val>
+                                            <p:fltVal val="1"/>
+                                          </p:val>
+                                        </p:tav>
+                                      </p:tavLst>
+                                    </p:anim>
+                                    <p:animScale>
+                                      <p:cBhvr>
+                                        <p:cTn id="13" dur="26">
+                                          <p:stCondLst>
+                                            <p:cond delay="650"/>
+                                          </p:stCondLst>
+                                        </p:cTn>
+                                        <p:tgtEl>
+                                          <p:spTgt spid="4"/>
+                                        </p:tgtEl>
+                                      </p:cBhvr>
+                                      <p:to x="100000" y="60000"/>
+                                    </p:animScale>
+                                    <p:animScale>
+                                      <p:cBhvr>
+                                        <p:cTn id="14" dur="166" decel="50000">
+                                          <p:stCondLst>
+                                            <p:cond delay="676"/>
+                                          </p:stCondLst>
+                                        </p:cTn>
+                                        <p:tgtEl>
+                                          <p:spTgt spid="4"/>
+                                        </p:tgtEl>
+                                      </p:cBhvr>
+                                      <p:to x="100000" y="100000"/>
+                                    </p:animScale>
+                                    <p:animScale>
+                                      <p:cBhvr>
+                                        <p:cTn id="15" dur="26">
+                                          <p:stCondLst>
+                                            <p:cond delay="1312"/>
+                                          </p:stCondLst>
+                                        </p:cTn>
+                                        <p:tgtEl>
+                                          <p:spTgt spid="4"/>
+                                        </p:tgtEl>
+                                      </p:cBhvr>
+                                      <p:to x="100000" y="80000"/>
+                                    </p:animScale>
+                                    <p:animScale>
+                                      <p:cBhvr>
+                                        <p:cTn id="16" dur="166" decel="50000">
+                                          <p:stCondLst>
+                                            <p:cond delay="1338"/>
+                                          </p:stCondLst>
+                                        </p:cTn>
+                                        <p:tgtEl>
+                                          <p:spTgt spid="4"/>
+                                        </p:tgtEl>
+                                      </p:cBhvr>
+                                      <p:to x="100000" y="100000"/>
+                                    </p:animScale>
+                                    <p:animScale>
+                                      <p:cBhvr>
+                                        <p:cTn id="17" dur="26">
+                                          <p:stCondLst>
+                                            <p:cond delay="1642"/>
+                                          </p:stCondLst>
+                                        </p:cTn>
+                                        <p:tgtEl>
+                                          <p:spTgt spid="4"/>
+                                        </p:tgtEl>
+                                      </p:cBhvr>
+                                      <p:to x="100000" y="90000"/>
+                                    </p:animScale>
+                                    <p:animScale>
+                                      <p:cBhvr>
+                                        <p:cTn id="18" dur="166" decel="50000">
+                                          <p:stCondLst>
+                                            <p:cond delay="1668"/>
+                                          </p:stCondLst>
+                                        </p:cTn>
+                                        <p:tgtEl>
+                                          <p:spTgt spid="4"/>
+                                        </p:tgtEl>
+                                      </p:cBhvr>
+                                      <p:to x="100000" y="100000"/>
+                                    </p:animScale>
+                                    <p:animScale>
+                                      <p:cBhvr>
+                                        <p:cTn id="19" dur="26">
+                                          <p:stCondLst>
+                                            <p:cond delay="1808"/>
+                                          </p:stCondLst>
+                                        </p:cTn>
+                                        <p:tgtEl>
+                                          <p:spTgt spid="4"/>
+                                        </p:tgtEl>
+                                      </p:cBhvr>
+                                      <p:to x="100000" y="95000"/>
+                                    </p:animScale>
+                                    <p:animScale>
+                                      <p:cBhvr>
+                                        <p:cTn id="20" dur="166" decel="50000">
+                                          <p:stCondLst>
+                                            <p:cond delay="1834"/>
+                                          </p:stCondLst>
+                                        </p:cTn>
+                                        <p:tgtEl>
+                                          <p:spTgt spid="4"/>
+                                        </p:tgtEl>
+                                      </p:cBhvr>
+                                      <p:to x="100000" y="100000"/>
+                                    </p:animScale>
+                                  </p:childTnLst>
+                                </p:cTn>
+                              </p:par>
+                            </p:childTnLst>
+                          </p:cTn>
+                        </p:par>
+                      </p:childTnLst>
+                    </p:cTn>
+                  </p:par>
+                </p:childTnLst>
+              </p:cTn>
+              <p:prevCondLst>
+                <p:cond evt="onPrev" delay="0">
+                  <p:tgtEl>
+                    <p:sldTgt/>
+                  </p:tgtEl>
+                </p:cond>
+              </p:prevCondLst>
+              <p:nextCondLst>
+                <p:cond evt="onNext" delay="0">
+                  <p:tgtEl>
+                    <p:sldTgt/>
+                  </p:tgtEl>
+                </p:cond>
+              </p:nextCondLst>
+            </p:seq>
+          </p:childTnLst>
+        </p:cTn>
+      </p:par>
+    </p:tnLst>
+    <p:bldLst>
+      <p:bldP spid="4" grpId="0"/>
+    </p:bldLst>
+  </p:timing>
 </p:sld>
 </file>
 
-<file path=ppt/slides/slide25.xml><?xml version="1.0" encoding="utf-8"?>
+<file path=ppt/slides/slide3.xml><?xml version="1.0" encoding="utf-8"?>
 <p:sld xmlns:a="http://schemas.openxmlformats.org/drawingml/2006/main" xmlns:r="http://schemas.openxmlformats.org/officeDocument/2006/relationships" xmlns:p="http://schemas.openxmlformats.org/presentationml/2006/main">
   <p:cSld>
     <p:spTree>
@@ -26055,7 +26566,27 @@
                 <a:latin typeface="Times New Roman" panose="02020603050405020304" pitchFamily="18" charset="0"/>
                 <a:cs typeface="Times New Roman" panose="02020603050405020304" pitchFamily="18" charset="0"/>
               </a:rPr>
-              <a:t>KẾT QUẢ - DEMO</a:t>
+              <a:t>MỤC TIÊU – PH</a:t>
+            </a:r>
+            <a:r>
+              <a:rPr lang="vi-VN" sz="4000" b="1">
+                <a:solidFill>
+                  <a:srgbClr val="FFFFFF"/>
+                </a:solidFill>
+                <a:latin typeface="Times New Roman" panose="02020603050405020304" pitchFamily="18" charset="0"/>
+                <a:cs typeface="Times New Roman" panose="02020603050405020304" pitchFamily="18" charset="0"/>
+              </a:rPr>
+              <a:t>Ư</a:t>
+            </a:r>
+            <a:r>
+              <a:rPr lang="en-US" sz="4000" b="1">
+                <a:solidFill>
+                  <a:srgbClr val="FFFFFF"/>
+                </a:solidFill>
+                <a:latin typeface="Times New Roman" panose="02020603050405020304" pitchFamily="18" charset="0"/>
+                <a:cs typeface="Times New Roman" panose="02020603050405020304" pitchFamily="18" charset="0"/>
+              </a:rPr>
+              <a:t>ƠNG PHÁP</a:t>
             </a:r>
           </a:p>
         </p:txBody>
@@ -26160,257 +26691,17 @@
                 <a:latin typeface="Times New Roman" panose="02020603050405020304" pitchFamily="18" charset="0"/>
                 <a:cs typeface="Times New Roman" panose="02020603050405020304" pitchFamily="18" charset="0"/>
               </a:rPr>
-              <a:t>4</a:t>
+              <a:t>1</a:t>
             </a:r>
-          </a:p>
-        </p:txBody>
-      </p:sp>
-      <p:sp>
-        <p:nvSpPr>
-          <p:cNvPr id="13" name="Subtitle 5">
-            <a:extLst>
-              <a:ext uri="{FF2B5EF4-FFF2-40B4-BE49-F238E27FC236}">
-                <a16:creationId xmlns:a16="http://schemas.microsoft.com/office/drawing/2014/main" id="{8B2B54C0-0CE8-4875-B380-A664B6BFA601}"/>
-              </a:ext>
-            </a:extLst>
-          </p:cNvPr>
-          <p:cNvSpPr txBox="1">
-            <a:spLocks/>
-          </p:cNvSpPr>
-          <p:nvPr/>
-        </p:nvSpPr>
-        <p:spPr>
-          <a:xfrm>
-            <a:off x="1088058" y="1614328"/>
-            <a:ext cx="10015883" cy="4035362"/>
-          </a:xfrm>
-          <a:prstGeom prst="rect">
-            <a:avLst/>
-          </a:prstGeom>
-        </p:spPr>
-        <p:txBody>
-          <a:bodyPr vert="horz" lIns="91440" tIns="45720" rIns="91440" bIns="45720" rtlCol="0">
-            <a:normAutofit/>
-          </a:bodyPr>
-          <a:lstStyle>
-            <a:lvl1pPr marL="228600" indent="-228600" algn="l" defTabSz="914400" rtl="0" eaLnBrk="1" latinLnBrk="0" hangingPunct="1">
-              <a:lnSpc>
-                <a:spcPct val="90000"/>
-              </a:lnSpc>
-              <a:spcBef>
-                <a:spcPts val="1000"/>
-              </a:spcBef>
-              <a:buFont typeface="Arial" panose="020B0604020202020204" pitchFamily="34" charset="0"/>
-              <a:buChar char="•"/>
-              <a:defRPr sz="2800" kern="1200">
-                <a:solidFill>
-                  <a:schemeClr val="tx1"/>
-                </a:solidFill>
-                <a:latin typeface="+mn-lt"/>
-                <a:ea typeface="+mn-ea"/>
-                <a:cs typeface="+mn-cs"/>
-              </a:defRPr>
-            </a:lvl1pPr>
-            <a:lvl2pPr marL="685800" indent="-228600" algn="l" defTabSz="914400" rtl="0" eaLnBrk="1" latinLnBrk="0" hangingPunct="1">
-              <a:lnSpc>
-                <a:spcPct val="90000"/>
-              </a:lnSpc>
-              <a:spcBef>
-                <a:spcPts val="500"/>
-              </a:spcBef>
-              <a:buFont typeface="Arial" panose="020B0604020202020204" pitchFamily="34" charset="0"/>
-              <a:buChar char="•"/>
-              <a:defRPr sz="2400" kern="1200">
-                <a:solidFill>
-                  <a:schemeClr val="tx1"/>
-                </a:solidFill>
-                <a:latin typeface="+mn-lt"/>
-                <a:ea typeface="+mn-ea"/>
-                <a:cs typeface="+mn-cs"/>
-              </a:defRPr>
-            </a:lvl2pPr>
-            <a:lvl3pPr marL="1143000" indent="-228600" algn="l" defTabSz="914400" rtl="0" eaLnBrk="1" latinLnBrk="0" hangingPunct="1">
-              <a:lnSpc>
-                <a:spcPct val="90000"/>
-              </a:lnSpc>
-              <a:spcBef>
-                <a:spcPts val="500"/>
-              </a:spcBef>
-              <a:buFont typeface="Arial" panose="020B0604020202020204" pitchFamily="34" charset="0"/>
-              <a:buChar char="•"/>
-              <a:defRPr sz="2000" kern="1200">
-                <a:solidFill>
-                  <a:schemeClr val="tx1"/>
-                </a:solidFill>
-                <a:latin typeface="+mn-lt"/>
-                <a:ea typeface="+mn-ea"/>
-                <a:cs typeface="+mn-cs"/>
-              </a:defRPr>
-            </a:lvl3pPr>
-            <a:lvl4pPr marL="1600200" indent="-228600" algn="l" defTabSz="914400" rtl="0" eaLnBrk="1" latinLnBrk="0" hangingPunct="1">
-              <a:lnSpc>
-                <a:spcPct val="90000"/>
-              </a:lnSpc>
-              <a:spcBef>
-                <a:spcPts val="500"/>
-              </a:spcBef>
-              <a:buFont typeface="Arial" panose="020B0604020202020204" pitchFamily="34" charset="0"/>
-              <a:buChar char="•"/>
-              <a:defRPr sz="1800" kern="1200">
-                <a:solidFill>
-                  <a:schemeClr val="tx1"/>
-                </a:solidFill>
-                <a:latin typeface="+mn-lt"/>
-                <a:ea typeface="+mn-ea"/>
-                <a:cs typeface="+mn-cs"/>
-              </a:defRPr>
-            </a:lvl4pPr>
-            <a:lvl5pPr marL="2057400" indent="-228600" algn="l" defTabSz="914400" rtl="0" eaLnBrk="1" latinLnBrk="0" hangingPunct="1">
-              <a:lnSpc>
-                <a:spcPct val="90000"/>
-              </a:lnSpc>
-              <a:spcBef>
-                <a:spcPts val="500"/>
-              </a:spcBef>
-              <a:buFont typeface="Arial" panose="020B0604020202020204" pitchFamily="34" charset="0"/>
-              <a:buChar char="•"/>
-              <a:defRPr sz="1800" kern="1200">
-                <a:solidFill>
-                  <a:schemeClr val="tx1"/>
-                </a:solidFill>
-                <a:latin typeface="+mn-lt"/>
-                <a:ea typeface="+mn-ea"/>
-                <a:cs typeface="+mn-cs"/>
-              </a:defRPr>
-            </a:lvl5pPr>
-            <a:lvl6pPr marL="2514600" indent="-228600" algn="l" defTabSz="914400" rtl="0" eaLnBrk="1" latinLnBrk="0" hangingPunct="1">
-              <a:lnSpc>
-                <a:spcPct val="90000"/>
-              </a:lnSpc>
-              <a:spcBef>
-                <a:spcPts val="500"/>
-              </a:spcBef>
-              <a:buFont typeface="Arial" panose="020B0604020202020204" pitchFamily="34" charset="0"/>
-              <a:buChar char="•"/>
-              <a:defRPr sz="1800" kern="1200">
-                <a:solidFill>
-                  <a:schemeClr val="tx1"/>
-                </a:solidFill>
-                <a:latin typeface="+mn-lt"/>
-                <a:ea typeface="+mn-ea"/>
-                <a:cs typeface="+mn-cs"/>
-              </a:defRPr>
-            </a:lvl6pPr>
-            <a:lvl7pPr marL="2971800" indent="-228600" algn="l" defTabSz="914400" rtl="0" eaLnBrk="1" latinLnBrk="0" hangingPunct="1">
-              <a:lnSpc>
-                <a:spcPct val="90000"/>
-              </a:lnSpc>
-              <a:spcBef>
-                <a:spcPts val="500"/>
-              </a:spcBef>
-              <a:buFont typeface="Arial" panose="020B0604020202020204" pitchFamily="34" charset="0"/>
-              <a:buChar char="•"/>
-              <a:defRPr sz="1800" kern="1200">
-                <a:solidFill>
-                  <a:schemeClr val="tx1"/>
-                </a:solidFill>
-                <a:latin typeface="+mn-lt"/>
-                <a:ea typeface="+mn-ea"/>
-                <a:cs typeface="+mn-cs"/>
-              </a:defRPr>
-            </a:lvl7pPr>
-            <a:lvl8pPr marL="3429000" indent="-228600" algn="l" defTabSz="914400" rtl="0" eaLnBrk="1" latinLnBrk="0" hangingPunct="1">
-              <a:lnSpc>
-                <a:spcPct val="90000"/>
-              </a:lnSpc>
-              <a:spcBef>
-                <a:spcPts val="500"/>
-              </a:spcBef>
-              <a:buFont typeface="Arial" panose="020B0604020202020204" pitchFamily="34" charset="0"/>
-              <a:buChar char="•"/>
-              <a:defRPr sz="1800" kern="1200">
-                <a:solidFill>
-                  <a:schemeClr val="tx1"/>
-                </a:solidFill>
-                <a:latin typeface="+mn-lt"/>
-                <a:ea typeface="+mn-ea"/>
-                <a:cs typeface="+mn-cs"/>
-              </a:defRPr>
-            </a:lvl8pPr>
-            <a:lvl9pPr marL="3886200" indent="-228600" algn="l" defTabSz="914400" rtl="0" eaLnBrk="1" latinLnBrk="0" hangingPunct="1">
-              <a:lnSpc>
-                <a:spcPct val="90000"/>
-              </a:lnSpc>
-              <a:spcBef>
-                <a:spcPts val="500"/>
-              </a:spcBef>
-              <a:buFont typeface="Arial" panose="020B0604020202020204" pitchFamily="34" charset="0"/>
-              <a:buChar char="•"/>
-              <a:defRPr sz="1800" kern="1200">
-                <a:solidFill>
-                  <a:schemeClr val="tx1"/>
-                </a:solidFill>
-                <a:latin typeface="+mn-lt"/>
-                <a:ea typeface="+mn-ea"/>
-                <a:cs typeface="+mn-cs"/>
-              </a:defRPr>
-            </a:lvl9pPr>
-          </a:lstStyle>
-          <a:p>
-            <a:pPr marL="0" indent="0">
-              <a:buNone/>
-            </a:pPr>
-            <a:r>
-              <a:rPr lang="en-US" sz="3200" b="1">
-                <a:solidFill>
-                  <a:schemeClr val="accent1"/>
-                </a:solidFill>
-                <a:latin typeface="Times New Roman" panose="02020603050405020304" pitchFamily="18" charset="0"/>
-                <a:cs typeface="Times New Roman" panose="02020603050405020304" pitchFamily="18" charset="0"/>
-              </a:rPr>
-              <a:t>4.2 Ch</a:t>
-            </a:r>
-            <a:r>
-              <a:rPr lang="vi-VN" sz="3200" b="1">
-                <a:solidFill>
-                  <a:schemeClr val="accent1"/>
-                </a:solidFill>
-                <a:latin typeface="Times New Roman" panose="02020603050405020304" pitchFamily="18" charset="0"/>
-                <a:cs typeface="Times New Roman" panose="02020603050405020304" pitchFamily="18" charset="0"/>
-              </a:rPr>
-              <a:t>ư</a:t>
-            </a:r>
-            <a:r>
-              <a:rPr lang="en-US" sz="3200" b="1">
-                <a:solidFill>
-                  <a:schemeClr val="accent1"/>
-                </a:solidFill>
-                <a:latin typeface="Times New Roman" panose="02020603050405020304" pitchFamily="18" charset="0"/>
-                <a:cs typeface="Times New Roman" panose="02020603050405020304" pitchFamily="18" charset="0"/>
-              </a:rPr>
-              <a:t>ơng trình demo</a:t>
-            </a:r>
-          </a:p>
-          <a:p>
-            <a:pPr marL="0" indent="0">
-              <a:buNone/>
-            </a:pPr>
-            <a:endParaRPr lang="en-US" sz="3200" b="1">
-              <a:solidFill>
-                <a:schemeClr val="accent1"/>
-              </a:solidFill>
-              <a:latin typeface="Times New Roman" panose="02020603050405020304" pitchFamily="18" charset="0"/>
-              <a:cs typeface="Times New Roman" panose="02020603050405020304" pitchFamily="18" charset="0"/>
-            </a:endParaRPr>
           </a:p>
         </p:txBody>
       </p:sp>
       <p:pic>
         <p:nvPicPr>
-          <p:cNvPr id="15" name="Picture 14">
+          <p:cNvPr id="12" name="Picture 11">
             <a:extLst>
               <a:ext uri="{FF2B5EF4-FFF2-40B4-BE49-F238E27FC236}">
-                <a16:creationId xmlns:a16="http://schemas.microsoft.com/office/drawing/2014/main" id="{E05C1D13-476D-40BE-9B86-99D16C600CF6}"/>
+                <a16:creationId xmlns:a16="http://schemas.microsoft.com/office/drawing/2014/main" id="{B1DACC92-1D90-44F7-9DD6-EA042AC9767C}"/>
               </a:ext>
             </a:extLst>
           </p:cNvPr>
@@ -26443,10 +26734,10 @@
       </p:pic>
       <p:pic>
         <p:nvPicPr>
-          <p:cNvPr id="4" name="Picture 3">
+          <p:cNvPr id="13" name="Picture 12" descr="images (2).jpg">
             <a:extLst>
               <a:ext uri="{FF2B5EF4-FFF2-40B4-BE49-F238E27FC236}">
-                <a16:creationId xmlns:a16="http://schemas.microsoft.com/office/drawing/2014/main" id="{1B593747-B1EC-4E5C-9260-60354DDA99F0}"/>
+                <a16:creationId xmlns:a16="http://schemas.microsoft.com/office/drawing/2014/main" id="{C9716512-FD43-452F-BA2D-CBEDC3420A83}"/>
               </a:ext>
             </a:extLst>
           </p:cNvPr>
@@ -26456,123 +26747,15 @@
           <p:nvPr/>
         </p:nvPicPr>
         <p:blipFill>
-          <a:blip r:embed="rId4">
-            <a:extLst>
-              <a:ext uri="{28A0092B-C50C-407E-A947-70E740481C1C}">
-                <a14:useLocalDpi xmlns:a14="http://schemas.microsoft.com/office/drawing/2010/main" val="0"/>
-              </a:ext>
-            </a:extLst>
-          </a:blip>
+          <a:blip r:embed="rId4"/>
           <a:stretch>
             <a:fillRect/>
           </a:stretch>
         </p:blipFill>
         <p:spPr>
           <a:xfrm>
-            <a:off x="1282700" y="2330720"/>
-            <a:ext cx="3299493" cy="3979642"/>
-          </a:xfrm>
-          <a:prstGeom prst="rect">
-            <a:avLst/>
-          </a:prstGeom>
-        </p:spPr>
-      </p:pic>
-      <p:pic>
-        <p:nvPicPr>
-          <p:cNvPr id="7" name="Picture 6">
-            <a:extLst>
-              <a:ext uri="{FF2B5EF4-FFF2-40B4-BE49-F238E27FC236}">
-                <a16:creationId xmlns:a16="http://schemas.microsoft.com/office/drawing/2014/main" id="{0F4D18C3-CD52-43EC-BF9D-116BF4956CF7}"/>
-              </a:ext>
-            </a:extLst>
-          </p:cNvPr>
-          <p:cNvPicPr>
-            <a:picLocks noChangeAspect="1"/>
-          </p:cNvPicPr>
-          <p:nvPr/>
-        </p:nvPicPr>
-        <p:blipFill>
-          <a:blip r:embed="rId5">
-            <a:extLst>
-              <a:ext uri="{28A0092B-C50C-407E-A947-70E740481C1C}">
-                <a14:useLocalDpi xmlns:a14="http://schemas.microsoft.com/office/drawing/2010/main" val="0"/>
-              </a:ext>
-            </a:extLst>
-          </a:blip>
-          <a:stretch>
-            <a:fillRect/>
-          </a:stretch>
-        </p:blipFill>
-        <p:spPr>
-          <a:xfrm>
-            <a:off x="5983780" y="2330720"/>
-            <a:ext cx="3639058" cy="3979642"/>
-          </a:xfrm>
-          <a:prstGeom prst="rect">
-            <a:avLst/>
-          </a:prstGeom>
-        </p:spPr>
-      </p:pic>
-    </p:spTree>
-    <p:extLst>
-      <p:ext uri="{BB962C8B-B14F-4D97-AF65-F5344CB8AC3E}">
-        <p14:creationId xmlns:p14="http://schemas.microsoft.com/office/powerpoint/2010/main" val="824605092"/>
-      </p:ext>
-    </p:extLst>
-  </p:cSld>
-  <p:clrMapOvr>
-    <a:masterClrMapping/>
-  </p:clrMapOvr>
-</p:sld>
-</file>
-
-<file path=ppt/slides/slide26.xml><?xml version="1.0" encoding="utf-8"?>
-<p:sld xmlns:a="http://schemas.openxmlformats.org/drawingml/2006/main" xmlns:r="http://schemas.openxmlformats.org/officeDocument/2006/relationships" xmlns:p="http://schemas.openxmlformats.org/presentationml/2006/main">
-  <p:cSld>
-    <p:spTree>
-      <p:nvGrpSpPr>
-        <p:cNvPr id="1" name=""/>
-        <p:cNvGrpSpPr/>
-        <p:nvPr/>
-      </p:nvGrpSpPr>
-      <p:grpSpPr>
-        <a:xfrm>
-          <a:off x="0" y="0"/>
-          <a:ext cx="0" cy="0"/>
-          <a:chOff x="0" y="0"/>
-          <a:chExt cx="0" cy="0"/>
-        </a:xfrm>
-      </p:grpSpPr>
-      <p:pic>
-        <p:nvPicPr>
-          <p:cNvPr id="17" name="Picture 16">
-            <a:extLst>
-              <a:ext uri="{FF2B5EF4-FFF2-40B4-BE49-F238E27FC236}">
-                <a16:creationId xmlns:a16="http://schemas.microsoft.com/office/drawing/2014/main" id="{B11178B0-B4F7-4047-9667-F5D3A942E012}"/>
-              </a:ext>
-            </a:extLst>
-          </p:cNvPr>
-          <p:cNvPicPr>
-            <a:picLocks noChangeAspect="1"/>
-          </p:cNvPicPr>
-          <p:nvPr/>
-        </p:nvPicPr>
-        <p:blipFill>
-          <a:blip r:embed="rId2">
-            <a:extLst>
-              <a:ext uri="{28A0092B-C50C-407E-A947-70E740481C1C}">
-                <a14:useLocalDpi xmlns:a14="http://schemas.microsoft.com/office/drawing/2010/main" val="0"/>
-              </a:ext>
-            </a:extLst>
-          </a:blip>
-          <a:stretch>
-            <a:fillRect/>
-          </a:stretch>
-        </p:blipFill>
-        <p:spPr>
-          <a:xfrm>
-            <a:off x="127000" y="132520"/>
-            <a:ext cx="4905375" cy="1028700"/>
+            <a:off x="8615482" y="2481475"/>
+            <a:ext cx="3126133" cy="2935719"/>
           </a:xfrm>
           <a:prstGeom prst="rect">
             <a:avLst/>
@@ -26581,10 +26764,10 @@
       </p:pic>
       <p:sp>
         <p:nvSpPr>
-          <p:cNvPr id="4" name="Title 3">
+          <p:cNvPr id="18" name="Subtitle 5">
             <a:extLst>
               <a:ext uri="{FF2B5EF4-FFF2-40B4-BE49-F238E27FC236}">
-                <a16:creationId xmlns:a16="http://schemas.microsoft.com/office/drawing/2014/main" id="{76F66DD1-F8B1-4270-BEEA-DA000F08B4E0}"/>
+                <a16:creationId xmlns:a16="http://schemas.microsoft.com/office/drawing/2014/main" id="{3C2F89B2-F80D-429F-B9D7-DC24BC508989}"/>
               </a:ext>
             </a:extLst>
           </p:cNvPr>
@@ -26592,13 +26775,13 @@
             <a:spLocks noGrp="1"/>
           </p:cNvSpPr>
           <p:nvPr>
-            <p:ph type="title"/>
+            <p:ph type="subTitle" idx="1"/>
           </p:nvPr>
         </p:nvSpPr>
         <p:spPr>
           <a:xfrm>
-            <a:off x="1581150" y="2913607"/>
-            <a:ext cx="9029700" cy="1030785"/>
+            <a:off x="1088058" y="1617140"/>
+            <a:ext cx="6889751" cy="675486"/>
           </a:xfrm>
         </p:spPr>
         <p:txBody>
@@ -26607,94 +26790,1027 @@
           </a:bodyPr>
           <a:lstStyle/>
           <a:p>
-            <a:pPr algn="ctr">
-              <a:lnSpc>
-                <a:spcPct val="100000"/>
-              </a:lnSpc>
-            </a:pPr>
+            <a:pPr algn="l"/>
             <a:r>
-              <a:rPr lang="en-US" sz="4000" b="1">
+              <a:rPr lang="en-US" sz="3200" b="1">
                 <a:solidFill>
-                  <a:srgbClr val="FF0000"/>
+                  <a:schemeClr val="accent1"/>
                 </a:solidFill>
                 <a:latin typeface="Times New Roman" panose="02020603050405020304" pitchFamily="18" charset="0"/>
                 <a:cs typeface="Times New Roman" panose="02020603050405020304" pitchFamily="18" charset="0"/>
               </a:rPr>
-              <a:t>CẢM </a:t>
+              <a:t>1.1 Mục tiêu</a:t>
             </a:r>
-            <a:r>
-              <a:rPr lang="vi-VN" sz="4000" b="1">
-                <a:solidFill>
-                  <a:srgbClr val="FF0000"/>
-                </a:solidFill>
-                <a:latin typeface="Times New Roman" panose="02020603050405020304" pitchFamily="18" charset="0"/>
-                <a:cs typeface="Times New Roman" panose="02020603050405020304" pitchFamily="18" charset="0"/>
-              </a:rPr>
-              <a:t>Ơ</a:t>
-            </a:r>
-            <a:r>
-              <a:rPr lang="en-US" sz="4000" b="1">
-                <a:solidFill>
-                  <a:srgbClr val="FF0000"/>
-                </a:solidFill>
-                <a:latin typeface="Times New Roman" panose="02020603050405020304" pitchFamily="18" charset="0"/>
-                <a:cs typeface="Times New Roman" panose="02020603050405020304" pitchFamily="18" charset="0"/>
-              </a:rPr>
-              <a:t>N THẦY CÔ VÀ CÁC BẠN!</a:t>
-            </a:r>
+            <a:endParaRPr lang="en-US">
+              <a:latin typeface="Times New Roman" panose="02020603050405020304" pitchFamily="18" charset="0"/>
+              <a:ea typeface="Calibri" panose="020F0502020204030204" pitchFamily="34" charset="0"/>
+              <a:cs typeface="Times New Roman" panose="02020603050405020304" pitchFamily="18" charset="0"/>
+            </a:endParaRPr>
+          </a:p>
+          <a:p>
+            <a:pPr algn="l"/>
+            <a:endParaRPr lang="en-US" sz="2000">
+              <a:latin typeface="Times New Roman" panose="02020603050405020304" pitchFamily="18" charset="0"/>
+              <a:cs typeface="Times New Roman" panose="02020603050405020304" pitchFamily="18" charset="0"/>
+            </a:endParaRPr>
           </a:p>
         </p:txBody>
       </p:sp>
-      <p:pic>
-        <p:nvPicPr>
-          <p:cNvPr id="5" name="Picture 4">
+      <p:sp>
+        <p:nvSpPr>
+          <p:cNvPr id="14" name="Subtitle 5">
             <a:extLst>
               <a:ext uri="{FF2B5EF4-FFF2-40B4-BE49-F238E27FC236}">
-                <a16:creationId xmlns:a16="http://schemas.microsoft.com/office/drawing/2014/main" id="{9CC7CA6A-4505-476E-A375-F535F51B3BFF}"/>
+                <a16:creationId xmlns:a16="http://schemas.microsoft.com/office/drawing/2014/main" id="{DDADC9D6-6E2B-4E85-BD8D-0E2DBB95343A}"/>
               </a:ext>
             </a:extLst>
           </p:cNvPr>
-          <p:cNvPicPr>
-            <a:picLocks noChangeAspect="1"/>
-          </p:cNvPicPr>
+          <p:cNvSpPr txBox="1">
+            <a:spLocks/>
+          </p:cNvSpPr>
           <p:nvPr/>
-        </p:nvPicPr>
-        <p:blipFill>
-          <a:blip r:embed="rId3">
-            <a:extLst>
-              <a:ext uri="{28A0092B-C50C-407E-A947-70E740481C1C}">
-                <a14:useLocalDpi xmlns:a14="http://schemas.microsoft.com/office/drawing/2010/main" val="0"/>
-              </a:ext>
-            </a:extLst>
-          </a:blip>
-          <a:stretch>
-            <a:fillRect/>
-          </a:stretch>
-        </p:blipFill>
+        </p:nvSpPr>
         <p:spPr>
           <a:xfrm>
-            <a:off x="10178549" y="5895244"/>
-            <a:ext cx="1880931" cy="830236"/>
+            <a:off x="1088057" y="2292626"/>
+            <a:ext cx="6889751" cy="4276118"/>
           </a:xfrm>
           <a:prstGeom prst="rect">
             <a:avLst/>
           </a:prstGeom>
         </p:spPr>
-      </p:pic>
+        <p:txBody>
+          <a:bodyPr vert="horz" lIns="91440" tIns="45720" rIns="91440" bIns="45720" rtlCol="0">
+            <a:normAutofit/>
+          </a:bodyPr>
+          <a:lstStyle>
+            <a:lvl1pPr marL="0" indent="0" algn="ctr" defTabSz="914400" rtl="0" eaLnBrk="1" latinLnBrk="0" hangingPunct="1">
+              <a:lnSpc>
+                <a:spcPct val="90000"/>
+              </a:lnSpc>
+              <a:spcBef>
+                <a:spcPts val="1000"/>
+              </a:spcBef>
+              <a:buFont typeface="Arial" panose="020B0604020202020204" pitchFamily="34" charset="0"/>
+              <a:buNone/>
+              <a:defRPr sz="2400" kern="1200">
+                <a:solidFill>
+                  <a:schemeClr val="tx1"/>
+                </a:solidFill>
+                <a:latin typeface="+mn-lt"/>
+                <a:ea typeface="+mn-ea"/>
+                <a:cs typeface="+mn-cs"/>
+              </a:defRPr>
+            </a:lvl1pPr>
+            <a:lvl2pPr marL="457200" indent="0" algn="ctr" defTabSz="914400" rtl="0" eaLnBrk="1" latinLnBrk="0" hangingPunct="1">
+              <a:lnSpc>
+                <a:spcPct val="90000"/>
+              </a:lnSpc>
+              <a:spcBef>
+                <a:spcPts val="500"/>
+              </a:spcBef>
+              <a:buFont typeface="Arial" panose="020B0604020202020204" pitchFamily="34" charset="0"/>
+              <a:buNone/>
+              <a:defRPr sz="2000" kern="1200">
+                <a:solidFill>
+                  <a:schemeClr val="tx1"/>
+                </a:solidFill>
+                <a:latin typeface="+mn-lt"/>
+                <a:ea typeface="+mn-ea"/>
+                <a:cs typeface="+mn-cs"/>
+              </a:defRPr>
+            </a:lvl2pPr>
+            <a:lvl3pPr marL="914400" indent="0" algn="ctr" defTabSz="914400" rtl="0" eaLnBrk="1" latinLnBrk="0" hangingPunct="1">
+              <a:lnSpc>
+                <a:spcPct val="90000"/>
+              </a:lnSpc>
+              <a:spcBef>
+                <a:spcPts val="500"/>
+              </a:spcBef>
+              <a:buFont typeface="Arial" panose="020B0604020202020204" pitchFamily="34" charset="0"/>
+              <a:buNone/>
+              <a:defRPr sz="1800" kern="1200">
+                <a:solidFill>
+                  <a:schemeClr val="tx1"/>
+                </a:solidFill>
+                <a:latin typeface="+mn-lt"/>
+                <a:ea typeface="+mn-ea"/>
+                <a:cs typeface="+mn-cs"/>
+              </a:defRPr>
+            </a:lvl3pPr>
+            <a:lvl4pPr marL="1371600" indent="0" algn="ctr" defTabSz="914400" rtl="0" eaLnBrk="1" latinLnBrk="0" hangingPunct="1">
+              <a:lnSpc>
+                <a:spcPct val="90000"/>
+              </a:lnSpc>
+              <a:spcBef>
+                <a:spcPts val="500"/>
+              </a:spcBef>
+              <a:buFont typeface="Arial" panose="020B0604020202020204" pitchFamily="34" charset="0"/>
+              <a:buNone/>
+              <a:defRPr sz="1600" kern="1200">
+                <a:solidFill>
+                  <a:schemeClr val="tx1"/>
+                </a:solidFill>
+                <a:latin typeface="+mn-lt"/>
+                <a:ea typeface="+mn-ea"/>
+                <a:cs typeface="+mn-cs"/>
+              </a:defRPr>
+            </a:lvl4pPr>
+            <a:lvl5pPr marL="1828800" indent="0" algn="ctr" defTabSz="914400" rtl="0" eaLnBrk="1" latinLnBrk="0" hangingPunct="1">
+              <a:lnSpc>
+                <a:spcPct val="90000"/>
+              </a:lnSpc>
+              <a:spcBef>
+                <a:spcPts val="500"/>
+              </a:spcBef>
+              <a:buFont typeface="Arial" panose="020B0604020202020204" pitchFamily="34" charset="0"/>
+              <a:buNone/>
+              <a:defRPr sz="1600" kern="1200">
+                <a:solidFill>
+                  <a:schemeClr val="tx1"/>
+                </a:solidFill>
+                <a:latin typeface="+mn-lt"/>
+                <a:ea typeface="+mn-ea"/>
+                <a:cs typeface="+mn-cs"/>
+              </a:defRPr>
+            </a:lvl5pPr>
+            <a:lvl6pPr marL="2286000" indent="0" algn="ctr" defTabSz="914400" rtl="0" eaLnBrk="1" latinLnBrk="0" hangingPunct="1">
+              <a:lnSpc>
+                <a:spcPct val="90000"/>
+              </a:lnSpc>
+              <a:spcBef>
+                <a:spcPts val="500"/>
+              </a:spcBef>
+              <a:buFont typeface="Arial" panose="020B0604020202020204" pitchFamily="34" charset="0"/>
+              <a:buNone/>
+              <a:defRPr sz="1600" kern="1200">
+                <a:solidFill>
+                  <a:schemeClr val="tx1"/>
+                </a:solidFill>
+                <a:latin typeface="+mn-lt"/>
+                <a:ea typeface="+mn-ea"/>
+                <a:cs typeface="+mn-cs"/>
+              </a:defRPr>
+            </a:lvl6pPr>
+            <a:lvl7pPr marL="2743200" indent="0" algn="ctr" defTabSz="914400" rtl="0" eaLnBrk="1" latinLnBrk="0" hangingPunct="1">
+              <a:lnSpc>
+                <a:spcPct val="90000"/>
+              </a:lnSpc>
+              <a:spcBef>
+                <a:spcPts val="500"/>
+              </a:spcBef>
+              <a:buFont typeface="Arial" panose="020B0604020202020204" pitchFamily="34" charset="0"/>
+              <a:buNone/>
+              <a:defRPr sz="1600" kern="1200">
+                <a:solidFill>
+                  <a:schemeClr val="tx1"/>
+                </a:solidFill>
+                <a:latin typeface="+mn-lt"/>
+                <a:ea typeface="+mn-ea"/>
+                <a:cs typeface="+mn-cs"/>
+              </a:defRPr>
+            </a:lvl7pPr>
+            <a:lvl8pPr marL="3200400" indent="0" algn="ctr" defTabSz="914400" rtl="0" eaLnBrk="1" latinLnBrk="0" hangingPunct="1">
+              <a:lnSpc>
+                <a:spcPct val="90000"/>
+              </a:lnSpc>
+              <a:spcBef>
+                <a:spcPts val="500"/>
+              </a:spcBef>
+              <a:buFont typeface="Arial" panose="020B0604020202020204" pitchFamily="34" charset="0"/>
+              <a:buNone/>
+              <a:defRPr sz="1600" kern="1200">
+                <a:solidFill>
+                  <a:schemeClr val="tx1"/>
+                </a:solidFill>
+                <a:latin typeface="+mn-lt"/>
+                <a:ea typeface="+mn-ea"/>
+                <a:cs typeface="+mn-cs"/>
+              </a:defRPr>
+            </a:lvl8pPr>
+            <a:lvl9pPr marL="3657600" indent="0" algn="ctr" defTabSz="914400" rtl="0" eaLnBrk="1" latinLnBrk="0" hangingPunct="1">
+              <a:lnSpc>
+                <a:spcPct val="90000"/>
+              </a:lnSpc>
+              <a:spcBef>
+                <a:spcPts val="500"/>
+              </a:spcBef>
+              <a:buFont typeface="Arial" panose="020B0604020202020204" pitchFamily="34" charset="0"/>
+              <a:buNone/>
+              <a:defRPr sz="1600" kern="1200">
+                <a:solidFill>
+                  <a:schemeClr val="tx1"/>
+                </a:solidFill>
+                <a:latin typeface="+mn-lt"/>
+                <a:ea typeface="+mn-ea"/>
+                <a:cs typeface="+mn-cs"/>
+              </a:defRPr>
+            </a:lvl9pPr>
+          </a:lstStyle>
+          <a:p>
+            <a:pPr marL="342900" indent="-342900" algn="just">
+              <a:lnSpc>
+                <a:spcPct val="120000"/>
+              </a:lnSpc>
+              <a:spcBef>
+                <a:spcPts val="1200"/>
+              </a:spcBef>
+              <a:buFont typeface="Wingdings" panose="05000000000000000000" pitchFamily="2" charset="2"/>
+              <a:buChar char=""/>
+            </a:pPr>
+            <a:r>
+              <a:rPr lang="en-US">
+                <a:latin typeface="Times New Roman" panose="02020603050405020304" pitchFamily="18" charset="0"/>
+                <a:ea typeface="Calibri" panose="020F0502020204030204" pitchFamily="34" charset="0"/>
+                <a:cs typeface="Times New Roman" panose="02020603050405020304" pitchFamily="18" charset="0"/>
+              </a:rPr>
+              <a:t>Hiểu biết rõ về th</a:t>
+            </a:r>
+            <a:r>
+              <a:rPr lang="vi-VN">
+                <a:latin typeface="Times New Roman" panose="02020603050405020304" pitchFamily="18" charset="0"/>
+                <a:ea typeface="Calibri" panose="020F0502020204030204" pitchFamily="34" charset="0"/>
+                <a:cs typeface="Times New Roman" panose="02020603050405020304" pitchFamily="18" charset="0"/>
+              </a:rPr>
+              <a:t>ư</a:t>
+            </a:r>
+            <a:r>
+              <a:rPr lang="en-US">
+                <a:latin typeface="Times New Roman" panose="02020603050405020304" pitchFamily="18" charset="0"/>
+                <a:ea typeface="Calibri" panose="020F0502020204030204" pitchFamily="34" charset="0"/>
+                <a:cs typeface="Times New Roman" panose="02020603050405020304" pitchFamily="18" charset="0"/>
+              </a:rPr>
+              <a:t>ơng mại điện tử</a:t>
+            </a:r>
+          </a:p>
+          <a:p>
+            <a:pPr marL="342900" indent="-342900" algn="just">
+              <a:lnSpc>
+                <a:spcPct val="120000"/>
+              </a:lnSpc>
+              <a:spcBef>
+                <a:spcPts val="1200"/>
+              </a:spcBef>
+              <a:buFont typeface="Wingdings" panose="05000000000000000000" pitchFamily="2" charset="2"/>
+              <a:buChar char=""/>
+            </a:pPr>
+            <a:r>
+              <a:rPr lang="en-US">
+                <a:latin typeface="Times New Roman" panose="02020603050405020304" pitchFamily="18" charset="0"/>
+                <a:ea typeface="Calibri" panose="020F0502020204030204" pitchFamily="34" charset="0"/>
+                <a:cs typeface="Times New Roman" panose="02020603050405020304" pitchFamily="18" charset="0"/>
+              </a:rPr>
+              <a:t>Nghiệp vụ của một website thương mại điện tử</a:t>
+            </a:r>
+          </a:p>
+          <a:p>
+            <a:pPr marL="342900" indent="-342900" algn="just">
+              <a:lnSpc>
+                <a:spcPct val="120000"/>
+              </a:lnSpc>
+              <a:spcBef>
+                <a:spcPts val="1200"/>
+              </a:spcBef>
+              <a:buFont typeface="Wingdings" panose="05000000000000000000" pitchFamily="2" charset="2"/>
+              <a:buChar char=""/>
+            </a:pPr>
+            <a:r>
+              <a:rPr lang="en-US">
+                <a:latin typeface="Times New Roman" panose="02020603050405020304" pitchFamily="18" charset="0"/>
+                <a:ea typeface="Calibri" panose="020F0502020204030204" pitchFamily="34" charset="0"/>
+                <a:cs typeface="Times New Roman" panose="02020603050405020304" pitchFamily="18" charset="0"/>
+              </a:rPr>
+              <a:t>Xây dựng một website nói chung, website thương mại điện tử nói riêng</a:t>
+            </a:r>
+          </a:p>
+          <a:p>
+            <a:pPr marL="342900" indent="-342900" algn="just">
+              <a:lnSpc>
+                <a:spcPct val="120000"/>
+              </a:lnSpc>
+              <a:spcBef>
+                <a:spcPts val="1200"/>
+              </a:spcBef>
+              <a:spcAft>
+                <a:spcPts val="300"/>
+              </a:spcAft>
+              <a:buFont typeface="Wingdings" panose="05000000000000000000" pitchFamily="2" charset="2"/>
+              <a:buChar char=""/>
+            </a:pPr>
+            <a:r>
+              <a:rPr lang="en-US">
+                <a:latin typeface="Times New Roman" panose="02020603050405020304" pitchFamily="18" charset="0"/>
+                <a:ea typeface="Calibri" panose="020F0502020204030204" pitchFamily="34" charset="0"/>
+                <a:cs typeface="Times New Roman" panose="02020603050405020304" pitchFamily="18" charset="0"/>
+              </a:rPr>
+              <a:t>Nghiên cứu và triển khai hệ thống gợi ý</a:t>
+            </a:r>
+          </a:p>
+          <a:p>
+            <a:pPr marL="342900" indent="-342900" algn="just">
+              <a:lnSpc>
+                <a:spcPct val="120000"/>
+              </a:lnSpc>
+              <a:spcBef>
+                <a:spcPts val="1200"/>
+              </a:spcBef>
+              <a:spcAft>
+                <a:spcPts val="300"/>
+              </a:spcAft>
+              <a:buFont typeface="Wingdings" panose="05000000000000000000" pitchFamily="2" charset="2"/>
+              <a:buChar char=""/>
+            </a:pPr>
+            <a:r>
+              <a:rPr lang="en-US">
+                <a:latin typeface="Times New Roman" panose="02020603050405020304" pitchFamily="18" charset="0"/>
+                <a:ea typeface="Calibri" panose="020F0502020204030204" pitchFamily="34" charset="0"/>
+                <a:cs typeface="Times New Roman" panose="02020603050405020304" pitchFamily="18" charset="0"/>
+              </a:rPr>
+              <a:t>Áp dụng kiến thức đã học vào thực tế</a:t>
+            </a:r>
+          </a:p>
+          <a:p>
+            <a:pPr marL="342900" indent="-342900" algn="just">
+              <a:lnSpc>
+                <a:spcPct val="120000"/>
+              </a:lnSpc>
+              <a:spcBef>
+                <a:spcPts val="1200"/>
+              </a:spcBef>
+              <a:spcAft>
+                <a:spcPts val="300"/>
+              </a:spcAft>
+              <a:buFont typeface="Wingdings" panose="05000000000000000000" pitchFamily="2" charset="2"/>
+              <a:buChar char=""/>
+            </a:pPr>
+            <a:r>
+              <a:rPr lang="en-US">
+                <a:latin typeface="Times New Roman" panose="02020603050405020304" pitchFamily="18" charset="0"/>
+                <a:ea typeface="Calibri" panose="020F0502020204030204" pitchFamily="34" charset="0"/>
+                <a:cs typeface="Times New Roman" panose="02020603050405020304" pitchFamily="18" charset="0"/>
+              </a:rPr>
+              <a:t>Hoàn thành tốt đồ án tốt nghiệp</a:t>
+            </a:r>
+          </a:p>
+          <a:p>
+            <a:pPr algn="l"/>
+            <a:endParaRPr lang="en-US" sz="2000">
+              <a:latin typeface="Times New Roman" panose="02020603050405020304" pitchFamily="18" charset="0"/>
+              <a:cs typeface="Times New Roman" panose="02020603050405020304" pitchFamily="18" charset="0"/>
+            </a:endParaRPr>
+          </a:p>
+        </p:txBody>
+      </p:sp>
     </p:spTree>
     <p:extLst>
       <p:ext uri="{BB962C8B-B14F-4D97-AF65-F5344CB8AC3E}">
-        <p14:creationId xmlns:p14="http://schemas.microsoft.com/office/powerpoint/2010/main" val="1640680481"/>
+        <p14:creationId xmlns:p14="http://schemas.microsoft.com/office/powerpoint/2010/main" val="1315322116"/>
       </p:ext>
     </p:extLst>
   </p:cSld>
   <p:clrMapOvr>
     <a:masterClrMapping/>
   </p:clrMapOvr>
+  <p:transition spd="slow">
+    <p:push dir="u"/>
+  </p:transition>
+  <p:timing>
+    <p:tnLst>
+      <p:par>
+        <p:cTn id="1" dur="indefinite" restart="never" nodeType="tmRoot">
+          <p:childTnLst>
+            <p:seq concurrent="1" nextAc="seek">
+              <p:cTn id="2" dur="indefinite" nodeType="mainSeq">
+                <p:childTnLst>
+                  <p:par>
+                    <p:cTn id="3" fill="hold">
+                      <p:stCondLst>
+                        <p:cond delay="indefinite"/>
+                        <p:cond evt="onBegin" delay="0">
+                          <p:tn val="2"/>
+                        </p:cond>
+                      </p:stCondLst>
+                      <p:childTnLst>
+                        <p:par>
+                          <p:cTn id="4" fill="hold">
+                            <p:stCondLst>
+                              <p:cond delay="0"/>
+                            </p:stCondLst>
+                            <p:childTnLst>
+                              <p:par>
+                                <p:cTn id="5" presetID="42" presetClass="entr" presetSubtype="0" fill="hold" nodeType="withEffect">
+                                  <p:stCondLst>
+                                    <p:cond delay="0"/>
+                                  </p:stCondLst>
+                                  <p:childTnLst>
+                                    <p:set>
+                                      <p:cBhvr>
+                                        <p:cTn id="6" dur="1" fill="hold">
+                                          <p:stCondLst>
+                                            <p:cond delay="0"/>
+                                          </p:stCondLst>
+                                        </p:cTn>
+                                        <p:tgtEl>
+                                          <p:spTgt spid="14">
+                                            <p:txEl>
+                                              <p:pRg st="0" end="0"/>
+                                            </p:txEl>
+                                          </p:spTgt>
+                                        </p:tgtEl>
+                                        <p:attrNameLst>
+                                          <p:attrName>style.visibility</p:attrName>
+                                        </p:attrNameLst>
+                                      </p:cBhvr>
+                                      <p:to>
+                                        <p:strVal val="visible"/>
+                                      </p:to>
+                                    </p:set>
+                                    <p:animEffect transition="in" filter="fade">
+                                      <p:cBhvr>
+                                        <p:cTn id="7" dur="1000"/>
+                                        <p:tgtEl>
+                                          <p:spTgt spid="14">
+                                            <p:txEl>
+                                              <p:pRg st="0" end="0"/>
+                                            </p:txEl>
+                                          </p:spTgt>
+                                        </p:tgtEl>
+                                      </p:cBhvr>
+                                    </p:animEffect>
+                                    <p:anim calcmode="lin" valueType="num">
+                                      <p:cBhvr>
+                                        <p:cTn id="8" dur="1000" fill="hold"/>
+                                        <p:tgtEl>
+                                          <p:spTgt spid="14">
+                                            <p:txEl>
+                                              <p:pRg st="0" end="0"/>
+                                            </p:txEl>
+                                          </p:spTgt>
+                                        </p:tgtEl>
+                                        <p:attrNameLst>
+                                          <p:attrName>ppt_x</p:attrName>
+                                        </p:attrNameLst>
+                                      </p:cBhvr>
+                                      <p:tavLst>
+                                        <p:tav tm="0">
+                                          <p:val>
+                                            <p:strVal val="#ppt_x"/>
+                                          </p:val>
+                                        </p:tav>
+                                        <p:tav tm="100000">
+                                          <p:val>
+                                            <p:strVal val="#ppt_x"/>
+                                          </p:val>
+                                        </p:tav>
+                                      </p:tavLst>
+                                    </p:anim>
+                                    <p:anim calcmode="lin" valueType="num">
+                                      <p:cBhvr>
+                                        <p:cTn id="9" dur="1000" fill="hold"/>
+                                        <p:tgtEl>
+                                          <p:spTgt spid="14">
+                                            <p:txEl>
+                                              <p:pRg st="0" end="0"/>
+                                            </p:txEl>
+                                          </p:spTgt>
+                                        </p:tgtEl>
+                                        <p:attrNameLst>
+                                          <p:attrName>ppt_y</p:attrName>
+                                        </p:attrNameLst>
+                                      </p:cBhvr>
+                                      <p:tavLst>
+                                        <p:tav tm="0">
+                                          <p:val>
+                                            <p:strVal val="#ppt_y+.1"/>
+                                          </p:val>
+                                        </p:tav>
+                                        <p:tav tm="100000">
+                                          <p:val>
+                                            <p:strVal val="#ppt_y"/>
+                                          </p:val>
+                                        </p:tav>
+                                      </p:tavLst>
+                                    </p:anim>
+                                  </p:childTnLst>
+                                </p:cTn>
+                              </p:par>
+                              <p:par>
+                                <p:cTn id="10" presetID="42" presetClass="entr" presetSubtype="0" fill="hold" nodeType="withEffect">
+                                  <p:stCondLst>
+                                    <p:cond delay="0"/>
+                                  </p:stCondLst>
+                                  <p:childTnLst>
+                                    <p:set>
+                                      <p:cBhvr>
+                                        <p:cTn id="11" dur="1" fill="hold">
+                                          <p:stCondLst>
+                                            <p:cond delay="0"/>
+                                          </p:stCondLst>
+                                        </p:cTn>
+                                        <p:tgtEl>
+                                          <p:spTgt spid="14">
+                                            <p:txEl>
+                                              <p:pRg st="1" end="1"/>
+                                            </p:txEl>
+                                          </p:spTgt>
+                                        </p:tgtEl>
+                                        <p:attrNameLst>
+                                          <p:attrName>style.visibility</p:attrName>
+                                        </p:attrNameLst>
+                                      </p:cBhvr>
+                                      <p:to>
+                                        <p:strVal val="visible"/>
+                                      </p:to>
+                                    </p:set>
+                                    <p:animEffect transition="in" filter="fade">
+                                      <p:cBhvr>
+                                        <p:cTn id="12" dur="1000"/>
+                                        <p:tgtEl>
+                                          <p:spTgt spid="14">
+                                            <p:txEl>
+                                              <p:pRg st="1" end="1"/>
+                                            </p:txEl>
+                                          </p:spTgt>
+                                        </p:tgtEl>
+                                      </p:cBhvr>
+                                    </p:animEffect>
+                                    <p:anim calcmode="lin" valueType="num">
+                                      <p:cBhvr>
+                                        <p:cTn id="13" dur="1000" fill="hold"/>
+                                        <p:tgtEl>
+                                          <p:spTgt spid="14">
+                                            <p:txEl>
+                                              <p:pRg st="1" end="1"/>
+                                            </p:txEl>
+                                          </p:spTgt>
+                                        </p:tgtEl>
+                                        <p:attrNameLst>
+                                          <p:attrName>ppt_x</p:attrName>
+                                        </p:attrNameLst>
+                                      </p:cBhvr>
+                                      <p:tavLst>
+                                        <p:tav tm="0">
+                                          <p:val>
+                                            <p:strVal val="#ppt_x"/>
+                                          </p:val>
+                                        </p:tav>
+                                        <p:tav tm="100000">
+                                          <p:val>
+                                            <p:strVal val="#ppt_x"/>
+                                          </p:val>
+                                        </p:tav>
+                                      </p:tavLst>
+                                    </p:anim>
+                                    <p:anim calcmode="lin" valueType="num">
+                                      <p:cBhvr>
+                                        <p:cTn id="14" dur="1000" fill="hold"/>
+                                        <p:tgtEl>
+                                          <p:spTgt spid="14">
+                                            <p:txEl>
+                                              <p:pRg st="1" end="1"/>
+                                            </p:txEl>
+                                          </p:spTgt>
+                                        </p:tgtEl>
+                                        <p:attrNameLst>
+                                          <p:attrName>ppt_y</p:attrName>
+                                        </p:attrNameLst>
+                                      </p:cBhvr>
+                                      <p:tavLst>
+                                        <p:tav tm="0">
+                                          <p:val>
+                                            <p:strVal val="#ppt_y+.1"/>
+                                          </p:val>
+                                        </p:tav>
+                                        <p:tav tm="100000">
+                                          <p:val>
+                                            <p:strVal val="#ppt_y"/>
+                                          </p:val>
+                                        </p:tav>
+                                      </p:tavLst>
+                                    </p:anim>
+                                  </p:childTnLst>
+                                </p:cTn>
+                              </p:par>
+                              <p:par>
+                                <p:cTn id="15" presetID="42" presetClass="entr" presetSubtype="0" fill="hold" nodeType="withEffect">
+                                  <p:stCondLst>
+                                    <p:cond delay="0"/>
+                                  </p:stCondLst>
+                                  <p:childTnLst>
+                                    <p:set>
+                                      <p:cBhvr>
+                                        <p:cTn id="16" dur="1" fill="hold">
+                                          <p:stCondLst>
+                                            <p:cond delay="0"/>
+                                          </p:stCondLst>
+                                        </p:cTn>
+                                        <p:tgtEl>
+                                          <p:spTgt spid="14">
+                                            <p:txEl>
+                                              <p:pRg st="2" end="2"/>
+                                            </p:txEl>
+                                          </p:spTgt>
+                                        </p:tgtEl>
+                                        <p:attrNameLst>
+                                          <p:attrName>style.visibility</p:attrName>
+                                        </p:attrNameLst>
+                                      </p:cBhvr>
+                                      <p:to>
+                                        <p:strVal val="visible"/>
+                                      </p:to>
+                                    </p:set>
+                                    <p:animEffect transition="in" filter="fade">
+                                      <p:cBhvr>
+                                        <p:cTn id="17" dur="1000"/>
+                                        <p:tgtEl>
+                                          <p:spTgt spid="14">
+                                            <p:txEl>
+                                              <p:pRg st="2" end="2"/>
+                                            </p:txEl>
+                                          </p:spTgt>
+                                        </p:tgtEl>
+                                      </p:cBhvr>
+                                    </p:animEffect>
+                                    <p:anim calcmode="lin" valueType="num">
+                                      <p:cBhvr>
+                                        <p:cTn id="18" dur="1000" fill="hold"/>
+                                        <p:tgtEl>
+                                          <p:spTgt spid="14">
+                                            <p:txEl>
+                                              <p:pRg st="2" end="2"/>
+                                            </p:txEl>
+                                          </p:spTgt>
+                                        </p:tgtEl>
+                                        <p:attrNameLst>
+                                          <p:attrName>ppt_x</p:attrName>
+                                        </p:attrNameLst>
+                                      </p:cBhvr>
+                                      <p:tavLst>
+                                        <p:tav tm="0">
+                                          <p:val>
+                                            <p:strVal val="#ppt_x"/>
+                                          </p:val>
+                                        </p:tav>
+                                        <p:tav tm="100000">
+                                          <p:val>
+                                            <p:strVal val="#ppt_x"/>
+                                          </p:val>
+                                        </p:tav>
+                                      </p:tavLst>
+                                    </p:anim>
+                                    <p:anim calcmode="lin" valueType="num">
+                                      <p:cBhvr>
+                                        <p:cTn id="19" dur="1000" fill="hold"/>
+                                        <p:tgtEl>
+                                          <p:spTgt spid="14">
+                                            <p:txEl>
+                                              <p:pRg st="2" end="2"/>
+                                            </p:txEl>
+                                          </p:spTgt>
+                                        </p:tgtEl>
+                                        <p:attrNameLst>
+                                          <p:attrName>ppt_y</p:attrName>
+                                        </p:attrNameLst>
+                                      </p:cBhvr>
+                                      <p:tavLst>
+                                        <p:tav tm="0">
+                                          <p:val>
+                                            <p:strVal val="#ppt_y+.1"/>
+                                          </p:val>
+                                        </p:tav>
+                                        <p:tav tm="100000">
+                                          <p:val>
+                                            <p:strVal val="#ppt_y"/>
+                                          </p:val>
+                                        </p:tav>
+                                      </p:tavLst>
+                                    </p:anim>
+                                  </p:childTnLst>
+                                </p:cTn>
+                              </p:par>
+                              <p:par>
+                                <p:cTn id="20" presetID="42" presetClass="entr" presetSubtype="0" fill="hold" nodeType="withEffect">
+                                  <p:stCondLst>
+                                    <p:cond delay="0"/>
+                                  </p:stCondLst>
+                                  <p:childTnLst>
+                                    <p:set>
+                                      <p:cBhvr>
+                                        <p:cTn id="21" dur="1" fill="hold">
+                                          <p:stCondLst>
+                                            <p:cond delay="0"/>
+                                          </p:stCondLst>
+                                        </p:cTn>
+                                        <p:tgtEl>
+                                          <p:spTgt spid="14">
+                                            <p:txEl>
+                                              <p:pRg st="3" end="3"/>
+                                            </p:txEl>
+                                          </p:spTgt>
+                                        </p:tgtEl>
+                                        <p:attrNameLst>
+                                          <p:attrName>style.visibility</p:attrName>
+                                        </p:attrNameLst>
+                                      </p:cBhvr>
+                                      <p:to>
+                                        <p:strVal val="visible"/>
+                                      </p:to>
+                                    </p:set>
+                                    <p:animEffect transition="in" filter="fade">
+                                      <p:cBhvr>
+                                        <p:cTn id="22" dur="1000"/>
+                                        <p:tgtEl>
+                                          <p:spTgt spid="14">
+                                            <p:txEl>
+                                              <p:pRg st="3" end="3"/>
+                                            </p:txEl>
+                                          </p:spTgt>
+                                        </p:tgtEl>
+                                      </p:cBhvr>
+                                    </p:animEffect>
+                                    <p:anim calcmode="lin" valueType="num">
+                                      <p:cBhvr>
+                                        <p:cTn id="23" dur="1000" fill="hold"/>
+                                        <p:tgtEl>
+                                          <p:spTgt spid="14">
+                                            <p:txEl>
+                                              <p:pRg st="3" end="3"/>
+                                            </p:txEl>
+                                          </p:spTgt>
+                                        </p:tgtEl>
+                                        <p:attrNameLst>
+                                          <p:attrName>ppt_x</p:attrName>
+                                        </p:attrNameLst>
+                                      </p:cBhvr>
+                                      <p:tavLst>
+                                        <p:tav tm="0">
+                                          <p:val>
+                                            <p:strVal val="#ppt_x"/>
+                                          </p:val>
+                                        </p:tav>
+                                        <p:tav tm="100000">
+                                          <p:val>
+                                            <p:strVal val="#ppt_x"/>
+                                          </p:val>
+                                        </p:tav>
+                                      </p:tavLst>
+                                    </p:anim>
+                                    <p:anim calcmode="lin" valueType="num">
+                                      <p:cBhvr>
+                                        <p:cTn id="24" dur="1000" fill="hold"/>
+                                        <p:tgtEl>
+                                          <p:spTgt spid="14">
+                                            <p:txEl>
+                                              <p:pRg st="3" end="3"/>
+                                            </p:txEl>
+                                          </p:spTgt>
+                                        </p:tgtEl>
+                                        <p:attrNameLst>
+                                          <p:attrName>ppt_y</p:attrName>
+                                        </p:attrNameLst>
+                                      </p:cBhvr>
+                                      <p:tavLst>
+                                        <p:tav tm="0">
+                                          <p:val>
+                                            <p:strVal val="#ppt_y+.1"/>
+                                          </p:val>
+                                        </p:tav>
+                                        <p:tav tm="100000">
+                                          <p:val>
+                                            <p:strVal val="#ppt_y"/>
+                                          </p:val>
+                                        </p:tav>
+                                      </p:tavLst>
+                                    </p:anim>
+                                  </p:childTnLst>
+                                </p:cTn>
+                              </p:par>
+                              <p:par>
+                                <p:cTn id="25" presetID="42" presetClass="entr" presetSubtype="0" fill="hold" nodeType="withEffect">
+                                  <p:stCondLst>
+                                    <p:cond delay="0"/>
+                                  </p:stCondLst>
+                                  <p:childTnLst>
+                                    <p:set>
+                                      <p:cBhvr>
+                                        <p:cTn id="26" dur="1" fill="hold">
+                                          <p:stCondLst>
+                                            <p:cond delay="0"/>
+                                          </p:stCondLst>
+                                        </p:cTn>
+                                        <p:tgtEl>
+                                          <p:spTgt spid="14">
+                                            <p:txEl>
+                                              <p:pRg st="4" end="4"/>
+                                            </p:txEl>
+                                          </p:spTgt>
+                                        </p:tgtEl>
+                                        <p:attrNameLst>
+                                          <p:attrName>style.visibility</p:attrName>
+                                        </p:attrNameLst>
+                                      </p:cBhvr>
+                                      <p:to>
+                                        <p:strVal val="visible"/>
+                                      </p:to>
+                                    </p:set>
+                                    <p:animEffect transition="in" filter="fade">
+                                      <p:cBhvr>
+                                        <p:cTn id="27" dur="1000"/>
+                                        <p:tgtEl>
+                                          <p:spTgt spid="14">
+                                            <p:txEl>
+                                              <p:pRg st="4" end="4"/>
+                                            </p:txEl>
+                                          </p:spTgt>
+                                        </p:tgtEl>
+                                      </p:cBhvr>
+                                    </p:animEffect>
+                                    <p:anim calcmode="lin" valueType="num">
+                                      <p:cBhvr>
+                                        <p:cTn id="28" dur="1000" fill="hold"/>
+                                        <p:tgtEl>
+                                          <p:spTgt spid="14">
+                                            <p:txEl>
+                                              <p:pRg st="4" end="4"/>
+                                            </p:txEl>
+                                          </p:spTgt>
+                                        </p:tgtEl>
+                                        <p:attrNameLst>
+                                          <p:attrName>ppt_x</p:attrName>
+                                        </p:attrNameLst>
+                                      </p:cBhvr>
+                                      <p:tavLst>
+                                        <p:tav tm="0">
+                                          <p:val>
+                                            <p:strVal val="#ppt_x"/>
+                                          </p:val>
+                                        </p:tav>
+                                        <p:tav tm="100000">
+                                          <p:val>
+                                            <p:strVal val="#ppt_x"/>
+                                          </p:val>
+                                        </p:tav>
+                                      </p:tavLst>
+                                    </p:anim>
+                                    <p:anim calcmode="lin" valueType="num">
+                                      <p:cBhvr>
+                                        <p:cTn id="29" dur="1000" fill="hold"/>
+                                        <p:tgtEl>
+                                          <p:spTgt spid="14">
+                                            <p:txEl>
+                                              <p:pRg st="4" end="4"/>
+                                            </p:txEl>
+                                          </p:spTgt>
+                                        </p:tgtEl>
+                                        <p:attrNameLst>
+                                          <p:attrName>ppt_y</p:attrName>
+                                        </p:attrNameLst>
+                                      </p:cBhvr>
+                                      <p:tavLst>
+                                        <p:tav tm="0">
+                                          <p:val>
+                                            <p:strVal val="#ppt_y+.1"/>
+                                          </p:val>
+                                        </p:tav>
+                                        <p:tav tm="100000">
+                                          <p:val>
+                                            <p:strVal val="#ppt_y"/>
+                                          </p:val>
+                                        </p:tav>
+                                      </p:tavLst>
+                                    </p:anim>
+                                  </p:childTnLst>
+                                </p:cTn>
+                              </p:par>
+                              <p:par>
+                                <p:cTn id="30" presetID="42" presetClass="entr" presetSubtype="0" fill="hold" nodeType="withEffect">
+                                  <p:stCondLst>
+                                    <p:cond delay="0"/>
+                                  </p:stCondLst>
+                                  <p:childTnLst>
+                                    <p:set>
+                                      <p:cBhvr>
+                                        <p:cTn id="31" dur="1" fill="hold">
+                                          <p:stCondLst>
+                                            <p:cond delay="0"/>
+                                          </p:stCondLst>
+                                        </p:cTn>
+                                        <p:tgtEl>
+                                          <p:spTgt spid="14">
+                                            <p:txEl>
+                                              <p:pRg st="5" end="5"/>
+                                            </p:txEl>
+                                          </p:spTgt>
+                                        </p:tgtEl>
+                                        <p:attrNameLst>
+                                          <p:attrName>style.visibility</p:attrName>
+                                        </p:attrNameLst>
+                                      </p:cBhvr>
+                                      <p:to>
+                                        <p:strVal val="visible"/>
+                                      </p:to>
+                                    </p:set>
+                                    <p:animEffect transition="in" filter="fade">
+                                      <p:cBhvr>
+                                        <p:cTn id="32" dur="1000"/>
+                                        <p:tgtEl>
+                                          <p:spTgt spid="14">
+                                            <p:txEl>
+                                              <p:pRg st="5" end="5"/>
+                                            </p:txEl>
+                                          </p:spTgt>
+                                        </p:tgtEl>
+                                      </p:cBhvr>
+                                    </p:animEffect>
+                                    <p:anim calcmode="lin" valueType="num">
+                                      <p:cBhvr>
+                                        <p:cTn id="33" dur="1000" fill="hold"/>
+                                        <p:tgtEl>
+                                          <p:spTgt spid="14">
+                                            <p:txEl>
+                                              <p:pRg st="5" end="5"/>
+                                            </p:txEl>
+                                          </p:spTgt>
+                                        </p:tgtEl>
+                                        <p:attrNameLst>
+                                          <p:attrName>ppt_x</p:attrName>
+                                        </p:attrNameLst>
+                                      </p:cBhvr>
+                                      <p:tavLst>
+                                        <p:tav tm="0">
+                                          <p:val>
+                                            <p:strVal val="#ppt_x"/>
+                                          </p:val>
+                                        </p:tav>
+                                        <p:tav tm="100000">
+                                          <p:val>
+                                            <p:strVal val="#ppt_x"/>
+                                          </p:val>
+                                        </p:tav>
+                                      </p:tavLst>
+                                    </p:anim>
+                                    <p:anim calcmode="lin" valueType="num">
+                                      <p:cBhvr>
+                                        <p:cTn id="34" dur="1000" fill="hold"/>
+                                        <p:tgtEl>
+                                          <p:spTgt spid="14">
+                                            <p:txEl>
+                                              <p:pRg st="5" end="5"/>
+                                            </p:txEl>
+                                          </p:spTgt>
+                                        </p:tgtEl>
+                                        <p:attrNameLst>
+                                          <p:attrName>ppt_y</p:attrName>
+                                        </p:attrNameLst>
+                                      </p:cBhvr>
+                                      <p:tavLst>
+                                        <p:tav tm="0">
+                                          <p:val>
+                                            <p:strVal val="#ppt_y+.1"/>
+                                          </p:val>
+                                        </p:tav>
+                                        <p:tav tm="100000">
+                                          <p:val>
+                                            <p:strVal val="#ppt_y"/>
+                                          </p:val>
+                                        </p:tav>
+                                      </p:tavLst>
+                                    </p:anim>
+                                  </p:childTnLst>
+                                </p:cTn>
+                              </p:par>
+                            </p:childTnLst>
+                          </p:cTn>
+                        </p:par>
+                      </p:childTnLst>
+                    </p:cTn>
+                  </p:par>
+                </p:childTnLst>
+              </p:cTn>
+              <p:prevCondLst>
+                <p:cond evt="onPrev" delay="0">
+                  <p:tgtEl>
+                    <p:sldTgt/>
+                  </p:tgtEl>
+                </p:cond>
+              </p:prevCondLst>
+              <p:nextCondLst>
+                <p:cond evt="onNext" delay="0">
+                  <p:tgtEl>
+                    <p:sldTgt/>
+                  </p:tgtEl>
+                </p:cond>
+              </p:nextCondLst>
+            </p:seq>
+          </p:childTnLst>
+        </p:cTn>
+      </p:par>
+    </p:tnLst>
+  </p:timing>
 </p:sld>
 </file>
 
-<file path=ppt/slides/slide3.xml><?xml version="1.0" encoding="utf-8"?>
+<file path=ppt/slides/slide4.xml><?xml version="1.0" encoding="utf-8"?>
 <p:sld xmlns:a="http://schemas.openxmlformats.org/drawingml/2006/main" xmlns:r="http://schemas.openxmlformats.org/officeDocument/2006/relationships" xmlns:p="http://schemas.openxmlformats.org/presentationml/2006/main">
   <p:cSld>
     <p:spTree>
@@ -27271,36 +28387,6 @@
           </a:prstGeom>
         </p:spPr>
       </p:pic>
-      <p:pic>
-        <p:nvPicPr>
-          <p:cNvPr id="13" name="Picture 12" descr="images (2).jpg">
-            <a:extLst>
-              <a:ext uri="{FF2B5EF4-FFF2-40B4-BE49-F238E27FC236}">
-                <a16:creationId xmlns:a16="http://schemas.microsoft.com/office/drawing/2014/main" id="{C9716512-FD43-452F-BA2D-CBEDC3420A83}"/>
-              </a:ext>
-            </a:extLst>
-          </p:cNvPr>
-          <p:cNvPicPr>
-            <a:picLocks noChangeAspect="1"/>
-          </p:cNvPicPr>
-          <p:nvPr/>
-        </p:nvPicPr>
-        <p:blipFill>
-          <a:blip r:embed="rId4"/>
-          <a:stretch>
-            <a:fillRect/>
-          </a:stretch>
-        </p:blipFill>
-        <p:spPr>
-          <a:xfrm>
-            <a:off x="8615482" y="2481475"/>
-            <a:ext cx="3126133" cy="2935719"/>
-          </a:xfrm>
-          <a:prstGeom prst="rect">
-            <a:avLst/>
-          </a:prstGeom>
-        </p:spPr>
-      </p:pic>
       <p:sp>
         <p:nvSpPr>
           <p:cNvPr id="18" name="Subtitle 5">
@@ -27320,7 +28406,7 @@
         <p:spPr>
           <a:xfrm>
             <a:off x="1088058" y="1617140"/>
-            <a:ext cx="6889751" cy="4664390"/>
+            <a:ext cx="7512603" cy="582721"/>
           </a:xfrm>
         </p:spPr>
         <p:txBody>
@@ -27338,20 +28424,291 @@
                 <a:latin typeface="Times New Roman" panose="02020603050405020304" pitchFamily="18" charset="0"/>
                 <a:cs typeface="Times New Roman" panose="02020603050405020304" pitchFamily="18" charset="0"/>
               </a:rPr>
-              <a:t>1.1 Mục tiêu</a:t>
+              <a:t>1.2 Ph</a:t>
+            </a:r>
+            <a:r>
+              <a:rPr lang="vi-VN" sz="3200" b="1">
+                <a:solidFill>
+                  <a:schemeClr val="accent1"/>
+                </a:solidFill>
+                <a:latin typeface="Times New Roman" panose="02020603050405020304" pitchFamily="18" charset="0"/>
+                <a:cs typeface="Times New Roman" panose="02020603050405020304" pitchFamily="18" charset="0"/>
+              </a:rPr>
+              <a:t>ư</a:t>
+            </a:r>
+            <a:r>
+              <a:rPr lang="en-US" sz="3200" b="1">
+                <a:solidFill>
+                  <a:schemeClr val="accent1"/>
+                </a:solidFill>
+                <a:latin typeface="Times New Roman" panose="02020603050405020304" pitchFamily="18" charset="0"/>
+                <a:cs typeface="Times New Roman" panose="02020603050405020304" pitchFamily="18" charset="0"/>
+              </a:rPr>
+              <a:t>ơng pháp nghiên cứu</a:t>
             </a:r>
           </a:p>
           <a:p>
-            <a:pPr marL="342900" marR="0" lvl="0" indent="-342900" algn="just">
+            <a:pPr marR="0" lvl="0" algn="just">
+              <a:lnSpc>
+                <a:spcPct val="120000"/>
+              </a:lnSpc>
+              <a:spcBef>
+                <a:spcPts val="0"/>
+              </a:spcBef>
+              <a:spcAft>
+                <a:spcPts val="300"/>
+              </a:spcAft>
+            </a:pPr>
+            <a:endParaRPr lang="en-US">
+              <a:latin typeface="Times New Roman" panose="02020603050405020304" pitchFamily="18" charset="0"/>
+              <a:ea typeface="Calibri" panose="020F0502020204030204" pitchFamily="34" charset="0"/>
+              <a:cs typeface="Times New Roman" panose="02020603050405020304" pitchFamily="18" charset="0"/>
+            </a:endParaRPr>
+          </a:p>
+          <a:p>
+            <a:pPr algn="l"/>
+            <a:endParaRPr lang="en-US" sz="2000">
+              <a:latin typeface="Times New Roman" panose="02020603050405020304" pitchFamily="18" charset="0"/>
+              <a:cs typeface="Times New Roman" panose="02020603050405020304" pitchFamily="18" charset="0"/>
+            </a:endParaRPr>
+          </a:p>
+        </p:txBody>
+      </p:sp>
+      <p:pic>
+        <p:nvPicPr>
+          <p:cNvPr id="3" name="Picture 2">
+            <a:extLst>
+              <a:ext uri="{FF2B5EF4-FFF2-40B4-BE49-F238E27FC236}">
+                <a16:creationId xmlns:a16="http://schemas.microsoft.com/office/drawing/2014/main" id="{7E77669B-FC4D-4E69-91FC-1BFCDD7F2FC2}"/>
+              </a:ext>
+            </a:extLst>
+          </p:cNvPr>
+          <p:cNvPicPr>
+            <a:picLocks noChangeAspect="1"/>
+          </p:cNvPicPr>
+          <p:nvPr/>
+        </p:nvPicPr>
+        <p:blipFill>
+          <a:blip r:embed="rId4">
+            <a:extLst>
+              <a:ext uri="{28A0092B-C50C-407E-A947-70E740481C1C}">
+                <a14:useLocalDpi xmlns:a14="http://schemas.microsoft.com/office/drawing/2010/main" val="0"/>
+              </a:ext>
+            </a:extLst>
+          </a:blip>
+          <a:stretch>
+            <a:fillRect/>
+          </a:stretch>
+        </p:blipFill>
+        <p:spPr>
+          <a:xfrm>
+            <a:off x="8727927" y="2608441"/>
+            <a:ext cx="2901243" cy="2681788"/>
+          </a:xfrm>
+          <a:prstGeom prst="rect">
+            <a:avLst/>
+          </a:prstGeom>
+        </p:spPr>
+      </p:pic>
+      <p:sp>
+        <p:nvSpPr>
+          <p:cNvPr id="14" name="Subtitle 5">
+            <a:extLst>
+              <a:ext uri="{FF2B5EF4-FFF2-40B4-BE49-F238E27FC236}">
+                <a16:creationId xmlns:a16="http://schemas.microsoft.com/office/drawing/2014/main" id="{5C48FB0B-1C94-4106-BE9E-B3171AF2AE37}"/>
+              </a:ext>
+            </a:extLst>
+          </p:cNvPr>
+          <p:cNvSpPr txBox="1">
+            <a:spLocks/>
+          </p:cNvSpPr>
+          <p:nvPr/>
+        </p:nvSpPr>
+        <p:spPr>
+          <a:xfrm>
+            <a:off x="1155700" y="2325945"/>
+            <a:ext cx="7512603" cy="4021846"/>
+          </a:xfrm>
+          <a:prstGeom prst="rect">
+            <a:avLst/>
+          </a:prstGeom>
+        </p:spPr>
+        <p:txBody>
+          <a:bodyPr vert="horz" lIns="91440" tIns="45720" rIns="91440" bIns="45720" rtlCol="0">
+            <a:normAutofit/>
+          </a:bodyPr>
+          <a:lstStyle>
+            <a:lvl1pPr marL="0" indent="0" algn="ctr" defTabSz="914400" rtl="0" eaLnBrk="1" latinLnBrk="0" hangingPunct="1">
+              <a:lnSpc>
+                <a:spcPct val="90000"/>
+              </a:lnSpc>
+              <a:spcBef>
+                <a:spcPts val="1000"/>
+              </a:spcBef>
+              <a:buFont typeface="Arial" panose="020B0604020202020204" pitchFamily="34" charset="0"/>
+              <a:buNone/>
+              <a:defRPr sz="2400" kern="1200">
+                <a:solidFill>
+                  <a:schemeClr val="tx1"/>
+                </a:solidFill>
+                <a:latin typeface="+mn-lt"/>
+                <a:ea typeface="+mn-ea"/>
+                <a:cs typeface="+mn-cs"/>
+              </a:defRPr>
+            </a:lvl1pPr>
+            <a:lvl2pPr marL="457200" indent="0" algn="ctr" defTabSz="914400" rtl="0" eaLnBrk="1" latinLnBrk="0" hangingPunct="1">
+              <a:lnSpc>
+                <a:spcPct val="90000"/>
+              </a:lnSpc>
+              <a:spcBef>
+                <a:spcPts val="500"/>
+              </a:spcBef>
+              <a:buFont typeface="Arial" panose="020B0604020202020204" pitchFamily="34" charset="0"/>
+              <a:buNone/>
+              <a:defRPr sz="2000" kern="1200">
+                <a:solidFill>
+                  <a:schemeClr val="tx1"/>
+                </a:solidFill>
+                <a:latin typeface="+mn-lt"/>
+                <a:ea typeface="+mn-ea"/>
+                <a:cs typeface="+mn-cs"/>
+              </a:defRPr>
+            </a:lvl2pPr>
+            <a:lvl3pPr marL="914400" indent="0" algn="ctr" defTabSz="914400" rtl="0" eaLnBrk="1" latinLnBrk="0" hangingPunct="1">
+              <a:lnSpc>
+                <a:spcPct val="90000"/>
+              </a:lnSpc>
+              <a:spcBef>
+                <a:spcPts val="500"/>
+              </a:spcBef>
+              <a:buFont typeface="Arial" panose="020B0604020202020204" pitchFamily="34" charset="0"/>
+              <a:buNone/>
+              <a:defRPr sz="1800" kern="1200">
+                <a:solidFill>
+                  <a:schemeClr val="tx1"/>
+                </a:solidFill>
+                <a:latin typeface="+mn-lt"/>
+                <a:ea typeface="+mn-ea"/>
+                <a:cs typeface="+mn-cs"/>
+              </a:defRPr>
+            </a:lvl3pPr>
+            <a:lvl4pPr marL="1371600" indent="0" algn="ctr" defTabSz="914400" rtl="0" eaLnBrk="1" latinLnBrk="0" hangingPunct="1">
+              <a:lnSpc>
+                <a:spcPct val="90000"/>
+              </a:lnSpc>
+              <a:spcBef>
+                <a:spcPts val="500"/>
+              </a:spcBef>
+              <a:buFont typeface="Arial" panose="020B0604020202020204" pitchFamily="34" charset="0"/>
+              <a:buNone/>
+              <a:defRPr sz="1600" kern="1200">
+                <a:solidFill>
+                  <a:schemeClr val="tx1"/>
+                </a:solidFill>
+                <a:latin typeface="+mn-lt"/>
+                <a:ea typeface="+mn-ea"/>
+                <a:cs typeface="+mn-cs"/>
+              </a:defRPr>
+            </a:lvl4pPr>
+            <a:lvl5pPr marL="1828800" indent="0" algn="ctr" defTabSz="914400" rtl="0" eaLnBrk="1" latinLnBrk="0" hangingPunct="1">
+              <a:lnSpc>
+                <a:spcPct val="90000"/>
+              </a:lnSpc>
+              <a:spcBef>
+                <a:spcPts val="500"/>
+              </a:spcBef>
+              <a:buFont typeface="Arial" panose="020B0604020202020204" pitchFamily="34" charset="0"/>
+              <a:buNone/>
+              <a:defRPr sz="1600" kern="1200">
+                <a:solidFill>
+                  <a:schemeClr val="tx1"/>
+                </a:solidFill>
+                <a:latin typeface="+mn-lt"/>
+                <a:ea typeface="+mn-ea"/>
+                <a:cs typeface="+mn-cs"/>
+              </a:defRPr>
+            </a:lvl5pPr>
+            <a:lvl6pPr marL="2286000" indent="0" algn="ctr" defTabSz="914400" rtl="0" eaLnBrk="1" latinLnBrk="0" hangingPunct="1">
+              <a:lnSpc>
+                <a:spcPct val="90000"/>
+              </a:lnSpc>
+              <a:spcBef>
+                <a:spcPts val="500"/>
+              </a:spcBef>
+              <a:buFont typeface="Arial" panose="020B0604020202020204" pitchFamily="34" charset="0"/>
+              <a:buNone/>
+              <a:defRPr sz="1600" kern="1200">
+                <a:solidFill>
+                  <a:schemeClr val="tx1"/>
+                </a:solidFill>
+                <a:latin typeface="+mn-lt"/>
+                <a:ea typeface="+mn-ea"/>
+                <a:cs typeface="+mn-cs"/>
+              </a:defRPr>
+            </a:lvl6pPr>
+            <a:lvl7pPr marL="2743200" indent="0" algn="ctr" defTabSz="914400" rtl="0" eaLnBrk="1" latinLnBrk="0" hangingPunct="1">
+              <a:lnSpc>
+                <a:spcPct val="90000"/>
+              </a:lnSpc>
+              <a:spcBef>
+                <a:spcPts val="500"/>
+              </a:spcBef>
+              <a:buFont typeface="Arial" panose="020B0604020202020204" pitchFamily="34" charset="0"/>
+              <a:buNone/>
+              <a:defRPr sz="1600" kern="1200">
+                <a:solidFill>
+                  <a:schemeClr val="tx1"/>
+                </a:solidFill>
+                <a:latin typeface="+mn-lt"/>
+                <a:ea typeface="+mn-ea"/>
+                <a:cs typeface="+mn-cs"/>
+              </a:defRPr>
+            </a:lvl7pPr>
+            <a:lvl8pPr marL="3200400" indent="0" algn="ctr" defTabSz="914400" rtl="0" eaLnBrk="1" latinLnBrk="0" hangingPunct="1">
+              <a:lnSpc>
+                <a:spcPct val="90000"/>
+              </a:lnSpc>
+              <a:spcBef>
+                <a:spcPts val="500"/>
+              </a:spcBef>
+              <a:buFont typeface="Arial" panose="020B0604020202020204" pitchFamily="34" charset="0"/>
+              <a:buNone/>
+              <a:defRPr sz="1600" kern="1200">
+                <a:solidFill>
+                  <a:schemeClr val="tx1"/>
+                </a:solidFill>
+                <a:latin typeface="+mn-lt"/>
+                <a:ea typeface="+mn-ea"/>
+                <a:cs typeface="+mn-cs"/>
+              </a:defRPr>
+            </a:lvl8pPr>
+            <a:lvl9pPr marL="3657600" indent="0" algn="ctr" defTabSz="914400" rtl="0" eaLnBrk="1" latinLnBrk="0" hangingPunct="1">
+              <a:lnSpc>
+                <a:spcPct val="90000"/>
+              </a:lnSpc>
+              <a:spcBef>
+                <a:spcPts val="500"/>
+              </a:spcBef>
+              <a:buFont typeface="Arial" panose="020B0604020202020204" pitchFamily="34" charset="0"/>
+              <a:buNone/>
+              <a:defRPr sz="1600" kern="1200">
+                <a:solidFill>
+                  <a:schemeClr val="tx1"/>
+                </a:solidFill>
+                <a:latin typeface="+mn-lt"/>
+                <a:ea typeface="+mn-ea"/>
+                <a:cs typeface="+mn-cs"/>
+              </a:defRPr>
+            </a:lvl9pPr>
+          </a:lstStyle>
+          <a:p>
+            <a:pPr marL="342900" indent="-342900" algn="just">
               <a:lnSpc>
                 <a:spcPct val="120000"/>
               </a:lnSpc>
               <a:spcBef>
                 <a:spcPts val="1200"/>
               </a:spcBef>
-              <a:spcAft>
-                <a:spcPts val="0"/>
-              </a:spcAft>
               <a:buFont typeface="Wingdings" panose="05000000000000000000" pitchFamily="2" charset="2"/>
               <a:buChar char=""/>
             </a:pPr>
@@ -27361,36 +28718,17 @@
                 <a:ea typeface="Calibri" panose="020F0502020204030204" pitchFamily="34" charset="0"/>
                 <a:cs typeface="Times New Roman" panose="02020603050405020304" pitchFamily="18" charset="0"/>
               </a:rPr>
-              <a:t>Hiểu biết rõ về th</a:t>
-            </a:r>
-            <a:r>
-              <a:rPr lang="vi-VN">
-                <a:latin typeface="Times New Roman" panose="02020603050405020304" pitchFamily="18" charset="0"/>
-                <a:ea typeface="Calibri" panose="020F0502020204030204" pitchFamily="34" charset="0"/>
-                <a:cs typeface="Times New Roman" panose="02020603050405020304" pitchFamily="18" charset="0"/>
-              </a:rPr>
-              <a:t>ư</a:t>
-            </a:r>
-            <a:r>
-              <a:rPr lang="en-US">
-                <a:latin typeface="Times New Roman" panose="02020603050405020304" pitchFamily="18" charset="0"/>
-                <a:ea typeface="Calibri" panose="020F0502020204030204" pitchFamily="34" charset="0"/>
-                <a:cs typeface="Times New Roman" panose="02020603050405020304" pitchFamily="18" charset="0"/>
-              </a:rPr>
-              <a:t>ơng mại điện tử</a:t>
+              <a:t>Tìm hiểu, khảo sát nhu cầu khách hàng và doanh nghiệp</a:t>
             </a:r>
           </a:p>
           <a:p>
-            <a:pPr marL="342900" marR="0" lvl="0" indent="-342900" algn="just">
+            <a:pPr marL="342900" indent="-342900" algn="just">
               <a:lnSpc>
                 <a:spcPct val="120000"/>
               </a:lnSpc>
               <a:spcBef>
                 <a:spcPts val="1200"/>
               </a:spcBef>
-              <a:spcAft>
-                <a:spcPts val="0"/>
-              </a:spcAft>
               <a:buFont typeface="Wingdings" panose="05000000000000000000" pitchFamily="2" charset="2"/>
               <a:buChar char=""/>
             </a:pPr>
@@ -27400,20 +28738,17 @@
                 <a:ea typeface="Calibri" panose="020F0502020204030204" pitchFamily="34" charset="0"/>
                 <a:cs typeface="Times New Roman" panose="02020603050405020304" pitchFamily="18" charset="0"/>
               </a:rPr>
-              <a:t>Nghiệp vụ của một website thương mại điện tử</a:t>
+              <a:t>Tìm hiểu, thống kê về thương mại điện tử</a:t>
             </a:r>
           </a:p>
           <a:p>
-            <a:pPr marL="342900" marR="0" lvl="0" indent="-342900" algn="just">
+            <a:pPr marL="342900" indent="-342900" algn="just">
               <a:lnSpc>
                 <a:spcPct val="120000"/>
               </a:lnSpc>
               <a:spcBef>
                 <a:spcPts val="1200"/>
               </a:spcBef>
-              <a:spcAft>
-                <a:spcPts val="0"/>
-              </a:spcAft>
               <a:buFont typeface="Wingdings" panose="05000000000000000000" pitchFamily="2" charset="2"/>
               <a:buChar char=""/>
             </a:pPr>
@@ -27423,11 +28758,51 @@
                 <a:ea typeface="Calibri" panose="020F0502020204030204" pitchFamily="34" charset="0"/>
                 <a:cs typeface="Times New Roman" panose="02020603050405020304" pitchFamily="18" charset="0"/>
               </a:rPr>
-              <a:t>Xây dựng một website nói chung, website thương mại điện tử nói riêng</a:t>
+              <a:t>Phân tích chức năng, yêu cầu</a:t>
             </a:r>
           </a:p>
           <a:p>
-            <a:pPr marL="342900" marR="0" lvl="0" indent="-342900" algn="just">
+            <a:pPr marL="342900" indent="-342900" algn="just">
+              <a:lnSpc>
+                <a:spcPct val="120000"/>
+              </a:lnSpc>
+              <a:spcBef>
+                <a:spcPts val="1200"/>
+              </a:spcBef>
+              <a:buFont typeface="Wingdings" panose="05000000000000000000" pitchFamily="2" charset="2"/>
+              <a:buChar char=""/>
+            </a:pPr>
+            <a:r>
+              <a:rPr lang="en-US">
+                <a:latin typeface="Times New Roman" panose="02020603050405020304" pitchFamily="18" charset="0"/>
+                <a:ea typeface="Calibri" panose="020F0502020204030204" pitchFamily="34" charset="0"/>
+                <a:cs typeface="Times New Roman" panose="02020603050405020304" pitchFamily="18" charset="0"/>
+              </a:rPr>
+              <a:t>Lựa chọn công nghệ, các phần mềm và công cụ xây dựng website</a:t>
+            </a:r>
+          </a:p>
+          <a:p>
+            <a:pPr marL="342900" indent="-342900" algn="just">
+              <a:lnSpc>
+                <a:spcPct val="120000"/>
+              </a:lnSpc>
+              <a:spcBef>
+                <a:spcPts val="1200"/>
+              </a:spcBef>
+              <a:buFont typeface="Wingdings" panose="05000000000000000000" pitchFamily="2" charset="2"/>
+              <a:buChar char=""/>
+            </a:pPr>
+            <a:r>
+              <a:rPr lang="en-US">
+                <a:latin typeface="Times New Roman" panose="02020603050405020304" pitchFamily="18" charset="0"/>
+                <a:ea typeface="Calibri" panose="020F0502020204030204" pitchFamily="34" charset="0"/>
+                <a:cs typeface="Times New Roman" panose="02020603050405020304" pitchFamily="18" charset="0"/>
+              </a:rPr>
+              <a:t>Tìm hiểu các công thức, thuật toán của hệ thống gợi ý</a:t>
+            </a:r>
+          </a:p>
+          <a:p>
+            <a:pPr marL="342900" indent="-342900" algn="just">
               <a:lnSpc>
                 <a:spcPct val="120000"/>
               </a:lnSpc>
@@ -27446,57 +28821,11 @@
                 <a:ea typeface="Calibri" panose="020F0502020204030204" pitchFamily="34" charset="0"/>
                 <a:cs typeface="Times New Roman" panose="02020603050405020304" pitchFamily="18" charset="0"/>
               </a:rPr>
-              <a:t>Nghiên cứu và triển khai hệ thống gợi ý</a:t>
+              <a:t>Tiến hành xây dựng và triển khai</a:t>
             </a:r>
           </a:p>
           <a:p>
-            <a:pPr marL="342900" marR="0" lvl="0" indent="-342900" algn="just">
-              <a:lnSpc>
-                <a:spcPct val="120000"/>
-              </a:lnSpc>
-              <a:spcBef>
-                <a:spcPts val="1200"/>
-              </a:spcBef>
-              <a:spcAft>
-                <a:spcPts val="300"/>
-              </a:spcAft>
-              <a:buFont typeface="Wingdings" panose="05000000000000000000" pitchFamily="2" charset="2"/>
-              <a:buChar char=""/>
-            </a:pPr>
-            <a:r>
-              <a:rPr lang="en-US">
-                <a:latin typeface="Times New Roman" panose="02020603050405020304" pitchFamily="18" charset="0"/>
-                <a:ea typeface="Calibri" panose="020F0502020204030204" pitchFamily="34" charset="0"/>
-                <a:cs typeface="Times New Roman" panose="02020603050405020304" pitchFamily="18" charset="0"/>
-              </a:rPr>
-              <a:t>Áp dụng kiến thức đã học vào thực tế</a:t>
-            </a:r>
-          </a:p>
-          <a:p>
-            <a:pPr marL="342900" marR="0" lvl="0" indent="-342900" algn="just">
-              <a:lnSpc>
-                <a:spcPct val="120000"/>
-              </a:lnSpc>
-              <a:spcBef>
-                <a:spcPts val="1200"/>
-              </a:spcBef>
-              <a:spcAft>
-                <a:spcPts val="300"/>
-              </a:spcAft>
-              <a:buFont typeface="Wingdings" panose="05000000000000000000" pitchFamily="2" charset="2"/>
-              <a:buChar char=""/>
-            </a:pPr>
-            <a:r>
-              <a:rPr lang="en-US">
-                <a:latin typeface="Times New Roman" panose="02020603050405020304" pitchFamily="18" charset="0"/>
-                <a:ea typeface="Calibri" panose="020F0502020204030204" pitchFamily="34" charset="0"/>
-                <a:cs typeface="Times New Roman" panose="02020603050405020304" pitchFamily="18" charset="0"/>
-              </a:rPr>
-              <a:t>…</a:t>
-            </a:r>
-          </a:p>
-          <a:p>
-            <a:pPr marL="342900" marR="0" lvl="0" indent="-342900" algn="just">
+            <a:pPr algn="just">
               <a:lnSpc>
                 <a:spcPct val="120000"/>
               </a:lnSpc>
@@ -27506,8 +28835,6 @@
               <a:spcAft>
                 <a:spcPts val="300"/>
               </a:spcAft>
-              <a:buFont typeface="Wingdings" panose="05000000000000000000" pitchFamily="2" charset="2"/>
-              <a:buChar char=""/>
             </a:pPr>
             <a:endParaRPr lang="en-US">
               <a:latin typeface="Times New Roman" panose="02020603050405020304" pitchFamily="18" charset="0"/>
@@ -27527,17 +28854,231 @@
     </p:spTree>
     <p:extLst>
       <p:ext uri="{BB962C8B-B14F-4D97-AF65-F5344CB8AC3E}">
-        <p14:creationId xmlns:p14="http://schemas.microsoft.com/office/powerpoint/2010/main" val="1315322116"/>
+        <p14:creationId xmlns:p14="http://schemas.microsoft.com/office/powerpoint/2010/main" val="640941919"/>
       </p:ext>
     </p:extLst>
   </p:cSld>
   <p:clrMapOvr>
     <a:masterClrMapping/>
   </p:clrMapOvr>
+  <p:timing>
+    <p:tnLst>
+      <p:par>
+        <p:cTn id="1" dur="indefinite" restart="never" nodeType="tmRoot">
+          <p:childTnLst>
+            <p:seq concurrent="1" nextAc="seek">
+              <p:cTn id="2" dur="indefinite" nodeType="mainSeq">
+                <p:childTnLst>
+                  <p:par>
+                    <p:cTn id="3" fill="hold">
+                      <p:stCondLst>
+                        <p:cond delay="indefinite"/>
+                        <p:cond evt="onBegin" delay="0">
+                          <p:tn val="2"/>
+                        </p:cond>
+                      </p:stCondLst>
+                      <p:childTnLst>
+                        <p:par>
+                          <p:cTn id="4" fill="hold">
+                            <p:stCondLst>
+                              <p:cond delay="0"/>
+                            </p:stCondLst>
+                            <p:childTnLst>
+                              <p:par>
+                                <p:cTn id="5" presetID="10" presetClass="entr" presetSubtype="0" fill="hold" grpId="0" nodeType="withEffect">
+                                  <p:stCondLst>
+                                    <p:cond delay="0"/>
+                                  </p:stCondLst>
+                                  <p:childTnLst>
+                                    <p:set>
+                                      <p:cBhvr>
+                                        <p:cTn id="6" dur="1" fill="hold">
+                                          <p:stCondLst>
+                                            <p:cond delay="0"/>
+                                          </p:stCondLst>
+                                        </p:cTn>
+                                        <p:tgtEl>
+                                          <p:spTgt spid="18">
+                                            <p:txEl>
+                                              <p:pRg st="0" end="0"/>
+                                            </p:txEl>
+                                          </p:spTgt>
+                                        </p:tgtEl>
+                                        <p:attrNameLst>
+                                          <p:attrName>style.visibility</p:attrName>
+                                        </p:attrNameLst>
+                                      </p:cBhvr>
+                                      <p:to>
+                                        <p:strVal val="visible"/>
+                                      </p:to>
+                                    </p:set>
+                                    <p:animEffect transition="in" filter="fade">
+                                      <p:cBhvr>
+                                        <p:cTn id="7" dur="500"/>
+                                        <p:tgtEl>
+                                          <p:spTgt spid="18">
+                                            <p:txEl>
+                                              <p:pRg st="0" end="0"/>
+                                            </p:txEl>
+                                          </p:spTgt>
+                                        </p:tgtEl>
+                                      </p:cBhvr>
+                                    </p:animEffect>
+                                  </p:childTnLst>
+                                </p:cTn>
+                              </p:par>
+                              <p:par>
+                                <p:cTn id="8" presetID="10" presetClass="entr" presetSubtype="0" fill="hold" nodeType="withEffect">
+                                  <p:stCondLst>
+                                    <p:cond delay="0"/>
+                                  </p:stCondLst>
+                                  <p:childTnLst>
+                                    <p:set>
+                                      <p:cBhvr>
+                                        <p:cTn id="9" dur="1" fill="hold">
+                                          <p:stCondLst>
+                                            <p:cond delay="0"/>
+                                          </p:stCondLst>
+                                        </p:cTn>
+                                        <p:tgtEl>
+                                          <p:spTgt spid="3"/>
+                                        </p:tgtEl>
+                                        <p:attrNameLst>
+                                          <p:attrName>style.visibility</p:attrName>
+                                        </p:attrNameLst>
+                                      </p:cBhvr>
+                                      <p:to>
+                                        <p:strVal val="visible"/>
+                                      </p:to>
+                                    </p:set>
+                                    <p:animEffect transition="in" filter="fade">
+                                      <p:cBhvr>
+                                        <p:cTn id="10" dur="500"/>
+                                        <p:tgtEl>
+                                          <p:spTgt spid="3"/>
+                                        </p:tgtEl>
+                                      </p:cBhvr>
+                                    </p:animEffect>
+                                  </p:childTnLst>
+                                </p:cTn>
+                              </p:par>
+                              <p:par>
+                                <p:cTn id="11" presetID="42" presetClass="entr" presetSubtype="0" fill="hold" grpId="0" nodeType="withEffect">
+                                  <p:stCondLst>
+                                    <p:cond delay="500"/>
+                                  </p:stCondLst>
+                                  <p:childTnLst>
+                                    <p:set>
+                                      <p:cBhvr>
+                                        <p:cTn id="12" dur="1" fill="hold">
+                                          <p:stCondLst>
+                                            <p:cond delay="0"/>
+                                          </p:stCondLst>
+                                        </p:cTn>
+                                        <p:tgtEl>
+                                          <p:spTgt spid="14"/>
+                                        </p:tgtEl>
+                                        <p:attrNameLst>
+                                          <p:attrName>style.visibility</p:attrName>
+                                        </p:attrNameLst>
+                                      </p:cBhvr>
+                                      <p:to>
+                                        <p:strVal val="visible"/>
+                                      </p:to>
+                                    </p:set>
+                                    <p:animEffect transition="in" filter="fade">
+                                      <p:cBhvr>
+                                        <p:cTn id="13" dur="1000"/>
+                                        <p:tgtEl>
+                                          <p:spTgt spid="14"/>
+                                        </p:tgtEl>
+                                      </p:cBhvr>
+                                    </p:animEffect>
+                                    <p:anim calcmode="lin" valueType="num">
+                                      <p:cBhvr>
+                                        <p:cTn id="14" dur="1000" fill="hold"/>
+                                        <p:tgtEl>
+                                          <p:spTgt spid="14"/>
+                                        </p:tgtEl>
+                                        <p:attrNameLst>
+                                          <p:attrName>ppt_x</p:attrName>
+                                        </p:attrNameLst>
+                                      </p:cBhvr>
+                                      <p:tavLst>
+                                        <p:tav tm="0">
+                                          <p:val>
+                                            <p:strVal val="#ppt_x"/>
+                                          </p:val>
+                                        </p:tav>
+                                        <p:tav tm="100000">
+                                          <p:val>
+                                            <p:strVal val="#ppt_x"/>
+                                          </p:val>
+                                        </p:tav>
+                                      </p:tavLst>
+                                    </p:anim>
+                                    <p:anim calcmode="lin" valueType="num">
+                                      <p:cBhvr>
+                                        <p:cTn id="15" dur="1000" fill="hold"/>
+                                        <p:tgtEl>
+                                          <p:spTgt spid="14"/>
+                                        </p:tgtEl>
+                                        <p:attrNameLst>
+                                          <p:attrName>ppt_y</p:attrName>
+                                        </p:attrNameLst>
+                                      </p:cBhvr>
+                                      <p:tavLst>
+                                        <p:tav tm="0">
+                                          <p:val>
+                                            <p:strVal val="#ppt_y+.1"/>
+                                          </p:val>
+                                        </p:tav>
+                                        <p:tav tm="100000">
+                                          <p:val>
+                                            <p:strVal val="#ppt_y"/>
+                                          </p:val>
+                                        </p:tav>
+                                      </p:tavLst>
+                                    </p:anim>
+                                  </p:childTnLst>
+                                </p:cTn>
+                              </p:par>
+                            </p:childTnLst>
+                          </p:cTn>
+                        </p:par>
+                      </p:childTnLst>
+                    </p:cTn>
+                  </p:par>
+                </p:childTnLst>
+              </p:cTn>
+              <p:prevCondLst>
+                <p:cond evt="onPrev" delay="0">
+                  <p:tgtEl>
+                    <p:sldTgt/>
+                  </p:tgtEl>
+                </p:cond>
+              </p:prevCondLst>
+              <p:nextCondLst>
+                <p:cond evt="onNext" delay="0">
+                  <p:tgtEl>
+                    <p:sldTgt/>
+                  </p:tgtEl>
+                </p:cond>
+              </p:nextCondLst>
+            </p:seq>
+          </p:childTnLst>
+        </p:cTn>
+      </p:par>
+    </p:tnLst>
+    <p:bldLst>
+      <p:bldP spid="18" grpId="0" build="p"/>
+      <p:bldP spid="14" grpId="0"/>
+    </p:bldLst>
+  </p:timing>
 </p:sld>
 </file>
 
-<file path=ppt/slides/slide4.xml><?xml version="1.0" encoding="utf-8"?>
+<file path=ppt/slides/slide5.xml><?xml version="1.0" encoding="utf-8"?>
 <p:sld xmlns:a="http://schemas.openxmlformats.org/drawingml/2006/main" xmlns:r="http://schemas.openxmlformats.org/officeDocument/2006/relationships" xmlns:p="http://schemas.openxmlformats.org/presentationml/2006/main">
   <p:cSld>
     <p:spTree>
@@ -27948,27 +29489,7 @@
                 <a:latin typeface="Times New Roman" panose="02020603050405020304" pitchFamily="18" charset="0"/>
                 <a:cs typeface="Times New Roman" panose="02020603050405020304" pitchFamily="18" charset="0"/>
               </a:rPr>
-              <a:t>MỤC TIÊU – PH</a:t>
-            </a:r>
-            <a:r>
-              <a:rPr lang="vi-VN" sz="4000" b="1">
-                <a:solidFill>
-                  <a:srgbClr val="FFFFFF"/>
-                </a:solidFill>
-                <a:latin typeface="Times New Roman" panose="02020603050405020304" pitchFamily="18" charset="0"/>
-                <a:cs typeface="Times New Roman" panose="02020603050405020304" pitchFamily="18" charset="0"/>
-              </a:rPr>
-              <a:t>Ư</a:t>
-            </a:r>
-            <a:r>
-              <a:rPr lang="en-US" sz="4000" b="1">
-                <a:solidFill>
-                  <a:srgbClr val="FFFFFF"/>
-                </a:solidFill>
-                <a:latin typeface="Times New Roman" panose="02020603050405020304" pitchFamily="18" charset="0"/>
-                <a:cs typeface="Times New Roman" panose="02020603050405020304" pitchFamily="18" charset="0"/>
-              </a:rPr>
-              <a:t>ƠNG PHÁP</a:t>
+              <a:t>  VẤN ĐỀ NGHIÊN CỨU</a:t>
             </a:r>
           </a:p>
         </p:txBody>
@@ -28073,53 +29594,17 @@
                 <a:latin typeface="Times New Roman" panose="02020603050405020304" pitchFamily="18" charset="0"/>
                 <a:cs typeface="Times New Roman" panose="02020603050405020304" pitchFamily="18" charset="0"/>
               </a:rPr>
-              <a:t>1</a:t>
+              <a:t>2</a:t>
             </a:r>
           </a:p>
         </p:txBody>
       </p:sp>
-      <p:pic>
-        <p:nvPicPr>
-          <p:cNvPr id="12" name="Picture 11">
-            <a:extLst>
-              <a:ext uri="{FF2B5EF4-FFF2-40B4-BE49-F238E27FC236}">
-                <a16:creationId xmlns:a16="http://schemas.microsoft.com/office/drawing/2014/main" id="{B1DACC92-1D90-44F7-9DD6-EA042AC9767C}"/>
-              </a:ext>
-            </a:extLst>
-          </p:cNvPr>
-          <p:cNvPicPr>
-            <a:picLocks noChangeAspect="1"/>
-          </p:cNvPicPr>
-          <p:nvPr/>
-        </p:nvPicPr>
-        <p:blipFill>
-          <a:blip r:embed="rId3">
-            <a:extLst>
-              <a:ext uri="{28A0092B-C50C-407E-A947-70E740481C1C}">
-                <a14:useLocalDpi xmlns:a14="http://schemas.microsoft.com/office/drawing/2010/main" val="0"/>
-              </a:ext>
-            </a:extLst>
-          </a:blip>
-          <a:stretch>
-            <a:fillRect/>
-          </a:stretch>
-        </p:blipFill>
-        <p:spPr>
-          <a:xfrm>
-            <a:off x="10178549" y="5895244"/>
-            <a:ext cx="1880931" cy="830236"/>
-          </a:xfrm>
-          <a:prstGeom prst="rect">
-            <a:avLst/>
-          </a:prstGeom>
-        </p:spPr>
-      </p:pic>
       <p:sp>
         <p:nvSpPr>
-          <p:cNvPr id="18" name="Subtitle 5">
+          <p:cNvPr id="6" name="Subtitle 5">
             <a:extLst>
               <a:ext uri="{FF2B5EF4-FFF2-40B4-BE49-F238E27FC236}">
-                <a16:creationId xmlns:a16="http://schemas.microsoft.com/office/drawing/2014/main" id="{3C2F89B2-F80D-429F-B9D7-DC24BC508989}"/>
+                <a16:creationId xmlns:a16="http://schemas.microsoft.com/office/drawing/2014/main" id="{DF481779-8EC9-4D52-BFEF-38319E90D5C7}"/>
               </a:ext>
             </a:extLst>
           </p:cNvPr>
@@ -28133,7 +29618,7 @@
         <p:spPr>
           <a:xfrm>
             <a:off x="1088058" y="1617140"/>
-            <a:ext cx="7512603" cy="4664390"/>
+            <a:ext cx="10015883" cy="4035362"/>
           </a:xfrm>
         </p:spPr>
         <p:txBody>
@@ -28151,7 +29636,7 @@
                 <a:latin typeface="Times New Roman" panose="02020603050405020304" pitchFamily="18" charset="0"/>
                 <a:cs typeface="Times New Roman" panose="02020603050405020304" pitchFamily="18" charset="0"/>
               </a:rPr>
-              <a:t>1.2 Ph</a:t>
+              <a:t>2.1 Th</a:t>
             </a:r>
             <a:r>
               <a:rPr lang="vi-VN" sz="3200" b="1">
@@ -28171,164 +29656,8 @@
                 <a:latin typeface="Times New Roman" panose="02020603050405020304" pitchFamily="18" charset="0"/>
                 <a:cs typeface="Times New Roman" panose="02020603050405020304" pitchFamily="18" charset="0"/>
               </a:rPr>
-              <a:t>ơng pháp nghiên cứu</a:t>
+              <a:t>ơng mại điện tử</a:t>
             </a:r>
-          </a:p>
-          <a:p>
-            <a:pPr marL="342900" marR="0" lvl="0" indent="-342900" algn="just">
-              <a:lnSpc>
-                <a:spcPct val="120000"/>
-              </a:lnSpc>
-              <a:spcBef>
-                <a:spcPts val="1200"/>
-              </a:spcBef>
-              <a:spcAft>
-                <a:spcPts val="0"/>
-              </a:spcAft>
-              <a:buFont typeface="Wingdings" panose="05000000000000000000" pitchFamily="2" charset="2"/>
-              <a:buChar char=""/>
-            </a:pPr>
-            <a:r>
-              <a:rPr lang="en-US">
-                <a:latin typeface="Times New Roman" panose="02020603050405020304" pitchFamily="18" charset="0"/>
-                <a:ea typeface="Calibri" panose="020F0502020204030204" pitchFamily="34" charset="0"/>
-                <a:cs typeface="Times New Roman" panose="02020603050405020304" pitchFamily="18" charset="0"/>
-              </a:rPr>
-              <a:t>Tìm hiểu, khảo sát nhu cầu khách hàng và doanh nghiệp</a:t>
-            </a:r>
-          </a:p>
-          <a:p>
-            <a:pPr marL="342900" marR="0" lvl="0" indent="-342900" algn="just">
-              <a:lnSpc>
-                <a:spcPct val="120000"/>
-              </a:lnSpc>
-              <a:spcBef>
-                <a:spcPts val="1200"/>
-              </a:spcBef>
-              <a:spcAft>
-                <a:spcPts val="0"/>
-              </a:spcAft>
-              <a:buFont typeface="Wingdings" panose="05000000000000000000" pitchFamily="2" charset="2"/>
-              <a:buChar char=""/>
-            </a:pPr>
-            <a:r>
-              <a:rPr lang="en-US">
-                <a:latin typeface="Times New Roman" panose="02020603050405020304" pitchFamily="18" charset="0"/>
-                <a:ea typeface="Calibri" panose="020F0502020204030204" pitchFamily="34" charset="0"/>
-                <a:cs typeface="Times New Roman" panose="02020603050405020304" pitchFamily="18" charset="0"/>
-              </a:rPr>
-              <a:t>Tìm hiểu, thống kê về thương mại điện tử</a:t>
-            </a:r>
-          </a:p>
-          <a:p>
-            <a:pPr marL="342900" marR="0" lvl="0" indent="-342900" algn="just">
-              <a:lnSpc>
-                <a:spcPct val="120000"/>
-              </a:lnSpc>
-              <a:spcBef>
-                <a:spcPts val="1200"/>
-              </a:spcBef>
-              <a:spcAft>
-                <a:spcPts val="0"/>
-              </a:spcAft>
-              <a:buFont typeface="Wingdings" panose="05000000000000000000" pitchFamily="2" charset="2"/>
-              <a:buChar char=""/>
-            </a:pPr>
-            <a:r>
-              <a:rPr lang="en-US">
-                <a:latin typeface="Times New Roman" panose="02020603050405020304" pitchFamily="18" charset="0"/>
-                <a:ea typeface="Calibri" panose="020F0502020204030204" pitchFamily="34" charset="0"/>
-                <a:cs typeface="Times New Roman" panose="02020603050405020304" pitchFamily="18" charset="0"/>
-              </a:rPr>
-              <a:t>Phân tích chức năng, yêu cầu</a:t>
-            </a:r>
-          </a:p>
-          <a:p>
-            <a:pPr marL="342900" marR="0" lvl="0" indent="-342900" algn="just">
-              <a:lnSpc>
-                <a:spcPct val="120000"/>
-              </a:lnSpc>
-              <a:spcBef>
-                <a:spcPts val="1200"/>
-              </a:spcBef>
-              <a:spcAft>
-                <a:spcPts val="0"/>
-              </a:spcAft>
-              <a:buFont typeface="Wingdings" panose="05000000000000000000" pitchFamily="2" charset="2"/>
-              <a:buChar char=""/>
-            </a:pPr>
-            <a:r>
-              <a:rPr lang="en-US">
-                <a:latin typeface="Times New Roman" panose="02020603050405020304" pitchFamily="18" charset="0"/>
-                <a:ea typeface="Calibri" panose="020F0502020204030204" pitchFamily="34" charset="0"/>
-                <a:cs typeface="Times New Roman" panose="02020603050405020304" pitchFamily="18" charset="0"/>
-              </a:rPr>
-              <a:t>Lựa chọn công nghệ, các phần mềm và công cụ xây dựng website</a:t>
-            </a:r>
-          </a:p>
-          <a:p>
-            <a:pPr marL="342900" marR="0" lvl="0" indent="-342900" algn="just">
-              <a:lnSpc>
-                <a:spcPct val="120000"/>
-              </a:lnSpc>
-              <a:spcBef>
-                <a:spcPts val="1200"/>
-              </a:spcBef>
-              <a:spcAft>
-                <a:spcPts val="0"/>
-              </a:spcAft>
-              <a:buFont typeface="Wingdings" panose="05000000000000000000" pitchFamily="2" charset="2"/>
-              <a:buChar char=""/>
-            </a:pPr>
-            <a:r>
-              <a:rPr lang="en-US">
-                <a:latin typeface="Times New Roman" panose="02020603050405020304" pitchFamily="18" charset="0"/>
-                <a:ea typeface="Calibri" panose="020F0502020204030204" pitchFamily="34" charset="0"/>
-                <a:cs typeface="Times New Roman" panose="02020603050405020304" pitchFamily="18" charset="0"/>
-              </a:rPr>
-              <a:t>Tìm hiểu các công thức, thuật toán của hệ thống gợi ý</a:t>
-            </a:r>
-          </a:p>
-          <a:p>
-            <a:pPr marL="342900" marR="0" lvl="0" indent="-342900" algn="just">
-              <a:lnSpc>
-                <a:spcPct val="120000"/>
-              </a:lnSpc>
-              <a:spcBef>
-                <a:spcPts val="1200"/>
-              </a:spcBef>
-              <a:spcAft>
-                <a:spcPts val="300"/>
-              </a:spcAft>
-              <a:buFont typeface="Wingdings" panose="05000000000000000000" pitchFamily="2" charset="2"/>
-              <a:buChar char=""/>
-            </a:pPr>
-            <a:r>
-              <a:rPr lang="en-US">
-                <a:latin typeface="Times New Roman" panose="02020603050405020304" pitchFamily="18" charset="0"/>
-                <a:ea typeface="Calibri" panose="020F0502020204030204" pitchFamily="34" charset="0"/>
-                <a:cs typeface="Times New Roman" panose="02020603050405020304" pitchFamily="18" charset="0"/>
-              </a:rPr>
-              <a:t>Tiến hành xây dựng và triển khai</a:t>
-            </a:r>
-          </a:p>
-          <a:p>
-            <a:pPr marR="0" lvl="0" algn="just">
-              <a:lnSpc>
-                <a:spcPct val="120000"/>
-              </a:lnSpc>
-              <a:spcBef>
-                <a:spcPts val="0"/>
-              </a:spcBef>
-              <a:spcAft>
-                <a:spcPts val="300"/>
-              </a:spcAft>
-            </a:pPr>
-            <a:endParaRPr lang="en-US">
-              <a:latin typeface="Times New Roman" panose="02020603050405020304" pitchFamily="18" charset="0"/>
-              <a:ea typeface="Calibri" panose="020F0502020204030204" pitchFamily="34" charset="0"/>
-              <a:cs typeface="Times New Roman" panose="02020603050405020304" pitchFamily="18" charset="0"/>
-            </a:endParaRPr>
           </a:p>
           <a:p>
             <a:pPr algn="l"/>
@@ -28341,10 +29670,46 @@
       </p:sp>
       <p:pic>
         <p:nvPicPr>
-          <p:cNvPr id="3" name="Picture 2">
+          <p:cNvPr id="11" name="Picture 10">
             <a:extLst>
               <a:ext uri="{FF2B5EF4-FFF2-40B4-BE49-F238E27FC236}">
-                <a16:creationId xmlns:a16="http://schemas.microsoft.com/office/drawing/2014/main" id="{7E77669B-FC4D-4E69-91FC-1BFCDD7F2FC2}"/>
+                <a16:creationId xmlns:a16="http://schemas.microsoft.com/office/drawing/2014/main" id="{CFFB2BD5-8702-44A8-9B27-30B0276A2B9D}"/>
+              </a:ext>
+            </a:extLst>
+          </p:cNvPr>
+          <p:cNvPicPr>
+            <a:picLocks noChangeAspect="1"/>
+          </p:cNvPicPr>
+          <p:nvPr/>
+        </p:nvPicPr>
+        <p:blipFill>
+          <a:blip r:embed="rId3">
+            <a:extLst>
+              <a:ext uri="{28A0092B-C50C-407E-A947-70E740481C1C}">
+                <a14:useLocalDpi xmlns:a14="http://schemas.microsoft.com/office/drawing/2010/main" val="0"/>
+              </a:ext>
+            </a:extLst>
+          </a:blip>
+          <a:stretch>
+            <a:fillRect/>
+          </a:stretch>
+        </p:blipFill>
+        <p:spPr>
+          <a:xfrm>
+            <a:off x="1277100" y="2305878"/>
+            <a:ext cx="9614739" cy="3388818"/>
+          </a:xfrm>
+          <a:prstGeom prst="rect">
+            <a:avLst/>
+          </a:prstGeom>
+        </p:spPr>
+      </p:pic>
+      <p:pic>
+        <p:nvPicPr>
+          <p:cNvPr id="24" name="Picture 23">
+            <a:extLst>
+              <a:ext uri="{FF2B5EF4-FFF2-40B4-BE49-F238E27FC236}">
+                <a16:creationId xmlns:a16="http://schemas.microsoft.com/office/drawing/2014/main" id="{792EDE49-FE9C-47F5-BDCB-2203544E5C77}"/>
               </a:ext>
             </a:extLst>
           </p:cNvPr>
@@ -28367,8 +29732,38 @@
         </p:blipFill>
         <p:spPr>
           <a:xfrm>
-            <a:off x="8727927" y="2608441"/>
-            <a:ext cx="2901243" cy="2681788"/>
+            <a:off x="10178549" y="5895244"/>
+            <a:ext cx="1880931" cy="830236"/>
+          </a:xfrm>
+          <a:prstGeom prst="rect">
+            <a:avLst/>
+          </a:prstGeom>
+        </p:spPr>
+      </p:pic>
+      <p:pic>
+        <p:nvPicPr>
+          <p:cNvPr id="2" name="Picture 1">
+            <a:extLst>
+              <a:ext uri="{FF2B5EF4-FFF2-40B4-BE49-F238E27FC236}">
+                <a16:creationId xmlns:a16="http://schemas.microsoft.com/office/drawing/2014/main" id="{2AC0478B-26CE-4E92-BF99-90C16BD0D423}"/>
+              </a:ext>
+            </a:extLst>
+          </p:cNvPr>
+          <p:cNvPicPr>
+            <a:picLocks noChangeAspect="1"/>
+          </p:cNvPicPr>
+          <p:nvPr/>
+        </p:nvPicPr>
+        <p:blipFill>
+          <a:blip r:embed="rId5"/>
+          <a:stretch>
+            <a:fillRect/>
+          </a:stretch>
+        </p:blipFill>
+        <p:spPr>
+          <a:xfrm>
+            <a:off x="1271517" y="2321455"/>
+            <a:ext cx="9620322" cy="3426249"/>
           </a:xfrm>
           <a:prstGeom prst="rect">
             <a:avLst/>
@@ -28378,17 +29773,233 @@
     </p:spTree>
     <p:extLst>
       <p:ext uri="{BB962C8B-B14F-4D97-AF65-F5344CB8AC3E}">
-        <p14:creationId xmlns:p14="http://schemas.microsoft.com/office/powerpoint/2010/main" val="640941919"/>
+        <p14:creationId xmlns:p14="http://schemas.microsoft.com/office/powerpoint/2010/main" val="3285155650"/>
       </p:ext>
     </p:extLst>
   </p:cSld>
   <p:clrMapOvr>
     <a:masterClrMapping/>
   </p:clrMapOvr>
+  <p:transition spd="slow">
+    <p:push dir="u"/>
+  </p:transition>
+  <p:timing>
+    <p:tnLst>
+      <p:par>
+        <p:cTn id="1" dur="indefinite" restart="never" nodeType="tmRoot">
+          <p:childTnLst>
+            <p:seq concurrent="1" nextAc="seek">
+              <p:cTn id="2" dur="indefinite" nodeType="mainSeq">
+                <p:childTnLst>
+                  <p:par>
+                    <p:cTn id="3" fill="hold">
+                      <p:stCondLst>
+                        <p:cond delay="indefinite"/>
+                        <p:cond evt="onBegin" delay="0">
+                          <p:tn val="2"/>
+                        </p:cond>
+                      </p:stCondLst>
+                      <p:childTnLst>
+                        <p:par>
+                          <p:cTn id="4" fill="hold">
+                            <p:stCondLst>
+                              <p:cond delay="0"/>
+                            </p:stCondLst>
+                            <p:childTnLst>
+                              <p:par>
+                                <p:cTn id="5" presetID="42" presetClass="entr" presetSubtype="0" fill="hold" nodeType="withEffect">
+                                  <p:stCondLst>
+                                    <p:cond delay="250"/>
+                                  </p:stCondLst>
+                                  <p:childTnLst>
+                                    <p:set>
+                                      <p:cBhvr>
+                                        <p:cTn id="6" dur="1" fill="hold">
+                                          <p:stCondLst>
+                                            <p:cond delay="0"/>
+                                          </p:stCondLst>
+                                        </p:cTn>
+                                        <p:tgtEl>
+                                          <p:spTgt spid="11"/>
+                                        </p:tgtEl>
+                                        <p:attrNameLst>
+                                          <p:attrName>style.visibility</p:attrName>
+                                        </p:attrNameLst>
+                                      </p:cBhvr>
+                                      <p:to>
+                                        <p:strVal val="visible"/>
+                                      </p:to>
+                                    </p:set>
+                                    <p:animEffect transition="in" filter="fade">
+                                      <p:cBhvr>
+                                        <p:cTn id="7" dur="500"/>
+                                        <p:tgtEl>
+                                          <p:spTgt spid="11"/>
+                                        </p:tgtEl>
+                                      </p:cBhvr>
+                                    </p:animEffect>
+                                    <p:anim calcmode="lin" valueType="num">
+                                      <p:cBhvr>
+                                        <p:cTn id="8" dur="500" fill="hold"/>
+                                        <p:tgtEl>
+                                          <p:spTgt spid="11"/>
+                                        </p:tgtEl>
+                                        <p:attrNameLst>
+                                          <p:attrName>ppt_x</p:attrName>
+                                        </p:attrNameLst>
+                                      </p:cBhvr>
+                                      <p:tavLst>
+                                        <p:tav tm="0">
+                                          <p:val>
+                                            <p:strVal val="#ppt_x"/>
+                                          </p:val>
+                                        </p:tav>
+                                        <p:tav tm="100000">
+                                          <p:val>
+                                            <p:strVal val="#ppt_x"/>
+                                          </p:val>
+                                        </p:tav>
+                                      </p:tavLst>
+                                    </p:anim>
+                                    <p:anim calcmode="lin" valueType="num">
+                                      <p:cBhvr>
+                                        <p:cTn id="9" dur="500" fill="hold"/>
+                                        <p:tgtEl>
+                                          <p:spTgt spid="11"/>
+                                        </p:tgtEl>
+                                        <p:attrNameLst>
+                                          <p:attrName>ppt_y</p:attrName>
+                                        </p:attrNameLst>
+                                      </p:cBhvr>
+                                      <p:tavLst>
+                                        <p:tav tm="0">
+                                          <p:val>
+                                            <p:strVal val="#ppt_y+.1"/>
+                                          </p:val>
+                                        </p:tav>
+                                        <p:tav tm="100000">
+                                          <p:val>
+                                            <p:strVal val="#ppt_y"/>
+                                          </p:val>
+                                        </p:tav>
+                                      </p:tavLst>
+                                    </p:anim>
+                                  </p:childTnLst>
+                                </p:cTn>
+                              </p:par>
+                              <p:par>
+                                <p:cTn id="10" presetID="42" presetClass="entr" presetSubtype="0" fill="hold" nodeType="withEffect">
+                                  <p:stCondLst>
+                                    <p:cond delay="2000"/>
+                                  </p:stCondLst>
+                                  <p:childTnLst>
+                                    <p:set>
+                                      <p:cBhvr>
+                                        <p:cTn id="11" dur="1" fill="hold">
+                                          <p:stCondLst>
+                                            <p:cond delay="0"/>
+                                          </p:stCondLst>
+                                        </p:cTn>
+                                        <p:tgtEl>
+                                          <p:spTgt spid="2"/>
+                                        </p:tgtEl>
+                                        <p:attrNameLst>
+                                          <p:attrName>style.visibility</p:attrName>
+                                        </p:attrNameLst>
+                                      </p:cBhvr>
+                                      <p:to>
+                                        <p:strVal val="visible"/>
+                                      </p:to>
+                                    </p:set>
+                                    <p:animEffect transition="in" filter="fade">
+                                      <p:cBhvr>
+                                        <p:cTn id="12" dur="500"/>
+                                        <p:tgtEl>
+                                          <p:spTgt spid="2"/>
+                                        </p:tgtEl>
+                                      </p:cBhvr>
+                                    </p:animEffect>
+                                    <p:anim calcmode="lin" valueType="num">
+                                      <p:cBhvr>
+                                        <p:cTn id="13" dur="500" fill="hold"/>
+                                        <p:tgtEl>
+                                          <p:spTgt spid="2"/>
+                                        </p:tgtEl>
+                                        <p:attrNameLst>
+                                          <p:attrName>ppt_x</p:attrName>
+                                        </p:attrNameLst>
+                                      </p:cBhvr>
+                                      <p:tavLst>
+                                        <p:tav tm="0">
+                                          <p:val>
+                                            <p:strVal val="#ppt_x"/>
+                                          </p:val>
+                                        </p:tav>
+                                        <p:tav tm="100000">
+                                          <p:val>
+                                            <p:strVal val="#ppt_x"/>
+                                          </p:val>
+                                        </p:tav>
+                                      </p:tavLst>
+                                    </p:anim>
+                                    <p:anim calcmode="lin" valueType="num">
+                                      <p:cBhvr>
+                                        <p:cTn id="14" dur="500" fill="hold"/>
+                                        <p:tgtEl>
+                                          <p:spTgt spid="2"/>
+                                        </p:tgtEl>
+                                        <p:attrNameLst>
+                                          <p:attrName>ppt_y</p:attrName>
+                                        </p:attrNameLst>
+                                      </p:cBhvr>
+                                      <p:tavLst>
+                                        <p:tav tm="0">
+                                          <p:val>
+                                            <p:strVal val="#ppt_y+.1"/>
+                                          </p:val>
+                                        </p:tav>
+                                        <p:tav tm="100000">
+                                          <p:val>
+                                            <p:strVal val="#ppt_y"/>
+                                          </p:val>
+                                        </p:tav>
+                                      </p:tavLst>
+                                    </p:anim>
+                                  </p:childTnLst>
+                                </p:cTn>
+                              </p:par>
+                            </p:childTnLst>
+                          </p:cTn>
+                        </p:par>
+                      </p:childTnLst>
+                    </p:cTn>
+                  </p:par>
+                </p:childTnLst>
+              </p:cTn>
+              <p:prevCondLst>
+                <p:cond evt="onPrev" delay="0">
+                  <p:tgtEl>
+                    <p:sldTgt/>
+                  </p:tgtEl>
+                </p:cond>
+              </p:prevCondLst>
+              <p:nextCondLst>
+                <p:cond evt="onNext" delay="0">
+                  <p:tgtEl>
+                    <p:sldTgt/>
+                  </p:tgtEl>
+                </p:cond>
+              </p:nextCondLst>
+            </p:seq>
+          </p:childTnLst>
+        </p:cTn>
+      </p:par>
+    </p:tnLst>
+  </p:timing>
 </p:sld>
 </file>
 
-<file path=ppt/slides/slide5.xml><?xml version="1.0" encoding="utf-8"?>
+<file path=ppt/slides/slide6.xml><?xml version="1.0" encoding="utf-8"?>
 <p:sld xmlns:a="http://schemas.openxmlformats.org/drawingml/2006/main" xmlns:r="http://schemas.openxmlformats.org/officeDocument/2006/relationships" xmlns:p="http://schemas.openxmlformats.org/presentationml/2006/main">
   <p:cSld>
     <p:spTree>
@@ -28927,7 +30538,7 @@
         </p:nvSpPr>
         <p:spPr>
           <a:xfrm>
-            <a:off x="1088058" y="1617140"/>
+            <a:off x="1088058" y="1614328"/>
             <a:ext cx="10015883" cy="4035362"/>
           </a:xfrm>
         </p:spPr>
@@ -28980,10 +30591,10 @@
       </p:sp>
       <p:pic>
         <p:nvPicPr>
-          <p:cNvPr id="11" name="Picture 10">
+          <p:cNvPr id="4" name="Picture 3">
             <a:extLst>
               <a:ext uri="{FF2B5EF4-FFF2-40B4-BE49-F238E27FC236}">
-                <a16:creationId xmlns:a16="http://schemas.microsoft.com/office/drawing/2014/main" id="{CFFB2BD5-8702-44A8-9B27-30B0276A2B9D}"/>
+                <a16:creationId xmlns:a16="http://schemas.microsoft.com/office/drawing/2014/main" id="{FFAFA696-7F45-4C6B-962B-66E6EC78A980}"/>
               </a:ext>
             </a:extLst>
           </p:cNvPr>
@@ -29006,8 +30617,8 @@
         </p:blipFill>
         <p:spPr>
           <a:xfrm>
-            <a:off x="1277100" y="2305878"/>
-            <a:ext cx="9614739" cy="3388818"/>
+            <a:off x="1265239" y="2160920"/>
+            <a:ext cx="9626600" cy="4306141"/>
           </a:xfrm>
           <a:prstGeom prst="rect">
             <a:avLst/>
@@ -29016,10 +30627,10 @@
       </p:pic>
       <p:pic>
         <p:nvPicPr>
-          <p:cNvPr id="24" name="Picture 23">
+          <p:cNvPr id="19" name="Picture 18">
             <a:extLst>
               <a:ext uri="{FF2B5EF4-FFF2-40B4-BE49-F238E27FC236}">
-                <a16:creationId xmlns:a16="http://schemas.microsoft.com/office/drawing/2014/main" id="{792EDE49-FE9C-47F5-BDCB-2203544E5C77}"/>
+                <a16:creationId xmlns:a16="http://schemas.microsoft.com/office/drawing/2014/main" id="{428F0AA7-8259-4763-A4F1-87B67D907CB8}"/>
               </a:ext>
             </a:extLst>
           </p:cNvPr>
@@ -29053,17 +30664,149 @@
     </p:spTree>
     <p:extLst>
       <p:ext uri="{BB962C8B-B14F-4D97-AF65-F5344CB8AC3E}">
-        <p14:creationId xmlns:p14="http://schemas.microsoft.com/office/powerpoint/2010/main" val="3285155650"/>
+        <p14:creationId xmlns:p14="http://schemas.microsoft.com/office/powerpoint/2010/main" val="1146010458"/>
       </p:ext>
     </p:extLst>
   </p:cSld>
   <p:clrMapOvr>
     <a:masterClrMapping/>
   </p:clrMapOvr>
+  <p:timing>
+    <p:tnLst>
+      <p:par>
+        <p:cTn id="1" dur="indefinite" restart="never" nodeType="tmRoot">
+          <p:childTnLst>
+            <p:seq concurrent="1" nextAc="seek">
+              <p:cTn id="2" dur="indefinite" nodeType="mainSeq">
+                <p:childTnLst>
+                  <p:par>
+                    <p:cTn id="3" fill="hold">
+                      <p:stCondLst>
+                        <p:cond delay="indefinite"/>
+                        <p:cond evt="onBegin" delay="0">
+                          <p:tn val="2"/>
+                        </p:cond>
+                      </p:stCondLst>
+                      <p:childTnLst>
+                        <p:par>
+                          <p:cTn id="4" fill="hold">
+                            <p:stCondLst>
+                              <p:cond delay="0"/>
+                            </p:stCondLst>
+                            <p:childTnLst>
+                              <p:par>
+                                <p:cTn id="5" presetID="42" presetClass="entr" presetSubtype="0" fill="hold" nodeType="withEffect">
+                                  <p:stCondLst>
+                                    <p:cond delay="0"/>
+                                  </p:stCondLst>
+                                  <p:childTnLst>
+                                    <p:set>
+                                      <p:cBhvr>
+                                        <p:cTn id="6" dur="1" fill="hold">
+                                          <p:stCondLst>
+                                            <p:cond delay="0"/>
+                                          </p:stCondLst>
+                                        </p:cTn>
+                                        <p:tgtEl>
+                                          <p:spTgt spid="4"/>
+                                        </p:tgtEl>
+                                        <p:attrNameLst>
+                                          <p:attrName>style.visibility</p:attrName>
+                                        </p:attrNameLst>
+                                      </p:cBhvr>
+                                      <p:to>
+                                        <p:strVal val="visible"/>
+                                      </p:to>
+                                    </p:set>
+                                    <p:animEffect transition="in" filter="fade">
+                                      <p:cBhvr>
+                                        <p:cTn id="7" dur="750"/>
+                                        <p:tgtEl>
+                                          <p:spTgt spid="4"/>
+                                        </p:tgtEl>
+                                      </p:cBhvr>
+                                    </p:animEffect>
+                                    <p:anim calcmode="lin" valueType="num">
+                                      <p:cBhvr>
+                                        <p:cTn id="8" dur="750" fill="hold"/>
+                                        <p:tgtEl>
+                                          <p:spTgt spid="4"/>
+                                        </p:tgtEl>
+                                        <p:attrNameLst>
+                                          <p:attrName>ppt_x</p:attrName>
+                                        </p:attrNameLst>
+                                      </p:cBhvr>
+                                      <p:tavLst>
+                                        <p:tav tm="0">
+                                          <p:val>
+                                            <p:strVal val="#ppt_x"/>
+                                          </p:val>
+                                        </p:tav>
+                                        <p:tav tm="100000">
+                                          <p:val>
+                                            <p:strVal val="#ppt_x"/>
+                                          </p:val>
+                                        </p:tav>
+                                      </p:tavLst>
+                                    </p:anim>
+                                    <p:anim calcmode="lin" valueType="num">
+                                      <p:cBhvr>
+                                        <p:cTn id="9" dur="750" fill="hold"/>
+                                        <p:tgtEl>
+                                          <p:spTgt spid="4"/>
+                                        </p:tgtEl>
+                                        <p:attrNameLst>
+                                          <p:attrName>ppt_y</p:attrName>
+                                        </p:attrNameLst>
+                                      </p:cBhvr>
+                                      <p:tavLst>
+                                        <p:tav tm="0">
+                                          <p:val>
+                                            <p:strVal val="#ppt_y+.1"/>
+                                          </p:val>
+                                        </p:tav>
+                                        <p:tav tm="100000">
+                                          <p:val>
+                                            <p:strVal val="#ppt_y"/>
+                                          </p:val>
+                                        </p:tav>
+                                      </p:tavLst>
+                                    </p:anim>
+                                  </p:childTnLst>
+                                </p:cTn>
+                              </p:par>
+                            </p:childTnLst>
+                          </p:cTn>
+                        </p:par>
+                      </p:childTnLst>
+                    </p:cTn>
+                  </p:par>
+                </p:childTnLst>
+              </p:cTn>
+              <p:prevCondLst>
+                <p:cond evt="onPrev" delay="0">
+                  <p:tgtEl>
+                    <p:sldTgt/>
+                  </p:tgtEl>
+                </p:cond>
+              </p:prevCondLst>
+              <p:nextCondLst>
+                <p:cond evt="onNext" delay="0">
+                  <p:tgtEl>
+                    <p:sldTgt/>
+                  </p:tgtEl>
+                </p:cond>
+              </p:nextCondLst>
+            </p:seq>
+          </p:childTnLst>
+        </p:cTn>
+      </p:par>
+    </p:tnLst>
+  </p:timing>
 </p:sld>
 </file>
 
-<file path=ppt/slides/slide6.xml><?xml version="1.0" encoding="utf-8"?>
+<file path=ppt/slides/slide7.xml><?xml version="1.0" encoding="utf-8"?>
 <p:sld xmlns:a="http://schemas.openxmlformats.org/drawingml/2006/main" xmlns:r="http://schemas.openxmlformats.org/officeDocument/2006/relationships" xmlns:p="http://schemas.openxmlformats.org/presentationml/2006/main">
   <p:cSld>
     <p:spTree>
@@ -29655,10 +31398,10 @@
       </p:sp>
       <p:pic>
         <p:nvPicPr>
-          <p:cNvPr id="8" name="Picture 7">
+          <p:cNvPr id="3" name="Picture 2">
             <a:extLst>
               <a:ext uri="{FF2B5EF4-FFF2-40B4-BE49-F238E27FC236}">
-                <a16:creationId xmlns:a16="http://schemas.microsoft.com/office/drawing/2014/main" id="{F63CCECE-FF71-41F0-BCB1-4FA8E228880C}"/>
+                <a16:creationId xmlns:a16="http://schemas.microsoft.com/office/drawing/2014/main" id="{1C05D033-709A-482D-9610-246116EEB285}"/>
               </a:ext>
             </a:extLst>
           </p:cNvPr>
@@ -29681,8 +31424,8 @@
         </p:blipFill>
         <p:spPr>
           <a:xfrm>
-            <a:off x="1282700" y="2265695"/>
-            <a:ext cx="9614739" cy="3429000"/>
+            <a:off x="1282700" y="2160105"/>
+            <a:ext cx="9626600" cy="3948214"/>
           </a:xfrm>
           <a:prstGeom prst="rect">
             <a:avLst/>
@@ -29691,10 +31434,10 @@
       </p:pic>
       <p:pic>
         <p:nvPicPr>
-          <p:cNvPr id="18" name="Picture 17">
+          <p:cNvPr id="17" name="Picture 16">
             <a:extLst>
               <a:ext uri="{FF2B5EF4-FFF2-40B4-BE49-F238E27FC236}">
-                <a16:creationId xmlns:a16="http://schemas.microsoft.com/office/drawing/2014/main" id="{64739F5A-B041-4337-A403-23DDEB695375}"/>
+                <a16:creationId xmlns:a16="http://schemas.microsoft.com/office/drawing/2014/main" id="{5F6141D2-1E73-4772-8158-29F83EC84795}"/>
               </a:ext>
             </a:extLst>
           </p:cNvPr>
@@ -29728,17 +31471,103 @@
     </p:spTree>
     <p:extLst>
       <p:ext uri="{BB962C8B-B14F-4D97-AF65-F5344CB8AC3E}">
-        <p14:creationId xmlns:p14="http://schemas.microsoft.com/office/powerpoint/2010/main" val="398010778"/>
+        <p14:creationId xmlns:p14="http://schemas.microsoft.com/office/powerpoint/2010/main" val="505292783"/>
       </p:ext>
     </p:extLst>
   </p:cSld>
   <p:clrMapOvr>
     <a:masterClrMapping/>
   </p:clrMapOvr>
+  <p:timing>
+    <p:tnLst>
+      <p:par>
+        <p:cTn id="1" dur="indefinite" restart="never" nodeType="tmRoot">
+          <p:childTnLst>
+            <p:seq concurrent="1" nextAc="seek">
+              <p:cTn id="2" dur="indefinite" nodeType="mainSeq">
+                <p:childTnLst>
+                  <p:par>
+                    <p:cTn id="3" fill="hold">
+                      <p:stCondLst>
+                        <p:cond delay="indefinite"/>
+                        <p:cond evt="onBegin" delay="0">
+                          <p:tn val="2"/>
+                        </p:cond>
+                      </p:stCondLst>
+                      <p:childTnLst>
+                        <p:par>
+                          <p:cTn id="4" fill="hold">
+                            <p:stCondLst>
+                              <p:cond delay="0"/>
+                            </p:stCondLst>
+                            <p:childTnLst>
+                              <p:par>
+                                <p:cTn id="5" presetID="16" presetClass="entr" presetSubtype="21" fill="hold" nodeType="withEffect">
+                                  <p:stCondLst>
+                                    <p:cond delay="0"/>
+                                  </p:stCondLst>
+                                  <p:childTnLst>
+                                    <p:set>
+                                      <p:cBhvr>
+                                        <p:cTn id="6" dur="1" fill="hold">
+                                          <p:stCondLst>
+                                            <p:cond delay="0"/>
+                                          </p:stCondLst>
+                                        </p:cTn>
+                                        <p:tgtEl>
+                                          <p:spTgt spid="3"/>
+                                        </p:tgtEl>
+                                        <p:attrNameLst>
+                                          <p:attrName>style.visibility</p:attrName>
+                                        </p:attrNameLst>
+                                      </p:cBhvr>
+                                      <p:to>
+                                        <p:strVal val="visible"/>
+                                      </p:to>
+                                    </p:set>
+                                    <p:animEffect transition="in" filter="barn(inVertical)">
+                                      <p:cBhvr>
+                                        <p:cTn id="7" dur="750"/>
+                                        <p:tgtEl>
+                                          <p:spTgt spid="3"/>
+                                        </p:tgtEl>
+                                      </p:cBhvr>
+                                    </p:animEffect>
+                                  </p:childTnLst>
+                                </p:cTn>
+                              </p:par>
+                            </p:childTnLst>
+                          </p:cTn>
+                        </p:par>
+                      </p:childTnLst>
+                    </p:cTn>
+                  </p:par>
+                </p:childTnLst>
+              </p:cTn>
+              <p:prevCondLst>
+                <p:cond evt="onPrev" delay="0">
+                  <p:tgtEl>
+                    <p:sldTgt/>
+                  </p:tgtEl>
+                </p:cond>
+              </p:prevCondLst>
+              <p:nextCondLst>
+                <p:cond evt="onNext" delay="0">
+                  <p:tgtEl>
+                    <p:sldTgt/>
+                  </p:tgtEl>
+                </p:cond>
+              </p:nextCondLst>
+            </p:seq>
+          </p:childTnLst>
+        </p:cTn>
+      </p:par>
+    </p:tnLst>
+  </p:timing>
 </p:sld>
 </file>
 
-<file path=ppt/slides/slide7.xml><?xml version="1.0" encoding="utf-8"?>
+<file path=ppt/slides/slide8.xml><?xml version="1.0" encoding="utf-8"?>
 <p:sld xmlns:a="http://schemas.openxmlformats.org/drawingml/2006/main" xmlns:r="http://schemas.openxmlformats.org/officeDocument/2006/relationships" xmlns:p="http://schemas.openxmlformats.org/presentationml/2006/main">
   <p:cSld>
     <p:spTree>
@@ -30309,6 +32138,16 @@
               <a:t>ư</a:t>
             </a:r>
             <a:r>
+              <a:rPr lang="en-US" sz="3200" b="1" err="1">
+                <a:solidFill>
+                  <a:schemeClr val="accent1"/>
+                </a:solidFill>
+                <a:latin typeface="Times New Roman" panose="02020603050405020304" pitchFamily="18" charset="0"/>
+                <a:cs typeface="Times New Roman" panose="02020603050405020304" pitchFamily="18" charset="0"/>
+              </a:rPr>
+              <a:t>ơng</a:t>
+            </a:r>
+            <a:r>
               <a:rPr lang="en-US" sz="3200" b="1">
                 <a:solidFill>
                   <a:schemeClr val="accent1"/>
@@ -30316,8 +32155,65 @@
                 <a:latin typeface="Times New Roman" panose="02020603050405020304" pitchFamily="18" charset="0"/>
                 <a:cs typeface="Times New Roman" panose="02020603050405020304" pitchFamily="18" charset="0"/>
               </a:rPr>
-              <a:t>ơng mại điện tử</a:t>
+              <a:t> </a:t>
             </a:r>
+            <a:r>
+              <a:rPr lang="en-US" sz="3200" b="1" err="1">
+                <a:solidFill>
+                  <a:schemeClr val="accent1"/>
+                </a:solidFill>
+                <a:latin typeface="Times New Roman" panose="02020603050405020304" pitchFamily="18" charset="0"/>
+                <a:cs typeface="Times New Roman" panose="02020603050405020304" pitchFamily="18" charset="0"/>
+              </a:rPr>
+              <a:t>mại</a:t>
+            </a:r>
+            <a:r>
+              <a:rPr lang="en-US" sz="3200" b="1">
+                <a:solidFill>
+                  <a:schemeClr val="accent1"/>
+                </a:solidFill>
+                <a:latin typeface="Times New Roman" panose="02020603050405020304" pitchFamily="18" charset="0"/>
+                <a:cs typeface="Times New Roman" panose="02020603050405020304" pitchFamily="18" charset="0"/>
+              </a:rPr>
+              <a:t> </a:t>
+            </a:r>
+            <a:r>
+              <a:rPr lang="en-US" sz="3200" b="1" err="1">
+                <a:solidFill>
+                  <a:schemeClr val="accent1"/>
+                </a:solidFill>
+                <a:latin typeface="Times New Roman" panose="02020603050405020304" pitchFamily="18" charset="0"/>
+                <a:cs typeface="Times New Roman" panose="02020603050405020304" pitchFamily="18" charset="0"/>
+              </a:rPr>
+              <a:t>điện</a:t>
+            </a:r>
+            <a:r>
+              <a:rPr lang="en-US" sz="3200" b="1">
+                <a:solidFill>
+                  <a:schemeClr val="accent1"/>
+                </a:solidFill>
+                <a:latin typeface="Times New Roman" panose="02020603050405020304" pitchFamily="18" charset="0"/>
+                <a:cs typeface="Times New Roman" panose="02020603050405020304" pitchFamily="18" charset="0"/>
+              </a:rPr>
+              <a:t> </a:t>
+            </a:r>
+            <a:r>
+              <a:rPr lang="en-US" sz="3200" b="1" err="1">
+                <a:solidFill>
+                  <a:schemeClr val="accent1"/>
+                </a:solidFill>
+                <a:latin typeface="Times New Roman" panose="02020603050405020304" pitchFamily="18" charset="0"/>
+                <a:cs typeface="Times New Roman" panose="02020603050405020304" pitchFamily="18" charset="0"/>
+              </a:rPr>
+              <a:t>tử</a:t>
+            </a:r>
+            <a:endParaRPr lang="en-US" sz="3200" b="1">
+              <a:solidFill>
+                <a:schemeClr val="accent1"/>
+              </a:solidFill>
+              <a:latin typeface="Times New Roman" panose="02020603050405020304" pitchFamily="18" charset="0"/>
+              <a:cs typeface="Times New Roman" panose="02020603050405020304" pitchFamily="18" charset="0"/>
+            </a:endParaRPr>
           </a:p>
           <a:p>
             <a:pPr algn="l"/>
@@ -30333,7 +32229,7 @@
           <p:cNvPr id="4" name="Picture 3">
             <a:extLst>
               <a:ext uri="{FF2B5EF4-FFF2-40B4-BE49-F238E27FC236}">
-                <a16:creationId xmlns:a16="http://schemas.microsoft.com/office/drawing/2014/main" id="{FFAFA696-7F45-4C6B-962B-66E6EC78A980}"/>
+                <a16:creationId xmlns:a16="http://schemas.microsoft.com/office/drawing/2014/main" id="{875439FF-E3B6-427B-BCAD-462CD7EF8436}"/>
               </a:ext>
             </a:extLst>
           </p:cNvPr>
@@ -30356,8 +32252,8 @@
         </p:blipFill>
         <p:spPr>
           <a:xfrm>
-            <a:off x="1265239" y="2160920"/>
-            <a:ext cx="9626600" cy="4306141"/>
+            <a:off x="1282700" y="2107096"/>
+            <a:ext cx="9614739" cy="3788148"/>
           </a:xfrm>
           <a:prstGeom prst="rect">
             <a:avLst/>
@@ -30366,10 +32262,10 @@
       </p:pic>
       <p:pic>
         <p:nvPicPr>
-          <p:cNvPr id="19" name="Picture 18">
+          <p:cNvPr id="17" name="Picture 16">
             <a:extLst>
               <a:ext uri="{FF2B5EF4-FFF2-40B4-BE49-F238E27FC236}">
-                <a16:creationId xmlns:a16="http://schemas.microsoft.com/office/drawing/2014/main" id="{428F0AA7-8259-4763-A4F1-87B67D907CB8}"/>
+                <a16:creationId xmlns:a16="http://schemas.microsoft.com/office/drawing/2014/main" id="{F4DC86CA-1C67-475C-A470-72531E8C9C0F}"/>
               </a:ext>
             </a:extLst>
           </p:cNvPr>
@@ -30403,17 +32299,103 @@
     </p:spTree>
     <p:extLst>
       <p:ext uri="{BB962C8B-B14F-4D97-AF65-F5344CB8AC3E}">
-        <p14:creationId xmlns:p14="http://schemas.microsoft.com/office/powerpoint/2010/main" val="1146010458"/>
+        <p14:creationId xmlns:p14="http://schemas.microsoft.com/office/powerpoint/2010/main" val="1487972777"/>
       </p:ext>
     </p:extLst>
   </p:cSld>
   <p:clrMapOvr>
     <a:masterClrMapping/>
   </p:clrMapOvr>
+  <p:timing>
+    <p:tnLst>
+      <p:par>
+        <p:cTn id="1" dur="indefinite" restart="never" nodeType="tmRoot">
+          <p:childTnLst>
+            <p:seq concurrent="1" nextAc="seek">
+              <p:cTn id="2" dur="indefinite" nodeType="mainSeq">
+                <p:childTnLst>
+                  <p:par>
+                    <p:cTn id="3" fill="hold">
+                      <p:stCondLst>
+                        <p:cond delay="indefinite"/>
+                        <p:cond evt="onBegin" delay="0">
+                          <p:tn val="2"/>
+                        </p:cond>
+                      </p:stCondLst>
+                      <p:childTnLst>
+                        <p:par>
+                          <p:cTn id="4" fill="hold">
+                            <p:stCondLst>
+                              <p:cond delay="0"/>
+                            </p:stCondLst>
+                            <p:childTnLst>
+                              <p:par>
+                                <p:cTn id="5" presetID="14" presetClass="entr" presetSubtype="10" fill="hold" nodeType="withEffect">
+                                  <p:stCondLst>
+                                    <p:cond delay="0"/>
+                                  </p:stCondLst>
+                                  <p:childTnLst>
+                                    <p:set>
+                                      <p:cBhvr>
+                                        <p:cTn id="6" dur="1" fill="hold">
+                                          <p:stCondLst>
+                                            <p:cond delay="0"/>
+                                          </p:stCondLst>
+                                        </p:cTn>
+                                        <p:tgtEl>
+                                          <p:spTgt spid="4"/>
+                                        </p:tgtEl>
+                                        <p:attrNameLst>
+                                          <p:attrName>style.visibility</p:attrName>
+                                        </p:attrNameLst>
+                                      </p:cBhvr>
+                                      <p:to>
+                                        <p:strVal val="visible"/>
+                                      </p:to>
+                                    </p:set>
+                                    <p:animEffect transition="in" filter="randombar(horizontal)">
+                                      <p:cBhvr>
+                                        <p:cTn id="7" dur="750"/>
+                                        <p:tgtEl>
+                                          <p:spTgt spid="4"/>
+                                        </p:tgtEl>
+                                      </p:cBhvr>
+                                    </p:animEffect>
+                                  </p:childTnLst>
+                                </p:cTn>
+                              </p:par>
+                            </p:childTnLst>
+                          </p:cTn>
+                        </p:par>
+                      </p:childTnLst>
+                    </p:cTn>
+                  </p:par>
+                </p:childTnLst>
+              </p:cTn>
+              <p:prevCondLst>
+                <p:cond evt="onPrev" delay="0">
+                  <p:tgtEl>
+                    <p:sldTgt/>
+                  </p:tgtEl>
+                </p:cond>
+              </p:prevCondLst>
+              <p:nextCondLst>
+                <p:cond evt="onNext" delay="0">
+                  <p:tgtEl>
+                    <p:sldTgt/>
+                  </p:tgtEl>
+                </p:cond>
+              </p:nextCondLst>
+            </p:seq>
+          </p:childTnLst>
+        </p:cTn>
+      </p:par>
+    </p:tnLst>
+  </p:timing>
 </p:sld>
 </file>
 
-<file path=ppt/slides/slide8.xml><?xml version="1.0" encoding="utf-8"?>
+<file path=ppt/slides/slide9.xml><?xml version="1.0" encoding="utf-8"?>
 <p:sld xmlns:a="http://schemas.openxmlformats.org/drawingml/2006/main" xmlns:r="http://schemas.openxmlformats.org/officeDocument/2006/relationships" xmlns:p="http://schemas.openxmlformats.org/presentationml/2006/main">
   <p:cSld>
     <p:spTree>
@@ -30953,7 +32935,7 @@
         <p:spPr>
           <a:xfrm>
             <a:off x="1088058" y="1614328"/>
-            <a:ext cx="10015883" cy="4035362"/>
+            <a:ext cx="5591038" cy="691550"/>
           </a:xfrm>
         </p:spPr>
         <p:txBody>
@@ -30971,27 +32953,7 @@
                 <a:latin typeface="Times New Roman" panose="02020603050405020304" pitchFamily="18" charset="0"/>
                 <a:cs typeface="Times New Roman" panose="02020603050405020304" pitchFamily="18" charset="0"/>
               </a:rPr>
-              <a:t>2.1 Th</a:t>
-            </a:r>
-            <a:r>
-              <a:rPr lang="vi-VN" sz="3200" b="1">
-                <a:solidFill>
-                  <a:schemeClr val="accent1"/>
-                </a:solidFill>
-                <a:latin typeface="Times New Roman" panose="02020603050405020304" pitchFamily="18" charset="0"/>
-                <a:cs typeface="Times New Roman" panose="02020603050405020304" pitchFamily="18" charset="0"/>
-              </a:rPr>
-              <a:t>ư</a:t>
-            </a:r>
-            <a:r>
-              <a:rPr lang="en-US" sz="3200" b="1">
-                <a:solidFill>
-                  <a:schemeClr val="accent1"/>
-                </a:solidFill>
-                <a:latin typeface="Times New Roman" panose="02020603050405020304" pitchFamily="18" charset="0"/>
-                <a:cs typeface="Times New Roman" panose="02020603050405020304" pitchFamily="18" charset="0"/>
-              </a:rPr>
-              <a:t>ơng mại điện tử</a:t>
+              <a:t>2.2 Hệ thống gợi ý</a:t>
             </a:r>
           </a:p>
           <a:p>
@@ -31005,10 +32967,10 @@
       </p:sp>
       <p:pic>
         <p:nvPicPr>
-          <p:cNvPr id="3" name="Picture 2">
+          <p:cNvPr id="16" name="Picture 15">
             <a:extLst>
               <a:ext uri="{FF2B5EF4-FFF2-40B4-BE49-F238E27FC236}">
-                <a16:creationId xmlns:a16="http://schemas.microsoft.com/office/drawing/2014/main" id="{1C05D033-709A-482D-9610-246116EEB285}"/>
+                <a16:creationId xmlns:a16="http://schemas.microsoft.com/office/drawing/2014/main" id="{0BD4A744-9808-4422-982D-C753547BCFBC}"/>
               </a:ext>
             </a:extLst>
           </p:cNvPr>
@@ -31019,42 +32981,6 @@
         </p:nvPicPr>
         <p:blipFill>
           <a:blip r:embed="rId3">
-            <a:extLst>
-              <a:ext uri="{28A0092B-C50C-407E-A947-70E740481C1C}">
-                <a14:useLocalDpi xmlns:a14="http://schemas.microsoft.com/office/drawing/2010/main" val="0"/>
-              </a:ext>
-            </a:extLst>
-          </a:blip>
-          <a:stretch>
-            <a:fillRect/>
-          </a:stretch>
-        </p:blipFill>
-        <p:spPr>
-          <a:xfrm>
-            <a:off x="1282700" y="2160105"/>
-            <a:ext cx="9626600" cy="3948214"/>
-          </a:xfrm>
-          <a:prstGeom prst="rect">
-            <a:avLst/>
-          </a:prstGeom>
-        </p:spPr>
-      </p:pic>
-      <p:pic>
-        <p:nvPicPr>
-          <p:cNvPr id="17" name="Picture 16">
-            <a:extLst>
-              <a:ext uri="{FF2B5EF4-FFF2-40B4-BE49-F238E27FC236}">
-                <a16:creationId xmlns:a16="http://schemas.microsoft.com/office/drawing/2014/main" id="{5F6141D2-1E73-4772-8158-29F83EC84795}"/>
-              </a:ext>
-            </a:extLst>
-          </p:cNvPr>
-          <p:cNvPicPr>
-            <a:picLocks noChangeAspect="1"/>
-          </p:cNvPicPr>
-          <p:nvPr/>
-        </p:nvPicPr>
-        <p:blipFill>
-          <a:blip r:embed="rId4">
             <a:extLst>
               <a:ext uri="{28A0092B-C50C-407E-A947-70E740481C1C}">
                 <a14:useLocalDpi xmlns:a14="http://schemas.microsoft.com/office/drawing/2010/main" val="0"/>
@@ -31075,52 +33001,20 @@
           </a:prstGeom>
         </p:spPr>
       </p:pic>
-    </p:spTree>
-    <p:extLst>
-      <p:ext uri="{BB962C8B-B14F-4D97-AF65-F5344CB8AC3E}">
-        <p14:creationId xmlns:p14="http://schemas.microsoft.com/office/powerpoint/2010/main" val="505292783"/>
-      </p:ext>
-    </p:extLst>
-  </p:cSld>
-  <p:clrMapOvr>
-    <a:masterClrMapping/>
-  </p:clrMapOvr>
-</p:sld>
-</file>
-
-<file path=ppt/slides/slide9.xml><?xml version="1.0" encoding="utf-8"?>
-<p:sld xmlns:a="http://schemas.openxmlformats.org/drawingml/2006/main" xmlns:r="http://schemas.openxmlformats.org/officeDocument/2006/relationships" xmlns:p="http://schemas.openxmlformats.org/presentationml/2006/main">
-  <p:cSld>
-    <p:spTree>
-      <p:nvGrpSpPr>
-        <p:cNvPr id="1" name=""/>
-        <p:cNvGrpSpPr/>
-        <p:nvPr/>
-      </p:nvGrpSpPr>
-      <p:grpSpPr>
-        <a:xfrm>
-          <a:off x="0" y="0"/>
-          <a:ext cx="0" cy="0"/>
-          <a:chOff x="0" y="0"/>
-          <a:chExt cx="0" cy="0"/>
-        </a:xfrm>
-      </p:grpSpPr>
       <p:pic>
         <p:nvPicPr>
-          <p:cNvPr id="5" name="Picture 4">
+          <p:cNvPr id="18" name="Picture 17">
             <a:extLst>
               <a:ext uri="{FF2B5EF4-FFF2-40B4-BE49-F238E27FC236}">
-                <a16:creationId xmlns:a16="http://schemas.microsoft.com/office/drawing/2014/main" id="{813F15EF-A1C2-405B-A9C0-52F3FFDA58EE}"/>
+                <a16:creationId xmlns:a16="http://schemas.microsoft.com/office/drawing/2014/main" id="{B4D07A61-668E-4FE0-A467-516ABF3ACC4C}"/>
               </a:ext>
             </a:extLst>
           </p:cNvPr>
-          <p:cNvPicPr>
-            <a:picLocks noChangeAspect="1"/>
-          </p:cNvPicPr>
+          <p:cNvPicPr/>
           <p:nvPr/>
         </p:nvPicPr>
         <p:blipFill>
-          <a:blip r:embed="rId2">
+          <a:blip r:embed="rId4">
             <a:extLst>
               <a:ext uri="{28A0092B-C50C-407E-A947-70E740481C1C}">
                 <a14:useLocalDpi xmlns:a14="http://schemas.microsoft.com/office/drawing/2010/main" val="0"/>
@@ -31133,541 +33027,240 @@
         </p:blipFill>
         <p:spPr>
           <a:xfrm>
-            <a:off x="127000" y="127000"/>
-            <a:ext cx="1028700" cy="1028700"/>
+            <a:off x="6679096" y="1859883"/>
+            <a:ext cx="4132448" cy="4035361"/>
           </a:xfrm>
           <a:prstGeom prst="rect">
             <a:avLst/>
           </a:prstGeom>
         </p:spPr>
       </p:pic>
-      <p:grpSp>
-        <p:nvGrpSpPr>
-          <p:cNvPr id="116" name="Group 18">
-            <a:extLst>
-              <a:ext uri="{FF2B5EF4-FFF2-40B4-BE49-F238E27FC236}">
-                <a16:creationId xmlns:a16="http://schemas.microsoft.com/office/drawing/2014/main" id="{AC39CE75-6AAD-40DA-BED1-A0BB49A9151C}"/>
-              </a:ext>
-            </a:extLst>
-          </p:cNvPr>
-          <p:cNvGrpSpPr>
-            <a:grpSpLocks/>
-          </p:cNvGrpSpPr>
-          <p:nvPr/>
-        </p:nvGrpSpPr>
-        <p:grpSpPr bwMode="auto">
-          <a:xfrm>
-            <a:off x="1282700" y="127000"/>
-            <a:ext cx="9626600" cy="1028700"/>
-            <a:chOff x="720" y="1392"/>
-            <a:chExt cx="4058" cy="480"/>
-          </a:xfrm>
-        </p:grpSpPr>
-        <p:sp>
-          <p:nvSpPr>
-            <p:cNvPr id="117" name="AutoShape 19">
-              <a:extLst>
-                <a:ext uri="{FF2B5EF4-FFF2-40B4-BE49-F238E27FC236}">
-                  <a16:creationId xmlns:a16="http://schemas.microsoft.com/office/drawing/2014/main" id="{633CE4D7-2B63-4638-8D65-221A4454A7E6}"/>
-                </a:ext>
-              </a:extLst>
-            </p:cNvPr>
-            <p:cNvSpPr>
-              <a:spLocks noChangeArrowheads="1"/>
-            </p:cNvSpPr>
-            <p:nvPr/>
-          </p:nvSpPr>
-          <p:spPr bwMode="gray">
-            <a:xfrm>
-              <a:off x="720" y="1392"/>
-              <a:ext cx="4058" cy="480"/>
-            </a:xfrm>
-            <a:prstGeom prst="roundRect">
-              <a:avLst>
-                <a:gd name="adj" fmla="val 17509"/>
-              </a:avLst>
-            </a:prstGeom>
-            <a:gradFill rotWithShape="1">
-              <a:gsLst>
-                <a:gs pos="0">
-                  <a:srgbClr val="5EB52D"/>
-                </a:gs>
-                <a:gs pos="50000">
-                  <a:srgbClr val="5EB52D">
-                    <a:gamma/>
-                    <a:shade val="92157"/>
-                    <a:invGamma/>
-                  </a:srgbClr>
-                </a:gs>
-                <a:gs pos="100000">
-                  <a:srgbClr val="5EB52D"/>
-                </a:gs>
-              </a:gsLst>
-              <a:lin ang="5400000" scaled="1"/>
-            </a:gradFill>
-            <a:ln w="9525">
-              <a:noFill/>
-              <a:round/>
-              <a:headEnd/>
-              <a:tailEnd/>
-            </a:ln>
-            <a:effectLst/>
-          </p:spPr>
-          <p:txBody>
-            <a:bodyPr wrap="none" anchor="ctr"/>
-            <a:lstStyle/>
-            <a:p>
-              <a:pPr marL="0" marR="0" lvl="0" indent="0" algn="r" defTabSz="914400" eaLnBrk="1" fontAlgn="base" latinLnBrk="0" hangingPunct="1">
-                <a:lnSpc>
-                  <a:spcPct val="100000"/>
-                </a:lnSpc>
-                <a:spcBef>
-                  <a:spcPct val="0"/>
-                </a:spcBef>
-                <a:spcAft>
-                  <a:spcPct val="0"/>
-                </a:spcAft>
-                <a:buClrTx/>
-                <a:buSzTx/>
-                <a:buFontTx/>
-                <a:buNone/>
-                <a:tabLst/>
-                <a:defRPr/>
-              </a:pPr>
-              <a:endParaRPr kumimoji="0" lang="en-US" sz="1800" b="0" i="0" u="none" strike="noStrike" kern="0" cap="none" spc="0" normalizeH="0" baseline="0" noProof="0">
-                <a:ln>
-                  <a:noFill/>
-                </a:ln>
-                <a:solidFill>
-                  <a:srgbClr val="000000"/>
-                </a:solidFill>
-                <a:effectLst/>
-                <a:uLnTx/>
-                <a:uFillTx/>
-                <a:latin typeface="Arial" charset="0"/>
-              </a:endParaRPr>
-            </a:p>
-          </p:txBody>
-        </p:sp>
-        <p:grpSp>
-          <p:nvGrpSpPr>
-            <p:cNvPr id="118" name="Group 20">
-              <a:extLst>
-                <a:ext uri="{FF2B5EF4-FFF2-40B4-BE49-F238E27FC236}">
-                  <a16:creationId xmlns:a16="http://schemas.microsoft.com/office/drawing/2014/main" id="{C874D03F-4F67-43DA-8CA6-CA5A748BAD21}"/>
-                </a:ext>
-              </a:extLst>
-            </p:cNvPr>
-            <p:cNvGrpSpPr>
-              <a:grpSpLocks/>
-            </p:cNvGrpSpPr>
-            <p:nvPr/>
-          </p:nvGrpSpPr>
-          <p:grpSpPr bwMode="auto">
-            <a:xfrm>
-              <a:off x="730" y="1407"/>
-              <a:ext cx="4043" cy="444"/>
-              <a:chOff x="744" y="1407"/>
-              <a:chExt cx="3988" cy="444"/>
-            </a:xfrm>
-          </p:grpSpPr>
-          <p:sp>
-            <p:nvSpPr>
-              <p:cNvPr id="119" name="AutoShape 21">
-                <a:extLst>
-                  <a:ext uri="{FF2B5EF4-FFF2-40B4-BE49-F238E27FC236}">
-                    <a16:creationId xmlns:a16="http://schemas.microsoft.com/office/drawing/2014/main" id="{E7704AD0-B998-494A-948A-0AB95A322807}"/>
-                  </a:ext>
-                </a:extLst>
-              </p:cNvPr>
-              <p:cNvSpPr>
-                <a:spLocks noChangeArrowheads="1"/>
-              </p:cNvSpPr>
-              <p:nvPr/>
-            </p:nvSpPr>
-            <p:spPr bwMode="gray">
-              <a:xfrm>
-                <a:off x="744" y="1736"/>
-                <a:ext cx="3988" cy="115"/>
-              </a:xfrm>
-              <a:prstGeom prst="roundRect">
-                <a:avLst>
-                  <a:gd name="adj" fmla="val 50000"/>
-                </a:avLst>
-              </a:prstGeom>
-              <a:gradFill rotWithShape="1">
-                <a:gsLst>
-                  <a:gs pos="0">
-                    <a:srgbClr val="5EB52D">
-                      <a:alpha val="0"/>
-                    </a:srgbClr>
-                  </a:gs>
-                  <a:gs pos="100000">
-                    <a:srgbClr val="5EB52D">
-                      <a:gamma/>
-                      <a:tint val="0"/>
-                      <a:invGamma/>
-                    </a:srgbClr>
-                  </a:gs>
-                </a:gsLst>
-                <a:lin ang="5400000" scaled="1"/>
-              </a:gradFill>
-              <a:ln w="9525">
-                <a:noFill/>
-                <a:round/>
-                <a:headEnd/>
-                <a:tailEnd/>
-              </a:ln>
-              <a:effectLst/>
-            </p:spPr>
-            <p:txBody>
-              <a:bodyPr wrap="none" anchor="ctr"/>
-              <a:lstStyle/>
-              <a:p>
-                <a:pPr marL="0" marR="0" lvl="0" indent="0" algn="r" defTabSz="914400" eaLnBrk="1" fontAlgn="base" latinLnBrk="0" hangingPunct="1">
-                  <a:lnSpc>
-                    <a:spcPct val="100000"/>
-                  </a:lnSpc>
-                  <a:spcBef>
-                    <a:spcPct val="0"/>
-                  </a:spcBef>
-                  <a:spcAft>
-                    <a:spcPct val="0"/>
-                  </a:spcAft>
-                  <a:buClrTx/>
-                  <a:buSzTx/>
-                  <a:buFontTx/>
-                  <a:buNone/>
-                  <a:tabLst/>
-                  <a:defRPr/>
-                </a:pPr>
-                <a:endParaRPr kumimoji="0" lang="en-US" sz="1800" b="0" i="0" u="none" strike="noStrike" kern="0" cap="none" spc="0" normalizeH="0" baseline="0" noProof="0">
-                  <a:ln>
-                    <a:noFill/>
-                  </a:ln>
-                  <a:solidFill>
-                    <a:srgbClr val="000000"/>
-                  </a:solidFill>
-                  <a:effectLst/>
-                  <a:uLnTx/>
-                  <a:uFillTx/>
-                  <a:latin typeface="Arial" charset="0"/>
-                </a:endParaRPr>
-              </a:p>
-            </p:txBody>
-          </p:sp>
-          <p:sp>
-            <p:nvSpPr>
-              <p:cNvPr id="120" name="AutoShape 22">
-                <a:extLst>
-                  <a:ext uri="{FF2B5EF4-FFF2-40B4-BE49-F238E27FC236}">
-                    <a16:creationId xmlns:a16="http://schemas.microsoft.com/office/drawing/2014/main" id="{7E2DB2C4-E60B-4787-A2D6-A927344FA8B4}"/>
-                  </a:ext>
-                </a:extLst>
-              </p:cNvPr>
-              <p:cNvSpPr>
-                <a:spLocks noChangeArrowheads="1"/>
-              </p:cNvSpPr>
-              <p:nvPr/>
-            </p:nvSpPr>
-            <p:spPr bwMode="gray">
-              <a:xfrm>
-                <a:off x="744" y="1407"/>
-                <a:ext cx="3988" cy="115"/>
-              </a:xfrm>
-              <a:prstGeom prst="roundRect">
-                <a:avLst>
-                  <a:gd name="adj" fmla="val 50000"/>
-                </a:avLst>
-              </a:prstGeom>
-              <a:gradFill rotWithShape="1">
-                <a:gsLst>
-                  <a:gs pos="0">
-                    <a:srgbClr val="5EB52D">
-                      <a:gamma/>
-                      <a:tint val="0"/>
-                      <a:invGamma/>
-                    </a:srgbClr>
-                  </a:gs>
-                  <a:gs pos="100000">
-                    <a:srgbClr val="5EB52D">
-                      <a:alpha val="0"/>
-                    </a:srgbClr>
-                  </a:gs>
-                </a:gsLst>
-                <a:lin ang="5400000" scaled="1"/>
-              </a:gradFill>
-              <a:ln w="9525">
-                <a:noFill/>
-                <a:round/>
-                <a:headEnd/>
-                <a:tailEnd/>
-              </a:ln>
-              <a:effectLst/>
-            </p:spPr>
-            <p:txBody>
-              <a:bodyPr wrap="none" anchor="ctr"/>
-              <a:lstStyle/>
-              <a:p>
-                <a:pPr marL="0" marR="0" lvl="0" indent="0" algn="r" defTabSz="914400" eaLnBrk="1" fontAlgn="base" latinLnBrk="0" hangingPunct="1">
-                  <a:lnSpc>
-                    <a:spcPct val="100000"/>
-                  </a:lnSpc>
-                  <a:spcBef>
-                    <a:spcPct val="0"/>
-                  </a:spcBef>
-                  <a:spcAft>
-                    <a:spcPct val="0"/>
-                  </a:spcAft>
-                  <a:buClrTx/>
-                  <a:buSzTx/>
-                  <a:buFontTx/>
-                  <a:buNone/>
-                  <a:tabLst/>
-                  <a:defRPr/>
-                </a:pPr>
-                <a:endParaRPr kumimoji="0" lang="en-US" sz="1800" b="0" i="0" u="none" strike="noStrike" kern="0" cap="none" spc="0" normalizeH="0" baseline="0" noProof="0">
-                  <a:ln>
-                    <a:noFill/>
-                  </a:ln>
-                  <a:solidFill>
-                    <a:srgbClr val="000000"/>
-                  </a:solidFill>
-                  <a:effectLst/>
-                  <a:uLnTx/>
-                  <a:uFillTx/>
-                  <a:latin typeface="Arial" charset="0"/>
-                </a:endParaRPr>
-              </a:p>
-            </p:txBody>
-          </p:sp>
-        </p:grpSp>
-      </p:grpSp>
       <p:sp>
         <p:nvSpPr>
-          <p:cNvPr id="121" name="Text Box 23">
+          <p:cNvPr id="14" name="Subtitle 5">
             <a:extLst>
               <a:ext uri="{FF2B5EF4-FFF2-40B4-BE49-F238E27FC236}">
-                <a16:creationId xmlns:a16="http://schemas.microsoft.com/office/drawing/2014/main" id="{404A6011-F29B-4B0C-88DF-7979391EBAAD}"/>
+                <a16:creationId xmlns:a16="http://schemas.microsoft.com/office/drawing/2014/main" id="{D243456C-5CE4-45FE-9DC0-076F6792F696}"/>
               </a:ext>
             </a:extLst>
           </p:cNvPr>
           <p:cNvSpPr txBox="1">
-            <a:spLocks noChangeArrowheads="1"/>
+            <a:spLocks/>
           </p:cNvSpPr>
           <p:nvPr/>
         </p:nvSpPr>
-        <p:spPr bwMode="white">
+        <p:spPr>
           <a:xfrm>
-            <a:off x="1877923" y="279579"/>
-            <a:ext cx="8933621" cy="707886"/>
+            <a:off x="1088058" y="1623475"/>
+            <a:ext cx="5591038" cy="4508176"/>
           </a:xfrm>
           <a:prstGeom prst="rect">
             <a:avLst/>
           </a:prstGeom>
-          <a:noFill/>
-          <a:ln w="9525">
-            <a:noFill/>
-            <a:miter lim="800000"/>
-            <a:headEnd/>
-            <a:tailEnd/>
-          </a:ln>
-          <a:effectLst/>
         </p:spPr>
         <p:txBody>
-          <a:bodyPr wrap="square">
-            <a:spAutoFit/>
+          <a:bodyPr vert="horz" lIns="91440" tIns="45720" rIns="91440" bIns="45720" rtlCol="0">
+            <a:normAutofit/>
           </a:bodyPr>
-          <a:lstStyle/>
+          <a:lstStyle>
+            <a:lvl1pPr marL="0" indent="0" algn="ctr" defTabSz="914400" rtl="0" eaLnBrk="1" latinLnBrk="0" hangingPunct="1">
+              <a:lnSpc>
+                <a:spcPct val="90000"/>
+              </a:lnSpc>
+              <a:spcBef>
+                <a:spcPts val="1000"/>
+              </a:spcBef>
+              <a:buFont typeface="Arial" panose="020B0604020202020204" pitchFamily="34" charset="0"/>
+              <a:buNone/>
+              <a:defRPr sz="2400" kern="1200">
+                <a:solidFill>
+                  <a:schemeClr val="tx1"/>
+                </a:solidFill>
+                <a:latin typeface="+mn-lt"/>
+                <a:ea typeface="+mn-ea"/>
+                <a:cs typeface="+mn-cs"/>
+              </a:defRPr>
+            </a:lvl1pPr>
+            <a:lvl2pPr marL="457200" indent="0" algn="ctr" defTabSz="914400" rtl="0" eaLnBrk="1" latinLnBrk="0" hangingPunct="1">
+              <a:lnSpc>
+                <a:spcPct val="90000"/>
+              </a:lnSpc>
+              <a:spcBef>
+                <a:spcPts val="500"/>
+              </a:spcBef>
+              <a:buFont typeface="Arial" panose="020B0604020202020204" pitchFamily="34" charset="0"/>
+              <a:buNone/>
+              <a:defRPr sz="2000" kern="1200">
+                <a:solidFill>
+                  <a:schemeClr val="tx1"/>
+                </a:solidFill>
+                <a:latin typeface="+mn-lt"/>
+                <a:ea typeface="+mn-ea"/>
+                <a:cs typeface="+mn-cs"/>
+              </a:defRPr>
+            </a:lvl2pPr>
+            <a:lvl3pPr marL="914400" indent="0" algn="ctr" defTabSz="914400" rtl="0" eaLnBrk="1" latinLnBrk="0" hangingPunct="1">
+              <a:lnSpc>
+                <a:spcPct val="90000"/>
+              </a:lnSpc>
+              <a:spcBef>
+                <a:spcPts val="500"/>
+              </a:spcBef>
+              <a:buFont typeface="Arial" panose="020B0604020202020204" pitchFamily="34" charset="0"/>
+              <a:buNone/>
+              <a:defRPr sz="1800" kern="1200">
+                <a:solidFill>
+                  <a:schemeClr val="tx1"/>
+                </a:solidFill>
+                <a:latin typeface="+mn-lt"/>
+                <a:ea typeface="+mn-ea"/>
+                <a:cs typeface="+mn-cs"/>
+              </a:defRPr>
+            </a:lvl3pPr>
+            <a:lvl4pPr marL="1371600" indent="0" algn="ctr" defTabSz="914400" rtl="0" eaLnBrk="1" latinLnBrk="0" hangingPunct="1">
+              <a:lnSpc>
+                <a:spcPct val="90000"/>
+              </a:lnSpc>
+              <a:spcBef>
+                <a:spcPts val="500"/>
+              </a:spcBef>
+              <a:buFont typeface="Arial" panose="020B0604020202020204" pitchFamily="34" charset="0"/>
+              <a:buNone/>
+              <a:defRPr sz="1600" kern="1200">
+                <a:solidFill>
+                  <a:schemeClr val="tx1"/>
+                </a:solidFill>
+                <a:latin typeface="+mn-lt"/>
+                <a:ea typeface="+mn-ea"/>
+                <a:cs typeface="+mn-cs"/>
+              </a:defRPr>
+            </a:lvl4pPr>
+            <a:lvl5pPr marL="1828800" indent="0" algn="ctr" defTabSz="914400" rtl="0" eaLnBrk="1" latinLnBrk="0" hangingPunct="1">
+              <a:lnSpc>
+                <a:spcPct val="90000"/>
+              </a:lnSpc>
+              <a:spcBef>
+                <a:spcPts val="500"/>
+              </a:spcBef>
+              <a:buFont typeface="Arial" panose="020B0604020202020204" pitchFamily="34" charset="0"/>
+              <a:buNone/>
+              <a:defRPr sz="1600" kern="1200">
+                <a:solidFill>
+                  <a:schemeClr val="tx1"/>
+                </a:solidFill>
+                <a:latin typeface="+mn-lt"/>
+                <a:ea typeface="+mn-ea"/>
+                <a:cs typeface="+mn-cs"/>
+              </a:defRPr>
+            </a:lvl5pPr>
+            <a:lvl6pPr marL="2286000" indent="0" algn="ctr" defTabSz="914400" rtl="0" eaLnBrk="1" latinLnBrk="0" hangingPunct="1">
+              <a:lnSpc>
+                <a:spcPct val="90000"/>
+              </a:lnSpc>
+              <a:spcBef>
+                <a:spcPts val="500"/>
+              </a:spcBef>
+              <a:buFont typeface="Arial" panose="020B0604020202020204" pitchFamily="34" charset="0"/>
+              <a:buNone/>
+              <a:defRPr sz="1600" kern="1200">
+                <a:solidFill>
+                  <a:schemeClr val="tx1"/>
+                </a:solidFill>
+                <a:latin typeface="+mn-lt"/>
+                <a:ea typeface="+mn-ea"/>
+                <a:cs typeface="+mn-cs"/>
+              </a:defRPr>
+            </a:lvl6pPr>
+            <a:lvl7pPr marL="2743200" indent="0" algn="ctr" defTabSz="914400" rtl="0" eaLnBrk="1" latinLnBrk="0" hangingPunct="1">
+              <a:lnSpc>
+                <a:spcPct val="90000"/>
+              </a:lnSpc>
+              <a:spcBef>
+                <a:spcPts val="500"/>
+              </a:spcBef>
+              <a:buFont typeface="Arial" panose="020B0604020202020204" pitchFamily="34" charset="0"/>
+              <a:buNone/>
+              <a:defRPr sz="1600" kern="1200">
+                <a:solidFill>
+                  <a:schemeClr val="tx1"/>
+                </a:solidFill>
+                <a:latin typeface="+mn-lt"/>
+                <a:ea typeface="+mn-ea"/>
+                <a:cs typeface="+mn-cs"/>
+              </a:defRPr>
+            </a:lvl7pPr>
+            <a:lvl8pPr marL="3200400" indent="0" algn="ctr" defTabSz="914400" rtl="0" eaLnBrk="1" latinLnBrk="0" hangingPunct="1">
+              <a:lnSpc>
+                <a:spcPct val="90000"/>
+              </a:lnSpc>
+              <a:spcBef>
+                <a:spcPts val="500"/>
+              </a:spcBef>
+              <a:buFont typeface="Arial" panose="020B0604020202020204" pitchFamily="34" charset="0"/>
+              <a:buNone/>
+              <a:defRPr sz="1600" kern="1200">
+                <a:solidFill>
+                  <a:schemeClr val="tx1"/>
+                </a:solidFill>
+                <a:latin typeface="+mn-lt"/>
+                <a:ea typeface="+mn-ea"/>
+                <a:cs typeface="+mn-cs"/>
+              </a:defRPr>
+            </a:lvl8pPr>
+            <a:lvl9pPr marL="3657600" indent="0" algn="ctr" defTabSz="914400" rtl="0" eaLnBrk="1" latinLnBrk="0" hangingPunct="1">
+              <a:lnSpc>
+                <a:spcPct val="90000"/>
+              </a:lnSpc>
+              <a:spcBef>
+                <a:spcPts val="500"/>
+              </a:spcBef>
+              <a:buFont typeface="Arial" panose="020B0604020202020204" pitchFamily="34" charset="0"/>
+              <a:buNone/>
+              <a:defRPr sz="1600" kern="1200">
+                <a:solidFill>
+                  <a:schemeClr val="tx1"/>
+                </a:solidFill>
+                <a:latin typeface="+mn-lt"/>
+                <a:ea typeface="+mn-ea"/>
+                <a:cs typeface="+mn-cs"/>
+              </a:defRPr>
+            </a:lvl9pPr>
+          </a:lstStyle>
           <a:p>
-            <a:pPr marL="457200" indent="-457200" algn="ctr" fontAlgn="base">
-              <a:spcBef>
-                <a:spcPct val="50000"/>
-              </a:spcBef>
-              <a:spcAft>
-                <a:spcPct val="0"/>
-              </a:spcAft>
-              <a:buClr>
-                <a:srgbClr val="000000"/>
-              </a:buClr>
+            <a:pPr algn="l">
+              <a:lnSpc>
+                <a:spcPct val="130000"/>
+              </a:lnSpc>
+            </a:pPr>
+            <a:endParaRPr lang="en-US">
+              <a:latin typeface="Times New Roman" panose="02020603050405020304" pitchFamily="18" charset="0"/>
+              <a:cs typeface="Times New Roman" panose="02020603050405020304" pitchFamily="18" charset="0"/>
+            </a:endParaRPr>
+          </a:p>
+          <a:p>
+            <a:pPr algn="l">
+              <a:lnSpc>
+                <a:spcPct val="130000"/>
+              </a:lnSpc>
             </a:pPr>
             <a:r>
-              <a:rPr lang="en-US" sz="4000" b="1">
-                <a:solidFill>
-                  <a:srgbClr val="FFFFFF"/>
-                </a:solidFill>
+              <a:rPr lang="en-US">
                 <a:latin typeface="Times New Roman" panose="02020603050405020304" pitchFamily="18" charset="0"/>
                 <a:cs typeface="Times New Roman" panose="02020603050405020304" pitchFamily="18" charset="0"/>
               </a:rPr>
-              <a:t>  VẤN ĐỀ NGHIÊN CỨU</a:t>
+              <a:t>L</a:t>
             </a:r>
-          </a:p>
-        </p:txBody>
-      </p:sp>
-      <p:sp>
-        <p:nvSpPr>
-          <p:cNvPr id="124" name="AutoShape 63">
-            <a:extLst>
-              <a:ext uri="{FF2B5EF4-FFF2-40B4-BE49-F238E27FC236}">
-                <a16:creationId xmlns:a16="http://schemas.microsoft.com/office/drawing/2014/main" id="{4883C600-CECC-4488-ABD4-74AAA8452985}"/>
-              </a:ext>
-            </a:extLst>
-          </p:cNvPr>
-          <p:cNvSpPr>
-            <a:spLocks noChangeArrowheads="1"/>
-          </p:cNvSpPr>
-          <p:nvPr/>
-        </p:nvSpPr>
-        <p:spPr bwMode="gray">
-          <a:xfrm>
-            <a:off x="1438994" y="265034"/>
-            <a:ext cx="750858" cy="739775"/>
-          </a:xfrm>
-          <a:prstGeom prst="diamond">
-            <a:avLst/>
-          </a:prstGeom>
-          <a:solidFill>
-            <a:schemeClr val="accent2"/>
-          </a:solidFill>
-          <a:ln w="25400" algn="ctr">
-            <a:solidFill>
-              <a:schemeClr val="bg1"/>
-            </a:solidFill>
-            <a:miter lim="800000"/>
-            <a:headEnd/>
-            <a:tailEnd/>
-          </a:ln>
-          <a:effectLst>
-            <a:outerShdw dist="63500" dir="2212194" algn="ctr" rotWithShape="0">
-              <a:srgbClr val="333333">
-                <a:alpha val="50000"/>
-              </a:srgbClr>
-            </a:outerShdw>
-          </a:effectLst>
-        </p:spPr>
-        <p:txBody>
-          <a:bodyPr wrap="none" anchor="ctr"/>
-          <a:lstStyle/>
-          <a:p>
-            <a:endParaRPr lang="en-US" sz="1900">
-              <a:solidFill>
-                <a:srgbClr val="000066"/>
-              </a:solidFill>
-              <a:latin typeface="Arial" charset="0"/>
-            </a:endParaRPr>
-          </a:p>
-        </p:txBody>
-      </p:sp>
-      <p:sp>
-        <p:nvSpPr>
-          <p:cNvPr id="125" name="Text Box 65">
-            <a:extLst>
-              <a:ext uri="{FF2B5EF4-FFF2-40B4-BE49-F238E27FC236}">
-                <a16:creationId xmlns:a16="http://schemas.microsoft.com/office/drawing/2014/main" id="{3EA324F5-BF5B-4B91-A42D-9507F201E05E}"/>
-              </a:ext>
-            </a:extLst>
-          </p:cNvPr>
-          <p:cNvSpPr txBox="1">
-            <a:spLocks noChangeArrowheads="1"/>
-          </p:cNvSpPr>
-          <p:nvPr/>
-        </p:nvSpPr>
-        <p:spPr bwMode="gray">
-          <a:xfrm>
-            <a:off x="1603812" y="289256"/>
-            <a:ext cx="394647" cy="684637"/>
-          </a:xfrm>
-          <a:prstGeom prst="rect">
-            <a:avLst/>
-          </a:prstGeom>
-          <a:noFill/>
-          <a:ln w="9525" algn="ctr">
-            <a:noFill/>
-            <a:miter lim="800000"/>
-            <a:headEnd/>
-            <a:tailEnd/>
-          </a:ln>
-          <a:effectLst/>
-        </p:spPr>
-        <p:txBody>
-          <a:bodyPr wrap="none" lIns="68415" tIns="34208" rIns="68415" bIns="34208">
-            <a:spAutoFit/>
-          </a:bodyPr>
-          <a:lstStyle/>
-          <a:p>
-            <a:pPr algn="ctr" defTabSz="684213" eaLnBrk="0" hangingPunct="0"/>
             <a:r>
-              <a:rPr lang="en-US" sz="4000">
-                <a:solidFill>
-                  <a:srgbClr val="FFFFFF"/>
-                </a:solidFill>
+              <a:rPr lang="vi-VN">
                 <a:latin typeface="Times New Roman" panose="02020603050405020304" pitchFamily="18" charset="0"/>
                 <a:cs typeface="Times New Roman" panose="02020603050405020304" pitchFamily="18" charset="0"/>
               </a:rPr>
-              <a:t>2</a:t>
+              <a:t>à một dạng của hệ hỗ trợ ra quyết định, cung cấp giải pháp mang tính cá nhân hóa mà không phải trải qua quá trình tìm kiếm phức tạp. Hệ gợi ý học từ người dùng và gợi ý các sản phẩm tốt nhất trong số các sản phẩm phù hợp.</a:t>
             </a:r>
-          </a:p>
-        </p:txBody>
-      </p:sp>
-      <p:sp>
-        <p:nvSpPr>
-          <p:cNvPr id="6" name="Subtitle 5">
-            <a:extLst>
-              <a:ext uri="{FF2B5EF4-FFF2-40B4-BE49-F238E27FC236}">
-                <a16:creationId xmlns:a16="http://schemas.microsoft.com/office/drawing/2014/main" id="{DF481779-8EC9-4D52-BFEF-38319E90D5C7}"/>
-              </a:ext>
-            </a:extLst>
-          </p:cNvPr>
-          <p:cNvSpPr>
-            <a:spLocks noGrp="1"/>
-          </p:cNvSpPr>
-          <p:nvPr>
-            <p:ph type="subTitle" idx="1"/>
-          </p:nvPr>
-        </p:nvSpPr>
-        <p:spPr>
-          <a:xfrm>
-            <a:off x="1088058" y="1614328"/>
-            <a:ext cx="10015883" cy="4035362"/>
-          </a:xfrm>
-        </p:spPr>
-        <p:txBody>
-          <a:bodyPr>
-            <a:normAutofit/>
-          </a:bodyPr>
-          <a:lstStyle/>
-          <a:p>
-            <a:pPr algn="l"/>
-            <a:r>
-              <a:rPr lang="en-US" sz="3200">
-                <a:solidFill>
-                  <a:schemeClr val="accent1"/>
-                </a:solidFill>
-                <a:latin typeface="Times New Roman" panose="02020603050405020304" pitchFamily="18" charset="0"/>
-                <a:cs typeface="Times New Roman" panose="02020603050405020304" pitchFamily="18" charset="0"/>
-              </a:rPr>
-              <a:t>2.1 Th</a:t>
-            </a:r>
-            <a:r>
-              <a:rPr lang="vi-VN" sz="3200">
-                <a:solidFill>
-                  <a:schemeClr val="accent1"/>
-                </a:solidFill>
-                <a:latin typeface="Times New Roman" panose="02020603050405020304" pitchFamily="18" charset="0"/>
-                <a:cs typeface="Times New Roman" panose="02020603050405020304" pitchFamily="18" charset="0"/>
-              </a:rPr>
-              <a:t>ư</a:t>
-            </a:r>
-            <a:r>
-              <a:rPr lang="en-US" sz="3200">
-                <a:solidFill>
-                  <a:schemeClr val="accent1"/>
-                </a:solidFill>
-                <a:latin typeface="Times New Roman" panose="02020603050405020304" pitchFamily="18" charset="0"/>
-                <a:cs typeface="Times New Roman" panose="02020603050405020304" pitchFamily="18" charset="0"/>
-              </a:rPr>
-              <a:t>ơng mại điện tử</a:t>
-            </a:r>
+            <a:endParaRPr lang="en-US">
+              <a:latin typeface="Times New Roman" panose="02020603050405020304" pitchFamily="18" charset="0"/>
+              <a:cs typeface="Times New Roman" panose="02020603050405020304" pitchFamily="18" charset="0"/>
+            </a:endParaRPr>
           </a:p>
           <a:p>
             <a:pPr algn="l"/>
@@ -31678,88 +33271,164 @@
           </a:p>
         </p:txBody>
       </p:sp>
-      <p:pic>
-        <p:nvPicPr>
-          <p:cNvPr id="4" name="Picture 3">
-            <a:extLst>
-              <a:ext uri="{FF2B5EF4-FFF2-40B4-BE49-F238E27FC236}">
-                <a16:creationId xmlns:a16="http://schemas.microsoft.com/office/drawing/2014/main" id="{875439FF-E3B6-427B-BCAD-462CD7EF8436}"/>
-              </a:ext>
-            </a:extLst>
-          </p:cNvPr>
-          <p:cNvPicPr>
-            <a:picLocks noChangeAspect="1"/>
-          </p:cNvPicPr>
-          <p:nvPr/>
-        </p:nvPicPr>
-        <p:blipFill>
-          <a:blip r:embed="rId3">
-            <a:extLst>
-              <a:ext uri="{28A0092B-C50C-407E-A947-70E740481C1C}">
-                <a14:useLocalDpi xmlns:a14="http://schemas.microsoft.com/office/drawing/2010/main" val="0"/>
-              </a:ext>
-            </a:extLst>
-          </a:blip>
-          <a:stretch>
-            <a:fillRect/>
-          </a:stretch>
-        </p:blipFill>
-        <p:spPr>
-          <a:xfrm>
-            <a:off x="1282700" y="2107096"/>
-            <a:ext cx="9614739" cy="3788148"/>
-          </a:xfrm>
-          <a:prstGeom prst="rect">
-            <a:avLst/>
-          </a:prstGeom>
-        </p:spPr>
-      </p:pic>
-      <p:pic>
-        <p:nvPicPr>
-          <p:cNvPr id="17" name="Picture 16">
-            <a:extLst>
-              <a:ext uri="{FF2B5EF4-FFF2-40B4-BE49-F238E27FC236}">
-                <a16:creationId xmlns:a16="http://schemas.microsoft.com/office/drawing/2014/main" id="{F4DC86CA-1C67-475C-A470-72531E8C9C0F}"/>
-              </a:ext>
-            </a:extLst>
-          </p:cNvPr>
-          <p:cNvPicPr>
-            <a:picLocks noChangeAspect="1"/>
-          </p:cNvPicPr>
-          <p:nvPr/>
-        </p:nvPicPr>
-        <p:blipFill>
-          <a:blip r:embed="rId4">
-            <a:extLst>
-              <a:ext uri="{28A0092B-C50C-407E-A947-70E740481C1C}">
-                <a14:useLocalDpi xmlns:a14="http://schemas.microsoft.com/office/drawing/2010/main" val="0"/>
-              </a:ext>
-            </a:extLst>
-          </a:blip>
-          <a:stretch>
-            <a:fillRect/>
-          </a:stretch>
-        </p:blipFill>
-        <p:spPr>
-          <a:xfrm>
-            <a:off x="10178549" y="5895244"/>
-            <a:ext cx="1880931" cy="830236"/>
-          </a:xfrm>
-          <a:prstGeom prst="rect">
-            <a:avLst/>
-          </a:prstGeom>
-        </p:spPr>
-      </p:pic>
     </p:spTree>
     <p:extLst>
       <p:ext uri="{BB962C8B-B14F-4D97-AF65-F5344CB8AC3E}">
-        <p14:creationId xmlns:p14="http://schemas.microsoft.com/office/powerpoint/2010/main" val="1487972777"/>
+        <p14:creationId xmlns:p14="http://schemas.microsoft.com/office/powerpoint/2010/main" val="1924575472"/>
       </p:ext>
     </p:extLst>
   </p:cSld>
   <p:clrMapOvr>
     <a:masterClrMapping/>
   </p:clrMapOvr>
+  <p:timing>
+    <p:tnLst>
+      <p:par>
+        <p:cTn id="1" dur="indefinite" restart="never" nodeType="tmRoot">
+          <p:childTnLst>
+            <p:seq concurrent="1" nextAc="seek">
+              <p:cTn id="2" dur="indefinite" nodeType="mainSeq">
+                <p:childTnLst>
+                  <p:par>
+                    <p:cTn id="3" fill="hold">
+                      <p:stCondLst>
+                        <p:cond delay="indefinite"/>
+                        <p:cond evt="onBegin" delay="0">
+                          <p:tn val="2"/>
+                        </p:cond>
+                      </p:stCondLst>
+                      <p:childTnLst>
+                        <p:par>
+                          <p:cTn id="4" fill="hold">
+                            <p:stCondLst>
+                              <p:cond delay="0"/>
+                            </p:stCondLst>
+                            <p:childTnLst>
+                              <p:par>
+                                <p:cTn id="5" presetID="42" presetClass="entr" presetSubtype="0" fill="hold" nodeType="withEffect">
+                                  <p:stCondLst>
+                                    <p:cond delay="250"/>
+                                  </p:stCondLst>
+                                  <p:childTnLst>
+                                    <p:set>
+                                      <p:cBhvr>
+                                        <p:cTn id="6" dur="1" fill="hold">
+                                          <p:stCondLst>
+                                            <p:cond delay="0"/>
+                                          </p:stCondLst>
+                                        </p:cTn>
+                                        <p:tgtEl>
+                                          <p:spTgt spid="14">
+                                            <p:txEl>
+                                              <p:pRg st="1" end="1"/>
+                                            </p:txEl>
+                                          </p:spTgt>
+                                        </p:tgtEl>
+                                        <p:attrNameLst>
+                                          <p:attrName>style.visibility</p:attrName>
+                                        </p:attrNameLst>
+                                      </p:cBhvr>
+                                      <p:to>
+                                        <p:strVal val="visible"/>
+                                      </p:to>
+                                    </p:set>
+                                    <p:animEffect transition="in" filter="fade">
+                                      <p:cBhvr>
+                                        <p:cTn id="7" dur="750"/>
+                                        <p:tgtEl>
+                                          <p:spTgt spid="14">
+                                            <p:txEl>
+                                              <p:pRg st="1" end="1"/>
+                                            </p:txEl>
+                                          </p:spTgt>
+                                        </p:tgtEl>
+                                      </p:cBhvr>
+                                    </p:animEffect>
+                                    <p:anim calcmode="lin" valueType="num">
+                                      <p:cBhvr>
+                                        <p:cTn id="8" dur="750" fill="hold"/>
+                                        <p:tgtEl>
+                                          <p:spTgt spid="14">
+                                            <p:txEl>
+                                              <p:pRg st="1" end="1"/>
+                                            </p:txEl>
+                                          </p:spTgt>
+                                        </p:tgtEl>
+                                        <p:attrNameLst>
+                                          <p:attrName>ppt_x</p:attrName>
+                                        </p:attrNameLst>
+                                      </p:cBhvr>
+                                      <p:tavLst>
+                                        <p:tav tm="0">
+                                          <p:val>
+                                            <p:strVal val="#ppt_x"/>
+                                          </p:val>
+                                        </p:tav>
+                                        <p:tav tm="100000">
+                                          <p:val>
+                                            <p:strVal val="#ppt_x"/>
+                                          </p:val>
+                                        </p:tav>
+                                      </p:tavLst>
+                                    </p:anim>
+                                    <p:anim calcmode="lin" valueType="num">
+                                      <p:cBhvr>
+                                        <p:cTn id="9" dur="750" fill="hold"/>
+                                        <p:tgtEl>
+                                          <p:spTgt spid="14">
+                                            <p:txEl>
+                                              <p:pRg st="1" end="1"/>
+                                            </p:txEl>
+                                          </p:spTgt>
+                                        </p:tgtEl>
+                                        <p:attrNameLst>
+                                          <p:attrName>ppt_y</p:attrName>
+                                        </p:attrNameLst>
+                                      </p:cBhvr>
+                                      <p:tavLst>
+                                        <p:tav tm="0">
+                                          <p:val>
+                                            <p:strVal val="#ppt_y+.1"/>
+                                          </p:val>
+                                        </p:tav>
+                                        <p:tav tm="100000">
+                                          <p:val>
+                                            <p:strVal val="#ppt_y"/>
+                                          </p:val>
+                                        </p:tav>
+                                      </p:tavLst>
+                                    </p:anim>
+                                  </p:childTnLst>
+                                </p:cTn>
+                              </p:par>
+                            </p:childTnLst>
+                          </p:cTn>
+                        </p:par>
+                      </p:childTnLst>
+                    </p:cTn>
+                  </p:par>
+                </p:childTnLst>
+              </p:cTn>
+              <p:prevCondLst>
+                <p:cond evt="onPrev" delay="0">
+                  <p:tgtEl>
+                    <p:sldTgt/>
+                  </p:tgtEl>
+                </p:cond>
+              </p:prevCondLst>
+              <p:nextCondLst>
+                <p:cond evt="onNext" delay="0">
+                  <p:tgtEl>
+                    <p:sldTgt/>
+                  </p:tgtEl>
+                </p:cond>
+              </p:nextCondLst>
+            </p:seq>
+          </p:childTnLst>
+        </p:cTn>
+      </p:par>
+    </p:tnLst>
+  </p:timing>
 </p:sld>
 </file>
 
